--- a/exp/instruction/instruction_gr.pptx
+++ b/exp/instruction/instruction_gr.pptx
@@ -4145,7 +4145,15 @@
                   <a:schemeClr val="bg1"/>
                 </a:solidFill>
               </a:rPr>
-              <a:t>	+70</a:t>
+              <a:t>	</a:t>
+            </a:r>
+            <a:r>
+              <a:rPr lang="en-US" altLang="zh-CN" sz="2800" dirty="0" smtClean="0">
+                <a:solidFill>
+                  <a:schemeClr val="bg1"/>
+                </a:solidFill>
+              </a:rPr>
+              <a:t>+60</a:t>
             </a:r>
             <a:r>
               <a:rPr lang="zh-CN" altLang="en-US" sz="2800" dirty="0" smtClean="0">
@@ -6473,23 +6481,7 @@
                   <a:schemeClr val="bg1"/>
                 </a:solidFill>
               </a:rPr>
-              <a:t>色</a:t>
-            </a:r>
-            <a:r>
-              <a:rPr lang="zh-CN" altLang="en-US" dirty="0" smtClean="0">
-                <a:solidFill>
-                  <a:schemeClr val="bg1"/>
-                </a:solidFill>
-              </a:rPr>
-              <a:t>表示得到</a:t>
-            </a:r>
-            <a:r>
-              <a:rPr lang="zh-CN" altLang="en-US" dirty="0" smtClean="0">
-                <a:solidFill>
-                  <a:schemeClr val="bg1"/>
-                </a:solidFill>
-              </a:rPr>
-              <a:t>，</a:t>
+              <a:t>色表示得到，</a:t>
             </a:r>
             <a:r>
               <a:rPr lang="zh-CN" altLang="en-US" dirty="0" smtClean="0">
@@ -6512,15 +6504,7 @@
                   <a:schemeClr val="bg1"/>
                 </a:solidFill>
               </a:rPr>
-              <a:t>色</a:t>
-            </a:r>
-            <a:r>
-              <a:rPr lang="zh-CN" altLang="en-US" dirty="0" smtClean="0">
-                <a:solidFill>
-                  <a:schemeClr val="bg1"/>
-                </a:solidFill>
-              </a:rPr>
-              <a:t>表示失去</a:t>
+              <a:t>色表示失去</a:t>
             </a:r>
             <a:endParaRPr lang="en-US" altLang="zh-CN" dirty="0">
               <a:solidFill>
@@ -9913,7 +9897,15 @@
                   <a:schemeClr val="bg1"/>
                 </a:solidFill>
               </a:rPr>
-              <a:t>抽出一个</a:t>
+              <a:t>抽</a:t>
+            </a:r>
+            <a:r>
+              <a:rPr lang="zh-CN" altLang="en-US" b="1" dirty="0" smtClean="0">
+                <a:solidFill>
+                  <a:schemeClr val="bg1"/>
+                </a:solidFill>
+              </a:rPr>
+              <a:t>出两个</a:t>
             </a:r>
             <a:r>
               <a:rPr lang="zh-CN" altLang="en-US" dirty="0">

--- a/exp/instruction/instruction_gr.pptx
+++ b/exp/instruction/instruction_gr.pptx
@@ -9,9 +9,9 @@
   </p:notesMasterIdLst>
   <p:sldIdLst>
     <p:sldId id="256" r:id="rId2"/>
-    <p:sldId id="259" r:id="rId3"/>
+    <p:sldId id="280" r:id="rId3"/>
     <p:sldId id="277" r:id="rId4"/>
-    <p:sldId id="278" r:id="rId5"/>
+    <p:sldId id="282" r:id="rId5"/>
     <p:sldId id="263" r:id="rId6"/>
     <p:sldId id="275" r:id="rId7"/>
     <p:sldId id="276" r:id="rId8"/>
@@ -124,9 +124,9 @@
         <p14:section name="默认节" id="{18749A2B-35AD-42B0-8F63-7EE87627D215}">
           <p14:sldIdLst>
             <p14:sldId id="256"/>
-            <p14:sldId id="259"/>
+            <p14:sldId id="280"/>
             <p14:sldId id="277"/>
-            <p14:sldId id="278"/>
+            <p14:sldId id="282"/>
             <p14:sldId id="263"/>
             <p14:sldId id="275"/>
             <p14:sldId id="276"/>
@@ -239,7 +239,7 @@
           <a:p>
             <a:fld id="{2C496578-4F2C-4688-9243-EBFE8E25C03A}" type="datetimeFigureOut">
               <a:rPr lang="zh-CN" altLang="en-US" smtClean="0"/>
-              <a:t>2018/10/24</a:t>
+              <a:t>2018/11/1</a:t>
             </a:fld>
             <a:endParaRPr lang="zh-CN" altLang="en-US"/>
           </a:p>
@@ -585,7 +585,7 @@
     </p:spTree>
     <p:extLst>
       <p:ext uri="{BB962C8B-B14F-4D97-AF65-F5344CB8AC3E}">
-        <p14:creationId xmlns:p14="http://schemas.microsoft.com/office/powerpoint/2010/main" val="3258331542"/>
+        <p14:creationId xmlns:p14="http://schemas.microsoft.com/office/powerpoint/2010/main" val="810373833"/>
       </p:ext>
     </p:extLst>
   </p:cSld>
@@ -763,7 +763,7 @@
     </p:spTree>
     <p:extLst>
       <p:ext uri="{BB962C8B-B14F-4D97-AF65-F5344CB8AC3E}">
-        <p14:creationId xmlns:p14="http://schemas.microsoft.com/office/powerpoint/2010/main" val="3709314863"/>
+        <p14:creationId xmlns:p14="http://schemas.microsoft.com/office/powerpoint/2010/main" val="2467244103"/>
       </p:ext>
     </p:extLst>
   </p:cSld>
@@ -904,7 +904,7 @@
           <a:p>
             <a:fld id="{E02BEBD4-C5DA-43A4-AF93-7C9EEB60B9E0}" type="datetimeFigureOut">
               <a:rPr lang="zh-CN" altLang="en-US" smtClean="0"/>
-              <a:t>2018/10/24</a:t>
+              <a:t>2018/11/1</a:t>
             </a:fld>
             <a:endParaRPr lang="zh-CN" altLang="en-US"/>
           </a:p>
@@ -1074,7 +1074,7 @@
           <a:p>
             <a:fld id="{E02BEBD4-C5DA-43A4-AF93-7C9EEB60B9E0}" type="datetimeFigureOut">
               <a:rPr lang="zh-CN" altLang="en-US" smtClean="0"/>
-              <a:t>2018/10/24</a:t>
+              <a:t>2018/11/1</a:t>
             </a:fld>
             <a:endParaRPr lang="zh-CN" altLang="en-US"/>
           </a:p>
@@ -1254,7 +1254,7 @@
           <a:p>
             <a:fld id="{E02BEBD4-C5DA-43A4-AF93-7C9EEB60B9E0}" type="datetimeFigureOut">
               <a:rPr lang="zh-CN" altLang="en-US" smtClean="0"/>
-              <a:t>2018/10/24</a:t>
+              <a:t>2018/11/1</a:t>
             </a:fld>
             <a:endParaRPr lang="zh-CN" altLang="en-US"/>
           </a:p>
@@ -1424,7 +1424,7 @@
           <a:p>
             <a:fld id="{E02BEBD4-C5DA-43A4-AF93-7C9EEB60B9E0}" type="datetimeFigureOut">
               <a:rPr lang="zh-CN" altLang="en-US" smtClean="0"/>
-              <a:t>2018/10/24</a:t>
+              <a:t>2018/11/1</a:t>
             </a:fld>
             <a:endParaRPr lang="zh-CN" altLang="en-US"/>
           </a:p>
@@ -1670,7 +1670,7 @@
           <a:p>
             <a:fld id="{E02BEBD4-C5DA-43A4-AF93-7C9EEB60B9E0}" type="datetimeFigureOut">
               <a:rPr lang="zh-CN" altLang="en-US" smtClean="0"/>
-              <a:t>2018/10/24</a:t>
+              <a:t>2018/11/1</a:t>
             </a:fld>
             <a:endParaRPr lang="zh-CN" altLang="en-US"/>
           </a:p>
@@ -1902,7 +1902,7 @@
           <a:p>
             <a:fld id="{E02BEBD4-C5DA-43A4-AF93-7C9EEB60B9E0}" type="datetimeFigureOut">
               <a:rPr lang="zh-CN" altLang="en-US" smtClean="0"/>
-              <a:t>2018/10/24</a:t>
+              <a:t>2018/11/1</a:t>
             </a:fld>
             <a:endParaRPr lang="zh-CN" altLang="en-US"/>
           </a:p>
@@ -2269,7 +2269,7 @@
           <a:p>
             <a:fld id="{E02BEBD4-C5DA-43A4-AF93-7C9EEB60B9E0}" type="datetimeFigureOut">
               <a:rPr lang="zh-CN" altLang="en-US" smtClean="0"/>
-              <a:t>2018/10/24</a:t>
+              <a:t>2018/11/1</a:t>
             </a:fld>
             <a:endParaRPr lang="zh-CN" altLang="en-US"/>
           </a:p>
@@ -2387,7 +2387,7 @@
           <a:p>
             <a:fld id="{E02BEBD4-C5DA-43A4-AF93-7C9EEB60B9E0}" type="datetimeFigureOut">
               <a:rPr lang="zh-CN" altLang="en-US" smtClean="0"/>
-              <a:t>2018/10/24</a:t>
+              <a:t>2018/11/1</a:t>
             </a:fld>
             <a:endParaRPr lang="zh-CN" altLang="en-US"/>
           </a:p>
@@ -2482,7 +2482,7 @@
           <a:p>
             <a:fld id="{E02BEBD4-C5DA-43A4-AF93-7C9EEB60B9E0}" type="datetimeFigureOut">
               <a:rPr lang="zh-CN" altLang="en-US" smtClean="0"/>
-              <a:t>2018/10/24</a:t>
+              <a:t>2018/11/1</a:t>
             </a:fld>
             <a:endParaRPr lang="zh-CN" altLang="en-US"/>
           </a:p>
@@ -2759,7 +2759,7 @@
           <a:p>
             <a:fld id="{E02BEBD4-C5DA-43A4-AF93-7C9EEB60B9E0}" type="datetimeFigureOut">
               <a:rPr lang="zh-CN" altLang="en-US" smtClean="0"/>
-              <a:t>2018/10/24</a:t>
+              <a:t>2018/11/1</a:t>
             </a:fld>
             <a:endParaRPr lang="zh-CN" altLang="en-US"/>
           </a:p>
@@ -3016,7 +3016,7 @@
           <a:p>
             <a:fld id="{E02BEBD4-C5DA-43A4-AF93-7C9EEB60B9E0}" type="datetimeFigureOut">
               <a:rPr lang="zh-CN" altLang="en-US" smtClean="0"/>
-              <a:t>2018/10/24</a:t>
+              <a:t>2018/11/1</a:t>
             </a:fld>
             <a:endParaRPr lang="zh-CN" altLang="en-US"/>
           </a:p>
@@ -3232,7 +3232,7 @@
           <a:p>
             <a:fld id="{E02BEBD4-C5DA-43A4-AF93-7C9EEB60B9E0}" type="datetimeFigureOut">
               <a:rPr lang="zh-CN" altLang="en-US" smtClean="0"/>
-              <a:t>2018/10/24</a:t>
+              <a:t>2018/11/1</a:t>
             </a:fld>
             <a:endParaRPr lang="zh-CN" altLang="en-US"/>
           </a:p>
@@ -4145,15 +4145,7 @@
                   <a:schemeClr val="bg1"/>
                 </a:solidFill>
               </a:rPr>
-              <a:t>	</a:t>
-            </a:r>
-            <a:r>
-              <a:rPr lang="en-US" altLang="zh-CN" sz="2800" dirty="0" smtClean="0">
-                <a:solidFill>
-                  <a:schemeClr val="bg1"/>
-                </a:solidFill>
-              </a:rPr>
-              <a:t>+60</a:t>
+              <a:t>	+60</a:t>
             </a:r>
             <a:r>
               <a:rPr lang="zh-CN" altLang="en-US" sz="2800" dirty="0" smtClean="0">
@@ -4632,7 +4624,369 @@
       </p:grpSpPr>
       <p:sp>
         <p:nvSpPr>
-          <p:cNvPr id="67" name="矩形 3">
+          <p:cNvPr id="2" name="文本框 1">
+            <a:extLst>
+              <a:ext uri="{FF2B5EF4-FFF2-40B4-BE49-F238E27FC236}">
+                <a16:creationId xmlns:a16="http://schemas.microsoft.com/office/drawing/2014/main" id="{77860894-E7E5-41F8-AC9F-F1D0DF6C29CE}"/>
+              </a:ext>
+            </a:extLst>
+          </p:cNvPr>
+          <p:cNvSpPr txBox="1"/>
+          <p:nvPr/>
+        </p:nvSpPr>
+        <p:spPr>
+          <a:xfrm rot="10800000" flipH="1" flipV="1">
+            <a:off x="3643951" y="3249579"/>
+            <a:ext cx="4995224" cy="646331"/>
+          </a:xfrm>
+          <a:prstGeom prst="rect">
+            <a:avLst/>
+          </a:prstGeom>
+          <a:noFill/>
+        </p:spPr>
+        <p:txBody>
+          <a:bodyPr wrap="square" rtlCol="0">
+            <a:spAutoFit/>
+          </a:bodyPr>
+          <a:lstStyle/>
+          <a:p>
+            <a:r>
+              <a:rPr lang="zh-CN" altLang="en-US" dirty="0" smtClean="0">
+                <a:solidFill>
+                  <a:schemeClr val="bg1"/>
+                </a:solidFill>
+              </a:rPr>
+              <a:t>实</a:t>
+            </a:r>
+            <a:r>
+              <a:rPr lang="zh-CN" altLang="en-US" dirty="0">
+                <a:solidFill>
+                  <a:schemeClr val="bg1"/>
+                </a:solidFill>
+              </a:rPr>
+              <a:t>验中请将手</a:t>
+            </a:r>
+            <a:r>
+              <a:rPr lang="zh-CN" altLang="en-US" dirty="0" smtClean="0">
+                <a:solidFill>
+                  <a:schemeClr val="bg1"/>
+                </a:solidFill>
+              </a:rPr>
+              <a:t>机与其他电子产品放</a:t>
+            </a:r>
+            <a:r>
+              <a:rPr lang="zh-CN" altLang="en-US" dirty="0">
+                <a:solidFill>
+                  <a:schemeClr val="bg1"/>
+                </a:solidFill>
+              </a:rPr>
+              <a:t>在实验间外</a:t>
+            </a:r>
+            <a:r>
+              <a:rPr lang="zh-CN" altLang="en-US" dirty="0" smtClean="0">
+                <a:solidFill>
+                  <a:schemeClr val="bg1"/>
+                </a:solidFill>
+              </a:rPr>
+              <a:t>，</a:t>
+            </a:r>
+            <a:endParaRPr lang="en-US" altLang="zh-CN" dirty="0" smtClean="0">
+              <a:solidFill>
+                <a:schemeClr val="bg1"/>
+              </a:solidFill>
+            </a:endParaRPr>
+          </a:p>
+          <a:p>
+            <a:r>
+              <a:rPr lang="zh-CN" altLang="en-US" dirty="0" smtClean="0">
+                <a:solidFill>
+                  <a:schemeClr val="bg1"/>
+                </a:solidFill>
+              </a:rPr>
+              <a:t>如</a:t>
+            </a:r>
+            <a:r>
+              <a:rPr lang="zh-CN" altLang="en-US" dirty="0">
+                <a:solidFill>
+                  <a:schemeClr val="bg1"/>
+                </a:solidFill>
+              </a:rPr>
+              <a:t>果要看时间请在休息</a:t>
+            </a:r>
+            <a:r>
+              <a:rPr lang="zh-CN" altLang="en-US" dirty="0" smtClean="0">
+                <a:solidFill>
+                  <a:schemeClr val="bg1"/>
+                </a:solidFill>
+              </a:rPr>
+              <a:t>时</a:t>
+            </a:r>
+            <a:r>
+              <a:rPr lang="en-US" altLang="zh-CN" dirty="0" smtClean="0">
+                <a:solidFill>
+                  <a:schemeClr val="bg1"/>
+                </a:solidFill>
+              </a:rPr>
+              <a:t>(</a:t>
+            </a:r>
+            <a:r>
+              <a:rPr lang="zh-CN" altLang="en-US" dirty="0" smtClean="0">
+                <a:solidFill>
+                  <a:schemeClr val="bg1"/>
+                </a:solidFill>
+              </a:rPr>
+              <a:t>共</a:t>
+            </a:r>
+            <a:r>
+              <a:rPr lang="en-US" altLang="zh-CN" dirty="0" smtClean="0">
+                <a:solidFill>
+                  <a:schemeClr val="bg1"/>
+                </a:solidFill>
+              </a:rPr>
+              <a:t>5</a:t>
+            </a:r>
+            <a:r>
+              <a:rPr lang="zh-CN" altLang="en-US" dirty="0" smtClean="0">
+                <a:solidFill>
+                  <a:schemeClr val="bg1"/>
+                </a:solidFill>
+              </a:rPr>
+              <a:t>次</a:t>
+            </a:r>
+            <a:r>
+              <a:rPr lang="en-US" altLang="zh-CN" dirty="0" smtClean="0">
+                <a:solidFill>
+                  <a:schemeClr val="bg1"/>
+                </a:solidFill>
+              </a:rPr>
+              <a:t>)</a:t>
+            </a:r>
+            <a:r>
+              <a:rPr lang="zh-CN" altLang="en-US" dirty="0" smtClean="0">
+                <a:solidFill>
+                  <a:schemeClr val="bg1"/>
+                </a:solidFill>
+              </a:rPr>
+              <a:t>，询</a:t>
+            </a:r>
+            <a:r>
+              <a:rPr lang="zh-CN" altLang="en-US" dirty="0">
+                <a:solidFill>
+                  <a:schemeClr val="bg1"/>
+                </a:solidFill>
+              </a:rPr>
+              <a:t>问主试</a:t>
+            </a:r>
+            <a:r>
+              <a:rPr lang="zh-CN" altLang="en-US" dirty="0" smtClean="0">
+                <a:solidFill>
+                  <a:schemeClr val="bg1"/>
+                </a:solidFill>
+              </a:rPr>
+              <a:t>。</a:t>
+            </a:r>
+            <a:endParaRPr lang="en-US" altLang="zh-CN" dirty="0" smtClean="0">
+              <a:solidFill>
+                <a:schemeClr val="bg1"/>
+              </a:solidFill>
+            </a:endParaRPr>
+          </a:p>
+        </p:txBody>
+      </p:sp>
+      <p:sp>
+        <p:nvSpPr>
+          <p:cNvPr id="37" name="文本框 36">
+            <a:extLst>
+              <a:ext uri="{FF2B5EF4-FFF2-40B4-BE49-F238E27FC236}">
+                <a16:creationId xmlns:a16="http://schemas.microsoft.com/office/drawing/2014/main" id="{D8DF0724-133D-43F7-87A6-713194EA96A7}"/>
+              </a:ext>
+            </a:extLst>
+          </p:cNvPr>
+          <p:cNvSpPr txBox="1"/>
+          <p:nvPr/>
+        </p:nvSpPr>
+        <p:spPr>
+          <a:xfrm>
+            <a:off x="9593707" y="6330426"/>
+            <a:ext cx="2008682" cy="646331"/>
+          </a:xfrm>
+          <a:prstGeom prst="rect">
+            <a:avLst/>
+          </a:prstGeom>
+          <a:noFill/>
+        </p:spPr>
+        <p:txBody>
+          <a:bodyPr wrap="square" rtlCol="0">
+            <a:spAutoFit/>
+          </a:bodyPr>
+          <a:lstStyle/>
+          <a:p>
+            <a:r>
+              <a:rPr lang="zh-CN" altLang="en-US" dirty="0">
+                <a:solidFill>
+                  <a:schemeClr val="bg1"/>
+                </a:solidFill>
+              </a:rPr>
+              <a:t>按</a:t>
+            </a:r>
+            <a:r>
+              <a:rPr lang="en-US" altLang="zh-CN" u="sng" dirty="0">
+                <a:solidFill>
+                  <a:schemeClr val="bg1"/>
+                </a:solidFill>
+              </a:rPr>
+              <a:t>←</a:t>
+            </a:r>
+            <a:r>
+              <a:rPr lang="zh-CN" altLang="en-US" u="sng" dirty="0">
+                <a:solidFill>
+                  <a:schemeClr val="bg1"/>
+                </a:solidFill>
+              </a:rPr>
+              <a:t>键</a:t>
+            </a:r>
+            <a:r>
+              <a:rPr lang="zh-CN" altLang="en-US" dirty="0">
+                <a:solidFill>
+                  <a:schemeClr val="bg1"/>
+                </a:solidFill>
+              </a:rPr>
+              <a:t>进入上一张</a:t>
+            </a:r>
+            <a:endParaRPr lang="en-US" altLang="zh-CN" dirty="0">
+              <a:solidFill>
+                <a:schemeClr val="bg1"/>
+              </a:solidFill>
+            </a:endParaRPr>
+          </a:p>
+          <a:p>
+            <a:r>
+              <a:rPr lang="zh-CN" altLang="en-US" dirty="0">
+                <a:solidFill>
+                  <a:schemeClr val="bg1"/>
+                </a:solidFill>
+              </a:rPr>
+              <a:t>按</a:t>
+            </a:r>
+            <a:r>
+              <a:rPr lang="en-US" altLang="zh-CN" u="sng" dirty="0">
+                <a:solidFill>
+                  <a:schemeClr val="bg1"/>
+                </a:solidFill>
+              </a:rPr>
+              <a:t>→</a:t>
+            </a:r>
+            <a:r>
+              <a:rPr lang="zh-CN" altLang="en-US" u="sng" dirty="0">
+                <a:solidFill>
+                  <a:schemeClr val="bg1"/>
+                </a:solidFill>
+              </a:rPr>
+              <a:t>键</a:t>
+            </a:r>
+            <a:r>
+              <a:rPr lang="zh-CN" altLang="en-US" dirty="0">
+                <a:solidFill>
+                  <a:schemeClr val="bg1"/>
+                </a:solidFill>
+              </a:rPr>
+              <a:t>进入下一张</a:t>
+            </a:r>
+          </a:p>
+        </p:txBody>
+      </p:sp>
+      <p:sp>
+        <p:nvSpPr>
+          <p:cNvPr id="16" name="文本框 15">
+            <a:extLst>
+              <a:ext uri="{FF2B5EF4-FFF2-40B4-BE49-F238E27FC236}">
+                <a16:creationId xmlns:a16="http://schemas.microsoft.com/office/drawing/2014/main" id="{14D02F5A-1551-4930-BB65-5DAB59164FF2}"/>
+              </a:ext>
+            </a:extLst>
+          </p:cNvPr>
+          <p:cNvSpPr txBox="1"/>
+          <p:nvPr/>
+        </p:nvSpPr>
+        <p:spPr>
+          <a:xfrm>
+            <a:off x="12204700" y="6668056"/>
+            <a:ext cx="304800" cy="369332"/>
+          </a:xfrm>
+          <a:prstGeom prst="rect">
+            <a:avLst/>
+          </a:prstGeom>
+          <a:noFill/>
+        </p:spPr>
+        <p:txBody>
+          <a:bodyPr wrap="square" rtlCol="0">
+            <a:spAutoFit/>
+          </a:bodyPr>
+          <a:lstStyle/>
+          <a:p>
+            <a:r>
+              <a:rPr lang="en-US" altLang="zh-CN" dirty="0">
+                <a:solidFill>
+                  <a:schemeClr val="bg1"/>
+                </a:solidFill>
+              </a:rPr>
+              <a:t>1</a:t>
+            </a:r>
+            <a:endParaRPr lang="zh-CN" altLang="en-US" dirty="0">
+              <a:solidFill>
+                <a:schemeClr val="bg1"/>
+              </a:solidFill>
+            </a:endParaRPr>
+          </a:p>
+        </p:txBody>
+      </p:sp>
+    </p:spTree>
+    <p:extLst>
+      <p:ext uri="{BB962C8B-B14F-4D97-AF65-F5344CB8AC3E}">
+        <p14:creationId xmlns:p14="http://schemas.microsoft.com/office/powerpoint/2010/main" val="4006081369"/>
+      </p:ext>
+    </p:extLst>
+  </p:cSld>
+  <p:clrMapOvr>
+    <a:masterClrMapping/>
+  </p:clrMapOvr>
+  <mc:AlternateContent xmlns:mc="http://schemas.openxmlformats.org/markup-compatibility/2006" xmlns:p14="http://schemas.microsoft.com/office/powerpoint/2010/main">
+    <mc:Choice Requires="p14">
+      <p:transition spd="slow" p14:dur="2000"/>
+    </mc:Choice>
+    <mc:Fallback xmlns="">
+      <p:transition spd="slow"/>
+    </mc:Fallback>
+  </mc:AlternateContent>
+  <p:timing>
+    <p:tnLst>
+      <p:par>
+        <p:cTn id="1" dur="indefinite" restart="never" nodeType="tmRoot"/>
+      </p:par>
+    </p:tnLst>
+  </p:timing>
+</p:sld>
+</file>
+
+<file path=ppt/slides/slide3.xml><?xml version="1.0" encoding="utf-8"?>
+<p:sld xmlns:a="http://schemas.openxmlformats.org/drawingml/2006/main" xmlns:r="http://schemas.openxmlformats.org/officeDocument/2006/relationships" xmlns:p="http://schemas.openxmlformats.org/presentationml/2006/main">
+  <p:cSld>
+    <p:spTree>
+      <p:nvGrpSpPr>
+        <p:cNvPr id="1" name=""/>
+        <p:cNvGrpSpPr/>
+        <p:nvPr/>
+      </p:nvGrpSpPr>
+      <p:grpSpPr>
+        <a:xfrm>
+          <a:off x="0" y="0"/>
+          <a:ext cx="0" cy="0"/>
+          <a:chOff x="0" y="0"/>
+          <a:chExt cx="0" cy="0"/>
+        </a:xfrm>
+      </p:grpSpPr>
+      <p:sp>
+        <p:nvSpPr>
+          <p:cNvPr id="19" name="矩形 3">
             <a:extLst>
               <a:ext uri="{FF2B5EF4-FFF2-40B4-BE49-F238E27FC236}">
                 <a16:creationId xmlns:a16="http://schemas.microsoft.com/office/drawing/2014/main" id="{209CA7B2-DD05-464A-9AF6-F59B1EADCA06}"/>
@@ -4644,7 +4998,7 @@
         </p:nvSpPr>
         <p:spPr>
           <a:xfrm>
-            <a:off x="6799642" y="5146681"/>
+            <a:off x="2441909" y="5617524"/>
             <a:ext cx="1314450" cy="346339"/>
           </a:xfrm>
           <a:prstGeom prst="rect">
@@ -4689,7 +5043,7 @@
                   </a:schemeClr>
                 </a:solidFill>
               </a:rPr>
-              <a:t>若干重复</a:t>
+              <a:t>彩票</a:t>
             </a:r>
             <a:endParaRPr lang="zh-CN" altLang="en-US" dirty="0">
               <a:solidFill>
@@ -4702,210 +5056,12 @@
           </a:p>
         </p:txBody>
       </p:sp>
-      <p:grpSp>
-        <p:nvGrpSpPr>
-          <p:cNvPr id="39" name="组合 98">
+      <p:sp>
+        <p:nvSpPr>
+          <p:cNvPr id="18" name="矩形 3">
             <a:extLst>
               <a:ext uri="{FF2B5EF4-FFF2-40B4-BE49-F238E27FC236}">
-                <a16:creationId xmlns:a16="http://schemas.microsoft.com/office/drawing/2014/main" id="{65DEE231-0836-49FB-BF8E-14EF438603F1}"/>
-              </a:ext>
-            </a:extLst>
-          </p:cNvPr>
-          <p:cNvGrpSpPr/>
-          <p:nvPr/>
-        </p:nvGrpSpPr>
-        <p:grpSpPr>
-          <a:xfrm>
-            <a:off x="2595871" y="1260789"/>
-            <a:ext cx="3035635" cy="1758694"/>
-            <a:chOff x="1094421" y="1181181"/>
-            <a:chExt cx="3035635" cy="1758694"/>
-          </a:xfrm>
-        </p:grpSpPr>
-        <p:grpSp>
-          <p:nvGrpSpPr>
-            <p:cNvPr id="40" name="组合 99">
-              <a:extLst>
-                <a:ext uri="{FF2B5EF4-FFF2-40B4-BE49-F238E27FC236}">
-                  <a16:creationId xmlns:a16="http://schemas.microsoft.com/office/drawing/2014/main" id="{C75281A3-2D33-44D6-A0AE-BE458996AB7C}"/>
-                </a:ext>
-              </a:extLst>
-            </p:cNvPr>
-            <p:cNvGrpSpPr/>
-            <p:nvPr/>
-          </p:nvGrpSpPr>
-          <p:grpSpPr>
-            <a:xfrm>
-              <a:off x="1094421" y="1181181"/>
-              <a:ext cx="3035635" cy="1758694"/>
-              <a:chOff x="6835081" y="1492668"/>
-              <a:chExt cx="3046059" cy="1764734"/>
-            </a:xfrm>
-          </p:grpSpPr>
-          <p:sp>
-            <p:nvSpPr>
-              <p:cNvPr id="44" name="矩形 101">
-                <a:extLst>
-                  <a:ext uri="{FF2B5EF4-FFF2-40B4-BE49-F238E27FC236}">
-                    <a16:creationId xmlns:a16="http://schemas.microsoft.com/office/drawing/2014/main" id="{35296E12-B43E-4312-8F71-014E6F00A774}"/>
-                  </a:ext>
-                </a:extLst>
-              </p:cNvPr>
-              <p:cNvSpPr/>
-              <p:nvPr/>
-            </p:nvSpPr>
-            <p:spPr>
-              <a:xfrm>
-                <a:off x="6835081" y="1492668"/>
-                <a:ext cx="3046059" cy="1764734"/>
-              </a:xfrm>
-              <a:prstGeom prst="rect">
-                <a:avLst/>
-              </a:prstGeom>
-              <a:solidFill>
-                <a:srgbClr val="777777"/>
-              </a:solidFill>
-              <a:ln>
-                <a:solidFill>
-                  <a:schemeClr val="tx1">
-                    <a:lumMod val="65000"/>
-                    <a:lumOff val="35000"/>
-                  </a:schemeClr>
-                </a:solidFill>
-              </a:ln>
-              <a:effectLst>
-                <a:outerShdw blurRad="50800" dist="38100" dir="2700000" algn="tl" rotWithShape="0">
-                  <a:prstClr val="black">
-                    <a:alpha val="40000"/>
-                  </a:prstClr>
-                </a:outerShdw>
-              </a:effectLst>
-            </p:spPr>
-            <p:style>
-              <a:lnRef idx="2">
-                <a:schemeClr val="accent1">
-                  <a:shade val="50000"/>
-                </a:schemeClr>
-              </a:lnRef>
-              <a:fillRef idx="1">
-                <a:schemeClr val="accent1"/>
-              </a:fillRef>
-              <a:effectRef idx="0">
-                <a:schemeClr val="accent1"/>
-              </a:effectRef>
-              <a:fontRef idx="minor">
-                <a:schemeClr val="lt1"/>
-              </a:fontRef>
-            </p:style>
-            <p:txBody>
-              <a:bodyPr rtlCol="0" anchor="ctr"/>
-              <a:lstStyle/>
-              <a:p>
-                <a:pPr algn="ctr"/>
-                <a:endParaRPr lang="zh-CN" altLang="en-US" sz="3200" dirty="0">
-                  <a:solidFill>
-                    <a:schemeClr val="bg1"/>
-                  </a:solidFill>
-                </a:endParaRPr>
-              </a:p>
-            </p:txBody>
-          </p:sp>
-          <p:sp>
-            <p:nvSpPr>
-              <p:cNvPr id="45" name="文本框 102">
-                <a:extLst>
-                  <a:ext uri="{FF2B5EF4-FFF2-40B4-BE49-F238E27FC236}">
-                    <a16:creationId xmlns:a16="http://schemas.microsoft.com/office/drawing/2014/main" id="{E7C6DDB9-F5EE-4C22-B092-55D2E257BF56}"/>
-                  </a:ext>
-                </a:extLst>
-              </p:cNvPr>
-              <p:cNvSpPr txBox="1"/>
-              <p:nvPr/>
-            </p:nvSpPr>
-            <p:spPr>
-              <a:xfrm>
-                <a:off x="8200855" y="2182872"/>
-                <a:ext cx="314507" cy="525017"/>
-              </a:xfrm>
-              <a:prstGeom prst="rect">
-                <a:avLst/>
-              </a:prstGeom>
-              <a:noFill/>
-            </p:spPr>
-            <p:txBody>
-              <a:bodyPr wrap="square" rtlCol="0">
-                <a:spAutoFit/>
-              </a:bodyPr>
-              <a:lstStyle/>
-              <a:p>
-                <a:endParaRPr lang="zh-CN" altLang="en-US" sz="2800" dirty="0">
-                  <a:solidFill>
-                    <a:schemeClr val="bg1"/>
-                  </a:solidFill>
-                </a:endParaRPr>
-              </a:p>
-            </p:txBody>
-          </p:sp>
-        </p:grpSp>
-        <p:sp>
-          <p:nvSpPr>
-            <p:cNvPr id="41" name="椭圆 100">
-              <a:extLst>
-                <a:ext uri="{FF2B5EF4-FFF2-40B4-BE49-F238E27FC236}">
-                  <a16:creationId xmlns:a16="http://schemas.microsoft.com/office/drawing/2014/main" id="{8FB0A9A3-343B-4466-8AFF-85542B8970C3}"/>
-                </a:ext>
-              </a:extLst>
-            </p:cNvPr>
-            <p:cNvSpPr/>
-            <p:nvPr/>
-          </p:nvSpPr>
-          <p:spPr>
-            <a:xfrm>
-              <a:off x="2589376" y="2039377"/>
-              <a:ext cx="45719" cy="45719"/>
-            </a:xfrm>
-            <a:prstGeom prst="ellipse">
-              <a:avLst/>
-            </a:prstGeom>
-            <a:solidFill>
-              <a:schemeClr val="tx1"/>
-            </a:solidFill>
-            <a:ln>
-              <a:noFill/>
-            </a:ln>
-          </p:spPr>
-          <p:style>
-            <a:lnRef idx="2">
-              <a:schemeClr val="accent1">
-                <a:shade val="50000"/>
-              </a:schemeClr>
-            </a:lnRef>
-            <a:fillRef idx="1">
-              <a:schemeClr val="accent1"/>
-            </a:fillRef>
-            <a:effectRef idx="0">
-              <a:schemeClr val="accent1"/>
-            </a:effectRef>
-            <a:fontRef idx="minor">
-              <a:schemeClr val="lt1"/>
-            </a:fontRef>
-          </p:style>
-          <p:txBody>
-            <a:bodyPr rtlCol="0" anchor="ctr"/>
-            <a:lstStyle/>
-            <a:p>
-              <a:pPr algn="ctr"/>
-              <a:endParaRPr lang="zh-CN" altLang="en-US"/>
-            </a:p>
-          </p:txBody>
-        </p:sp>
-      </p:grpSp>
-      <p:sp>
-        <p:nvSpPr>
-          <p:cNvPr id="53" name="矩形 94">
-            <a:extLst>
-              <a:ext uri="{FF2B5EF4-FFF2-40B4-BE49-F238E27FC236}">
-                <a16:creationId xmlns:a16="http://schemas.microsoft.com/office/drawing/2014/main" id="{0C6CA069-7BDD-4AD9-B3F7-C19D8FCF87F5}"/>
+                <a16:creationId xmlns:a16="http://schemas.microsoft.com/office/drawing/2014/main" id="{209CA7B2-DD05-464A-9AF6-F59B1EADCA06}"/>
               </a:ext>
             </a:extLst>
           </p:cNvPr>
@@ -4914,83 +5070,15 @@
         </p:nvSpPr>
         <p:spPr>
           <a:xfrm>
-            <a:off x="2594008" y="3382928"/>
-            <a:ext cx="3035635" cy="1758694"/>
+            <a:off x="2441909" y="3194579"/>
+            <a:ext cx="1314450" cy="346339"/>
           </a:xfrm>
           <a:prstGeom prst="rect">
             <a:avLst/>
           </a:prstGeom>
           <a:solidFill>
-            <a:srgbClr val="777777"/>
-          </a:solidFill>
-          <a:ln>
-            <a:solidFill>
-              <a:schemeClr val="tx1">
-                <a:lumMod val="65000"/>
-                <a:lumOff val="35000"/>
-              </a:schemeClr>
-            </a:solidFill>
-          </a:ln>
-          <a:effectLst>
-            <a:outerShdw blurRad="50800" dist="38100" dir="2700000" algn="tl" rotWithShape="0">
-              <a:prstClr val="black">
-                <a:alpha val="40000"/>
-              </a:prstClr>
-            </a:outerShdw>
-          </a:effectLst>
-        </p:spPr>
-        <p:style>
-          <a:lnRef idx="2">
-            <a:schemeClr val="accent1">
-              <a:shade val="50000"/>
-            </a:schemeClr>
-          </a:lnRef>
-          <a:fillRef idx="1">
-            <a:schemeClr val="accent1"/>
-          </a:fillRef>
-          <a:effectRef idx="0">
-            <a:schemeClr val="accent1"/>
-          </a:effectRef>
-          <a:fontRef idx="minor">
-            <a:schemeClr val="lt1"/>
-          </a:fontRef>
-        </p:style>
-        <p:txBody>
-          <a:bodyPr rtlCol="0" anchor="ctr"/>
-          <a:lstStyle/>
-          <a:p>
-            <a:pPr algn="ctr"/>
-            <a:endParaRPr lang="zh-CN" altLang="en-US" sz="3200" dirty="0">
-              <a:solidFill>
-                <a:schemeClr val="bg1"/>
-              </a:solidFill>
-            </a:endParaRPr>
-          </a:p>
-        </p:txBody>
-      </p:sp>
-      <p:sp>
-        <p:nvSpPr>
-          <p:cNvPr id="64" name="U-Turn Arrow 63"/>
-          <p:cNvSpPr/>
-          <p:nvPr/>
-        </p:nvSpPr>
-        <p:spPr>
-          <a:xfrm rot="5400000">
-            <a:off x="8305869" y="2227152"/>
-            <a:ext cx="2575676" cy="1366394"/>
-          </a:xfrm>
-          <a:prstGeom prst="uturnArrow">
-            <a:avLst>
-              <a:gd name="adj1" fmla="val 24356"/>
-              <a:gd name="adj2" fmla="val 25000"/>
-              <a:gd name="adj3" fmla="val 25000"/>
-              <a:gd name="adj4" fmla="val 43750"/>
-              <a:gd name="adj5" fmla="val 100000"/>
-            </a:avLst>
-          </a:prstGeom>
-          <a:solidFill>
             <a:schemeClr val="bg1">
-              <a:lumMod val="75000"/>
+              <a:lumMod val="85000"/>
             </a:schemeClr>
           </a:solidFill>
           <a:ln>
@@ -5018,9 +5106,23 @@
           <a:lstStyle/>
           <a:p>
             <a:pPr algn="ctr"/>
-            <a:endParaRPr lang="zh-CN" altLang="en-US">
+            <a:r>
+              <a:rPr lang="zh-CN" altLang="en-US" dirty="0" smtClean="0">
+                <a:solidFill>
+                  <a:schemeClr val="tx1">
+                    <a:lumMod val="75000"/>
+                    <a:lumOff val="25000"/>
+                  </a:schemeClr>
+                </a:solidFill>
+              </a:rPr>
+              <a:t>固定得失</a:t>
+            </a:r>
+            <a:endParaRPr lang="zh-CN" altLang="en-US" dirty="0">
               <a:solidFill>
-                <a:schemeClr val="tx1"/>
+                <a:schemeClr val="tx1">
+                  <a:lumMod val="75000"/>
+                  <a:lumOff val="25000"/>
+                </a:schemeClr>
               </a:solidFill>
             </a:endParaRPr>
           </a:p>
@@ -5040,8 +5142,8 @@
         </p:nvSpPr>
         <p:spPr>
           <a:xfrm rot="10800000" flipH="1" flipV="1">
-            <a:off x="1911478" y="750012"/>
-            <a:ext cx="7606769" cy="369332"/>
+            <a:off x="1775873" y="789656"/>
+            <a:ext cx="8252709" cy="369332"/>
           </a:xfrm>
           <a:prstGeom prst="rect">
             <a:avLst/>
@@ -5055,178 +5157,12 @@
           <a:lstStyle/>
           <a:p>
             <a:r>
-              <a:rPr lang="zh-CN" altLang="en-US" dirty="0">
-                <a:solidFill>
-                  <a:schemeClr val="bg1"/>
-                </a:solidFill>
-              </a:rPr>
-              <a:t>实验中，</a:t>
-            </a:r>
-            <a:r>
               <a:rPr lang="zh-CN" altLang="en-US" dirty="0" smtClean="0">
                 <a:solidFill>
                   <a:schemeClr val="bg1"/>
                 </a:solidFill>
               </a:rPr>
-              <a:t>每个试次你</a:t>
-            </a:r>
-            <a:r>
-              <a:rPr lang="zh-CN" altLang="en-US" dirty="0">
-                <a:solidFill>
-                  <a:schemeClr val="bg1"/>
-                </a:solidFill>
-              </a:rPr>
-              <a:t>将连续看到以</a:t>
-            </a:r>
-            <a:r>
-              <a:rPr lang="zh-CN" altLang="en-US" dirty="0" smtClean="0">
-                <a:solidFill>
-                  <a:schemeClr val="bg1"/>
-                </a:solidFill>
-              </a:rPr>
-              <a:t>下样式的画面，每次出现的数字不一样</a:t>
-            </a:r>
-            <a:endParaRPr lang="en-US" altLang="zh-CN" dirty="0">
-              <a:solidFill>
-                <a:schemeClr val="bg1"/>
-              </a:solidFill>
-            </a:endParaRPr>
-          </a:p>
-        </p:txBody>
-      </p:sp>
-      <p:sp>
-        <p:nvSpPr>
-          <p:cNvPr id="17" name="文本框 16">
-            <a:extLst>
-              <a:ext uri="{FF2B5EF4-FFF2-40B4-BE49-F238E27FC236}">
-                <a16:creationId xmlns:a16="http://schemas.microsoft.com/office/drawing/2014/main" id="{22E0F501-24D7-40AF-991E-1D0AB5E93D86}"/>
-              </a:ext>
-            </a:extLst>
-          </p:cNvPr>
-          <p:cNvSpPr txBox="1"/>
-          <p:nvPr/>
-        </p:nvSpPr>
-        <p:spPr>
-          <a:xfrm rot="10800000" flipH="1" flipV="1">
-            <a:off x="1911478" y="5594152"/>
-            <a:ext cx="9237167" cy="923330"/>
-          </a:xfrm>
-          <a:prstGeom prst="rect">
-            <a:avLst/>
-          </a:prstGeom>
-          <a:noFill/>
-        </p:spPr>
-        <p:txBody>
-          <a:bodyPr wrap="square" rtlCol="0">
-            <a:spAutoFit/>
-          </a:bodyPr>
-          <a:lstStyle/>
-          <a:p>
-            <a:r>
-              <a:rPr lang="zh-CN" altLang="en-US" dirty="0">
-                <a:solidFill>
-                  <a:schemeClr val="bg1"/>
-                </a:solidFill>
-              </a:rPr>
-              <a:t>每次任务</a:t>
-            </a:r>
-            <a:r>
-              <a:rPr lang="zh-CN" altLang="en-US" dirty="0" smtClean="0">
-                <a:solidFill>
-                  <a:schemeClr val="bg1"/>
-                </a:solidFill>
-              </a:rPr>
-              <a:t>以</a:t>
-            </a:r>
-            <a:r>
-              <a:rPr lang="zh-CN" altLang="en-US" dirty="0" smtClean="0"/>
-              <a:t>黑</a:t>
-            </a:r>
-            <a:r>
-              <a:rPr lang="zh-CN" altLang="en-US" dirty="0" smtClean="0">
-                <a:solidFill>
-                  <a:schemeClr val="bg1"/>
-                </a:solidFill>
-              </a:rPr>
-              <a:t>色</a:t>
-            </a:r>
-            <a:r>
-              <a:rPr lang="zh-CN" altLang="en-US" dirty="0">
-                <a:solidFill>
-                  <a:schemeClr val="bg1"/>
-                </a:solidFill>
-              </a:rPr>
-              <a:t>圆</a:t>
-            </a:r>
-            <a:r>
-              <a:rPr lang="zh-CN" altLang="en-US" dirty="0" smtClean="0">
-                <a:solidFill>
-                  <a:schemeClr val="bg1"/>
-                </a:solidFill>
-              </a:rPr>
-              <a:t>点开始，显示圆点后的</a:t>
-            </a:r>
-            <a:r>
-              <a:rPr lang="zh-CN" altLang="en-US" u="sng" dirty="0" smtClean="0">
-                <a:solidFill>
-                  <a:schemeClr val="bg1"/>
-                </a:solidFill>
-              </a:rPr>
-              <a:t>整个</a:t>
-            </a:r>
-            <a:r>
-              <a:rPr lang="zh-CN" altLang="en-US" dirty="0" smtClean="0">
-                <a:solidFill>
-                  <a:schemeClr val="bg1"/>
-                </a:solidFill>
-              </a:rPr>
-              <a:t>试次中请</a:t>
-            </a:r>
-            <a:r>
-              <a:rPr lang="zh-CN" altLang="en-US" u="sng" dirty="0" smtClean="0">
-                <a:solidFill>
-                  <a:schemeClr val="bg1"/>
-                </a:solidFill>
-              </a:rPr>
-              <a:t>盯住屏幕中央，不要眨眼</a:t>
-            </a:r>
-            <a:r>
-              <a:rPr lang="zh-CN" altLang="en-US" dirty="0" smtClean="0">
-                <a:solidFill>
-                  <a:schemeClr val="bg1"/>
-                </a:solidFill>
-              </a:rPr>
-              <a:t>。</a:t>
-            </a:r>
-            <a:endParaRPr lang="en-US" altLang="zh-CN" dirty="0" smtClean="0">
-              <a:solidFill>
-                <a:schemeClr val="bg1"/>
-              </a:solidFill>
-            </a:endParaRPr>
-          </a:p>
-          <a:p>
-            <a:endParaRPr lang="en-US" altLang="zh-CN" dirty="0" smtClean="0">
-              <a:solidFill>
-                <a:schemeClr val="bg1"/>
-              </a:solidFill>
-            </a:endParaRPr>
-          </a:p>
-          <a:p>
-            <a:r>
-              <a:rPr lang="zh-CN" altLang="en-US" dirty="0">
-                <a:solidFill>
-                  <a:schemeClr val="bg1"/>
-                </a:solidFill>
-              </a:rPr>
-              <a:t>之</a:t>
-            </a:r>
-            <a:r>
-              <a:rPr lang="zh-CN" altLang="en-US" dirty="0" smtClean="0">
-                <a:solidFill>
-                  <a:schemeClr val="bg1"/>
-                </a:solidFill>
-              </a:rPr>
-              <a:t>后显示的数字意义在下一页解释。</a:t>
+              <a:t>实验中你会看到下面这样的两种图案</a:t>
             </a:r>
             <a:endParaRPr lang="en-US" altLang="zh-CN" dirty="0">
               <a:solidFill>
@@ -5340,1015 +5276,6 @@
       </p:sp>
       <p:sp>
         <p:nvSpPr>
-          <p:cNvPr id="16" name="文本框 15">
-            <a:extLst>
-              <a:ext uri="{FF2B5EF4-FFF2-40B4-BE49-F238E27FC236}">
-                <a16:creationId xmlns:a16="http://schemas.microsoft.com/office/drawing/2014/main" id="{14D02F5A-1551-4930-BB65-5DAB59164FF2}"/>
-              </a:ext>
-            </a:extLst>
-          </p:cNvPr>
-          <p:cNvSpPr txBox="1"/>
-          <p:nvPr/>
-        </p:nvSpPr>
-        <p:spPr>
-          <a:xfrm>
-            <a:off x="12204700" y="6668056"/>
-            <a:ext cx="304800" cy="369332"/>
-          </a:xfrm>
-          <a:prstGeom prst="rect">
-            <a:avLst/>
-          </a:prstGeom>
-          <a:noFill/>
-        </p:spPr>
-        <p:txBody>
-          <a:bodyPr wrap="square" rtlCol="0">
-            <a:spAutoFit/>
-          </a:bodyPr>
-          <a:lstStyle/>
-          <a:p>
-            <a:r>
-              <a:rPr lang="en-US" altLang="zh-CN" dirty="0">
-                <a:solidFill>
-                  <a:schemeClr val="bg1"/>
-                </a:solidFill>
-              </a:rPr>
-              <a:t>1</a:t>
-            </a:r>
-            <a:endParaRPr lang="zh-CN" altLang="en-US" dirty="0">
-              <a:solidFill>
-                <a:schemeClr val="bg1"/>
-              </a:solidFill>
-            </a:endParaRPr>
-          </a:p>
-        </p:txBody>
-      </p:sp>
-      <p:grpSp>
-        <p:nvGrpSpPr>
-          <p:cNvPr id="13" name="Group 12"/>
-          <p:cNvGrpSpPr/>
-          <p:nvPr/>
-        </p:nvGrpSpPr>
-        <p:grpSpPr>
-          <a:xfrm>
-            <a:off x="5939051" y="1260789"/>
-            <a:ext cx="3035635" cy="1758694"/>
-            <a:chOff x="5939051" y="1260789"/>
-            <a:chExt cx="3035635" cy="1758694"/>
-          </a:xfrm>
-        </p:grpSpPr>
-        <p:sp>
-          <p:nvSpPr>
-            <p:cNvPr id="35" name="矩形 68">
-              <a:extLst>
-                <a:ext uri="{FF2B5EF4-FFF2-40B4-BE49-F238E27FC236}">
-                  <a16:creationId xmlns:a16="http://schemas.microsoft.com/office/drawing/2014/main" id="{FC28F3C4-E5C6-4B7B-B972-6E41D7C632AD}"/>
-                </a:ext>
-              </a:extLst>
-            </p:cNvPr>
-            <p:cNvSpPr/>
-            <p:nvPr/>
-          </p:nvSpPr>
-          <p:spPr>
-            <a:xfrm>
-              <a:off x="5939051" y="1260789"/>
-              <a:ext cx="3035635" cy="1758694"/>
-            </a:xfrm>
-            <a:prstGeom prst="rect">
-              <a:avLst/>
-            </a:prstGeom>
-            <a:solidFill>
-              <a:srgbClr val="777777"/>
-            </a:solidFill>
-            <a:ln>
-              <a:solidFill>
-                <a:schemeClr val="tx1">
-                  <a:lumMod val="65000"/>
-                  <a:lumOff val="35000"/>
-                </a:schemeClr>
-              </a:solidFill>
-            </a:ln>
-            <a:effectLst>
-              <a:outerShdw blurRad="50800" dist="38100" dir="2700000" algn="tl" rotWithShape="0">
-                <a:prstClr val="black">
-                  <a:alpha val="40000"/>
-                </a:prstClr>
-              </a:outerShdw>
-            </a:effectLst>
-          </p:spPr>
-          <p:style>
-            <a:lnRef idx="2">
-              <a:schemeClr val="accent1">
-                <a:shade val="50000"/>
-              </a:schemeClr>
-            </a:lnRef>
-            <a:fillRef idx="1">
-              <a:schemeClr val="accent1"/>
-            </a:fillRef>
-            <a:effectRef idx="0">
-              <a:schemeClr val="accent1"/>
-            </a:effectRef>
-            <a:fontRef idx="minor">
-              <a:schemeClr val="lt1"/>
-            </a:fontRef>
-          </p:style>
-          <p:txBody>
-            <a:bodyPr rtlCol="0" anchor="ctr"/>
-            <a:lstStyle/>
-            <a:p>
-              <a:pPr algn="ctr"/>
-              <a:endParaRPr lang="zh-CN" altLang="en-US" sz="3200" dirty="0">
-                <a:solidFill>
-                  <a:schemeClr val="bg1"/>
-                </a:solidFill>
-              </a:endParaRPr>
-            </a:p>
-          </p:txBody>
-        </p:sp>
-        <p:sp>
-          <p:nvSpPr>
-            <p:cNvPr id="3" name="Oval 2"/>
-            <p:cNvSpPr/>
-            <p:nvPr/>
-          </p:nvSpPr>
-          <p:spPr>
-            <a:xfrm>
-              <a:off x="6999668" y="1682936"/>
-              <a:ext cx="914400" cy="914400"/>
-            </a:xfrm>
-            <a:prstGeom prst="ellipse">
-              <a:avLst/>
-            </a:prstGeom>
-            <a:noFill/>
-            <a:ln w="28575">
-              <a:solidFill>
-                <a:schemeClr val="bg1">
-                  <a:lumMod val="85000"/>
-                </a:schemeClr>
-              </a:solidFill>
-            </a:ln>
-          </p:spPr>
-          <p:style>
-            <a:lnRef idx="2">
-              <a:schemeClr val="accent1">
-                <a:shade val="50000"/>
-              </a:schemeClr>
-            </a:lnRef>
-            <a:fillRef idx="1">
-              <a:schemeClr val="accent1"/>
-            </a:fillRef>
-            <a:effectRef idx="0">
-              <a:schemeClr val="accent1"/>
-            </a:effectRef>
-            <a:fontRef idx="minor">
-              <a:schemeClr val="lt1"/>
-            </a:fontRef>
-          </p:style>
-          <p:txBody>
-            <a:bodyPr rtlCol="0" anchor="ctr"/>
-            <a:lstStyle/>
-            <a:p>
-              <a:pPr algn="ctr"/>
-              <a:r>
-                <a:rPr lang="en-US" altLang="zh-CN" dirty="0" smtClean="0">
-                  <a:solidFill>
-                    <a:srgbClr val="00FF00"/>
-                  </a:solidFill>
-                </a:rPr>
-                <a:t>+2</a:t>
-              </a:r>
-              <a:endParaRPr lang="zh-CN" altLang="en-US" dirty="0">
-                <a:solidFill>
-                  <a:srgbClr val="00FF00"/>
-                </a:solidFill>
-              </a:endParaRPr>
-            </a:p>
-          </p:txBody>
-        </p:sp>
-      </p:grpSp>
-      <p:grpSp>
-        <p:nvGrpSpPr>
-          <p:cNvPr id="15" name="Group 14"/>
-          <p:cNvGrpSpPr/>
-          <p:nvPr/>
-        </p:nvGrpSpPr>
-        <p:grpSpPr>
-          <a:xfrm>
-            <a:off x="5941473" y="3382928"/>
-            <a:ext cx="3035635" cy="1758694"/>
-            <a:chOff x="5941473" y="3382928"/>
-            <a:chExt cx="3035635" cy="1758694"/>
-          </a:xfrm>
-        </p:grpSpPr>
-        <p:grpSp>
-          <p:nvGrpSpPr>
-            <p:cNvPr id="59" name="组合 53">
-              <a:extLst>
-                <a:ext uri="{FF2B5EF4-FFF2-40B4-BE49-F238E27FC236}">
-                  <a16:creationId xmlns:a16="http://schemas.microsoft.com/office/drawing/2014/main" id="{9699C951-39FE-45D3-8614-084A4FA4731E}"/>
-                </a:ext>
-              </a:extLst>
-            </p:cNvPr>
-            <p:cNvGrpSpPr/>
-            <p:nvPr/>
-          </p:nvGrpSpPr>
-          <p:grpSpPr>
-            <a:xfrm>
-              <a:off x="5941473" y="3382928"/>
-              <a:ext cx="3035635" cy="1758694"/>
-              <a:chOff x="6835081" y="1492668"/>
-              <a:chExt cx="3046059" cy="1764734"/>
-            </a:xfrm>
-          </p:grpSpPr>
-          <p:sp>
-            <p:nvSpPr>
-              <p:cNvPr id="61" name="矩形 59">
-                <a:extLst>
-                  <a:ext uri="{FF2B5EF4-FFF2-40B4-BE49-F238E27FC236}">
-                    <a16:creationId xmlns:a16="http://schemas.microsoft.com/office/drawing/2014/main" id="{1E773737-473F-4860-BC67-4EE0B0BFBA3F}"/>
-                  </a:ext>
-                </a:extLst>
-              </p:cNvPr>
-              <p:cNvSpPr/>
-              <p:nvPr/>
-            </p:nvSpPr>
-            <p:spPr>
-              <a:xfrm>
-                <a:off x="6835081" y="1492668"/>
-                <a:ext cx="3046059" cy="1764734"/>
-              </a:xfrm>
-              <a:prstGeom prst="rect">
-                <a:avLst/>
-              </a:prstGeom>
-              <a:solidFill>
-                <a:srgbClr val="777777"/>
-              </a:solidFill>
-              <a:ln>
-                <a:solidFill>
-                  <a:schemeClr val="tx1">
-                    <a:lumMod val="65000"/>
-                    <a:lumOff val="35000"/>
-                  </a:schemeClr>
-                </a:solidFill>
-              </a:ln>
-              <a:effectLst>
-                <a:outerShdw blurRad="50800" dist="38100" dir="2700000" algn="tl" rotWithShape="0">
-                  <a:prstClr val="black">
-                    <a:alpha val="40000"/>
-                  </a:prstClr>
-                </a:outerShdw>
-              </a:effectLst>
-            </p:spPr>
-            <p:style>
-              <a:lnRef idx="2">
-                <a:schemeClr val="accent1">
-                  <a:shade val="50000"/>
-                </a:schemeClr>
-              </a:lnRef>
-              <a:fillRef idx="1">
-                <a:schemeClr val="accent1"/>
-              </a:fillRef>
-              <a:effectRef idx="0">
-                <a:schemeClr val="accent1"/>
-              </a:effectRef>
-              <a:fontRef idx="minor">
-                <a:schemeClr val="lt1"/>
-              </a:fontRef>
-            </p:style>
-            <p:txBody>
-              <a:bodyPr rtlCol="0" anchor="ctr"/>
-              <a:lstStyle/>
-              <a:p>
-                <a:pPr algn="ctr"/>
-                <a:endParaRPr lang="zh-CN" altLang="en-US" sz="3200" u="sng" dirty="0">
-                  <a:solidFill>
-                    <a:schemeClr val="bg1"/>
-                  </a:solidFill>
-                </a:endParaRPr>
-              </a:p>
-            </p:txBody>
-          </p:sp>
-          <p:sp>
-            <p:nvSpPr>
-              <p:cNvPr id="62" name="文本框 60">
-                <a:extLst>
-                  <a:ext uri="{FF2B5EF4-FFF2-40B4-BE49-F238E27FC236}">
-                    <a16:creationId xmlns:a16="http://schemas.microsoft.com/office/drawing/2014/main" id="{945D4D64-9457-4117-A9BB-F997E8CAEF89}"/>
-                  </a:ext>
-                </a:extLst>
-              </p:cNvPr>
-              <p:cNvSpPr txBox="1"/>
-              <p:nvPr/>
-            </p:nvSpPr>
-            <p:spPr>
-              <a:xfrm>
-                <a:off x="8200855" y="2182872"/>
-                <a:ext cx="314507" cy="525017"/>
-              </a:xfrm>
-              <a:prstGeom prst="rect">
-                <a:avLst/>
-              </a:prstGeom>
-              <a:noFill/>
-            </p:spPr>
-            <p:txBody>
-              <a:bodyPr wrap="square" rtlCol="0">
-                <a:spAutoFit/>
-              </a:bodyPr>
-              <a:lstStyle/>
-              <a:p>
-                <a:endParaRPr lang="zh-CN" altLang="en-US" sz="2800" u="sng" dirty="0">
-                  <a:solidFill>
-                    <a:schemeClr val="bg1"/>
-                  </a:solidFill>
-                </a:endParaRPr>
-              </a:p>
-            </p:txBody>
-          </p:sp>
-        </p:grpSp>
-        <p:sp>
-          <p:nvSpPr>
-            <p:cNvPr id="65" name="Oval 64"/>
-            <p:cNvSpPr/>
-            <p:nvPr/>
-          </p:nvSpPr>
-          <p:spPr>
-            <a:xfrm>
-              <a:off x="6999668" y="3805075"/>
-              <a:ext cx="914400" cy="914400"/>
-            </a:xfrm>
-            <a:prstGeom prst="ellipse">
-              <a:avLst/>
-            </a:prstGeom>
-            <a:noFill/>
-            <a:ln w="28575">
-              <a:solidFill>
-                <a:schemeClr val="bg1">
-                  <a:lumMod val="85000"/>
-                </a:schemeClr>
-              </a:solidFill>
-            </a:ln>
-          </p:spPr>
-          <p:style>
-            <a:lnRef idx="2">
-              <a:schemeClr val="accent1">
-                <a:shade val="50000"/>
-              </a:schemeClr>
-            </a:lnRef>
-            <a:fillRef idx="1">
-              <a:schemeClr val="accent1"/>
-            </a:fillRef>
-            <a:effectRef idx="0">
-              <a:schemeClr val="accent1"/>
-            </a:effectRef>
-            <a:fontRef idx="minor">
-              <a:schemeClr val="lt1"/>
-            </a:fontRef>
-          </p:style>
-          <p:txBody>
-            <a:bodyPr rtlCol="0" anchor="ctr"/>
-            <a:lstStyle/>
-            <a:p>
-              <a:pPr algn="ctr"/>
-              <a:endParaRPr lang="zh-CN" altLang="en-US" dirty="0">
-                <a:solidFill>
-                  <a:srgbClr val="FF0000"/>
-                </a:solidFill>
-              </a:endParaRPr>
-            </a:p>
-          </p:txBody>
-        </p:sp>
-        <p:sp>
-          <p:nvSpPr>
-            <p:cNvPr id="5" name="TextBox 4"/>
-            <p:cNvSpPr txBox="1"/>
-            <p:nvPr/>
-          </p:nvSpPr>
-          <p:spPr>
-            <a:xfrm>
-              <a:off x="7031304" y="4085137"/>
-              <a:ext cx="862642" cy="369332"/>
-            </a:xfrm>
-            <a:prstGeom prst="rect">
-              <a:avLst/>
-            </a:prstGeom>
-            <a:noFill/>
-          </p:spPr>
-          <p:txBody>
-            <a:bodyPr wrap="square" rtlCol="0">
-              <a:spAutoFit/>
-            </a:bodyPr>
-            <a:lstStyle/>
-            <a:p>
-              <a:pPr algn="ctr"/>
-              <a:r>
-                <a:rPr lang="en-US" altLang="zh-CN" dirty="0" smtClean="0">
-                  <a:solidFill>
-                    <a:srgbClr val="FF0000"/>
-                  </a:solidFill>
-                </a:rPr>
-                <a:t>-3</a:t>
-              </a:r>
-              <a:r>
-                <a:rPr lang="en-US" altLang="zh-CN" dirty="0" smtClean="0"/>
-                <a:t>    </a:t>
-              </a:r>
-              <a:r>
-                <a:rPr lang="en-US" altLang="zh-CN" dirty="0" smtClean="0">
-                  <a:solidFill>
-                    <a:srgbClr val="00FF00"/>
-                  </a:solidFill>
-                </a:rPr>
-                <a:t>+9</a:t>
-              </a:r>
-              <a:endParaRPr lang="zh-CN" altLang="en-US" dirty="0">
-                <a:solidFill>
-                  <a:srgbClr val="00FF00"/>
-                </a:solidFill>
-              </a:endParaRPr>
-            </a:p>
-          </p:txBody>
-        </p:sp>
-        <p:cxnSp>
-          <p:nvCxnSpPr>
-            <p:cNvPr id="7" name="Straight Connector 6"/>
-            <p:cNvCxnSpPr>
-              <a:stCxn id="65" idx="0"/>
-              <a:endCxn id="65" idx="4"/>
-            </p:cNvCxnSpPr>
-            <p:nvPr/>
-          </p:nvCxnSpPr>
-          <p:spPr>
-            <a:xfrm>
-              <a:off x="7456868" y="3805075"/>
-              <a:ext cx="0" cy="914400"/>
-            </a:xfrm>
-            <a:prstGeom prst="line">
-              <a:avLst/>
-            </a:prstGeom>
-            <a:ln w="28575">
-              <a:solidFill>
-                <a:schemeClr val="bg1">
-                  <a:lumMod val="85000"/>
-                </a:schemeClr>
-              </a:solidFill>
-            </a:ln>
-          </p:spPr>
-          <p:style>
-            <a:lnRef idx="1">
-              <a:schemeClr val="accent1"/>
-            </a:lnRef>
-            <a:fillRef idx="0">
-              <a:schemeClr val="accent1"/>
-            </a:fillRef>
-            <a:effectRef idx="0">
-              <a:schemeClr val="accent1"/>
-            </a:effectRef>
-            <a:fontRef idx="minor">
-              <a:schemeClr val="tx1"/>
-            </a:fontRef>
-          </p:style>
-        </p:cxnSp>
-        <p:sp>
-          <p:nvSpPr>
-            <p:cNvPr id="58" name="椭圆 57">
-              <a:extLst>
-                <a:ext uri="{FF2B5EF4-FFF2-40B4-BE49-F238E27FC236}">
-                  <a16:creationId xmlns:a16="http://schemas.microsoft.com/office/drawing/2014/main" id="{373902A1-8B3B-46AB-B8DE-2D4D3E33B5AD}"/>
-                </a:ext>
-              </a:extLst>
-            </p:cNvPr>
-            <p:cNvSpPr/>
-            <p:nvPr/>
-          </p:nvSpPr>
-          <p:spPr>
-            <a:xfrm>
-              <a:off x="7434008" y="4246943"/>
-              <a:ext cx="45719" cy="45719"/>
-            </a:xfrm>
-            <a:prstGeom prst="ellipse">
-              <a:avLst/>
-            </a:prstGeom>
-            <a:solidFill>
-              <a:schemeClr val="tx1"/>
-            </a:solidFill>
-            <a:ln>
-              <a:noFill/>
-            </a:ln>
-          </p:spPr>
-          <p:style>
-            <a:lnRef idx="2">
-              <a:schemeClr val="accent1">
-                <a:shade val="50000"/>
-              </a:schemeClr>
-            </a:lnRef>
-            <a:fillRef idx="1">
-              <a:schemeClr val="accent1"/>
-            </a:fillRef>
-            <a:effectRef idx="0">
-              <a:schemeClr val="accent1"/>
-            </a:effectRef>
-            <a:fontRef idx="minor">
-              <a:schemeClr val="lt1"/>
-            </a:fontRef>
-          </p:style>
-          <p:txBody>
-            <a:bodyPr rtlCol="0" anchor="ctr"/>
-            <a:lstStyle/>
-            <a:p>
-              <a:pPr algn="ctr"/>
-              <a:endParaRPr lang="zh-CN" altLang="en-US" u="sng"/>
-            </a:p>
-          </p:txBody>
-        </p:sp>
-      </p:grpSp>
-      <p:sp>
-        <p:nvSpPr>
-          <p:cNvPr id="66" name="Oval 65"/>
-          <p:cNvSpPr/>
-          <p:nvPr/>
-        </p:nvSpPr>
-        <p:spPr>
-          <a:xfrm flipH="1">
-            <a:off x="4017822" y="4168274"/>
-            <a:ext cx="188001" cy="188001"/>
-          </a:xfrm>
-          <a:prstGeom prst="ellipse">
-            <a:avLst/>
-          </a:prstGeom>
-          <a:noFill/>
-          <a:ln w="19050">
-            <a:solidFill>
-              <a:schemeClr val="bg1">
-                <a:lumMod val="85000"/>
-              </a:schemeClr>
-            </a:solidFill>
-          </a:ln>
-        </p:spPr>
-        <p:style>
-          <a:lnRef idx="2">
-            <a:schemeClr val="accent1">
-              <a:shade val="50000"/>
-            </a:schemeClr>
-          </a:lnRef>
-          <a:fillRef idx="1">
-            <a:schemeClr val="accent1"/>
-          </a:fillRef>
-          <a:effectRef idx="0">
-            <a:schemeClr val="accent1"/>
-          </a:effectRef>
-          <a:fontRef idx="minor">
-            <a:schemeClr val="lt1"/>
-          </a:fontRef>
-        </p:style>
-        <p:txBody>
-          <a:bodyPr rtlCol="0" anchor="ctr"/>
-          <a:lstStyle/>
-          <a:p>
-            <a:pPr algn="ctr"/>
-            <a:endParaRPr lang="zh-CN" altLang="en-US" dirty="0">
-              <a:solidFill>
-                <a:srgbClr val="FF0000"/>
-              </a:solidFill>
-            </a:endParaRPr>
-          </a:p>
-        </p:txBody>
-      </p:sp>
-      <p:grpSp>
-        <p:nvGrpSpPr>
-          <p:cNvPr id="9" name="Group 8"/>
-          <p:cNvGrpSpPr/>
-          <p:nvPr/>
-        </p:nvGrpSpPr>
-        <p:grpSpPr>
-          <a:xfrm>
-            <a:off x="8348910" y="4513295"/>
-            <a:ext cx="1248173" cy="1109609"/>
-            <a:chOff x="9096103" y="2971932"/>
-            <a:chExt cx="1701917" cy="1512981"/>
-          </a:xfrm>
-        </p:grpSpPr>
-        <p:sp>
-          <p:nvSpPr>
-            <p:cNvPr id="8" name="Block Arc 7"/>
-            <p:cNvSpPr/>
-            <p:nvPr/>
-          </p:nvSpPr>
-          <p:spPr>
-            <a:xfrm>
-              <a:off x="9285039" y="2971932"/>
-              <a:ext cx="1512981" cy="1512981"/>
-            </a:xfrm>
-            <a:prstGeom prst="blockArc">
-              <a:avLst>
-                <a:gd name="adj1" fmla="val 16111593"/>
-                <a:gd name="adj2" fmla="val 10799995"/>
-                <a:gd name="adj3" fmla="val 27701"/>
-              </a:avLst>
-            </a:prstGeom>
-            <a:solidFill>
-              <a:schemeClr val="bg1">
-                <a:lumMod val="75000"/>
-              </a:schemeClr>
-            </a:solidFill>
-            <a:ln>
-              <a:noFill/>
-            </a:ln>
-          </p:spPr>
-          <p:style>
-            <a:lnRef idx="2">
-              <a:schemeClr val="accent1">
-                <a:shade val="50000"/>
-              </a:schemeClr>
-            </a:lnRef>
-            <a:fillRef idx="1">
-              <a:schemeClr val="accent1"/>
-            </a:fillRef>
-            <a:effectRef idx="0">
-              <a:schemeClr val="accent1"/>
-            </a:effectRef>
-            <a:fontRef idx="minor">
-              <a:schemeClr val="lt1"/>
-            </a:fontRef>
-          </p:style>
-          <p:txBody>
-            <a:bodyPr rtlCol="0" anchor="ctr"/>
-            <a:lstStyle/>
-            <a:p>
-              <a:pPr algn="ctr"/>
-              <a:endParaRPr lang="zh-CN" altLang="en-US">
-                <a:solidFill>
-                  <a:schemeClr val="tx1"/>
-                </a:solidFill>
-              </a:endParaRPr>
-            </a:p>
-          </p:txBody>
-        </p:sp>
-        <p:sp>
-          <p:nvSpPr>
-            <p:cNvPr id="47" name="箭头: 右 97">
-              <a:extLst>
-                <a:ext uri="{FF2B5EF4-FFF2-40B4-BE49-F238E27FC236}">
-                  <a16:creationId xmlns:a16="http://schemas.microsoft.com/office/drawing/2014/main" id="{7C99D34E-576B-468B-9600-DC0EA71C989B}"/>
-                </a:ext>
-              </a:extLst>
-            </p:cNvPr>
-            <p:cNvSpPr/>
-            <p:nvPr/>
-          </p:nvSpPr>
-          <p:spPr>
-            <a:xfrm rot="16200000">
-              <a:off x="9306138" y="3260683"/>
-              <a:ext cx="422959" cy="843029"/>
-            </a:xfrm>
-            <a:prstGeom prst="rightArrow">
-              <a:avLst>
-                <a:gd name="adj1" fmla="val 50000"/>
-                <a:gd name="adj2" fmla="val 68800"/>
-              </a:avLst>
-            </a:prstGeom>
-            <a:solidFill>
-              <a:schemeClr val="bg1">
-                <a:lumMod val="75000"/>
-              </a:schemeClr>
-            </a:solidFill>
-            <a:ln>
-              <a:noFill/>
-            </a:ln>
-          </p:spPr>
-          <p:style>
-            <a:lnRef idx="2">
-              <a:schemeClr val="accent1">
-                <a:shade val="50000"/>
-              </a:schemeClr>
-            </a:lnRef>
-            <a:fillRef idx="1">
-              <a:schemeClr val="accent1"/>
-            </a:fillRef>
-            <a:effectRef idx="0">
-              <a:schemeClr val="accent1"/>
-            </a:effectRef>
-            <a:fontRef idx="minor">
-              <a:schemeClr val="lt1"/>
-            </a:fontRef>
-          </p:style>
-          <p:txBody>
-            <a:bodyPr rtlCol="0" anchor="ctr"/>
-            <a:lstStyle/>
-            <a:p>
-              <a:pPr algn="ctr"/>
-              <a:endParaRPr lang="zh-CN" altLang="en-US"/>
-            </a:p>
-          </p:txBody>
-        </p:sp>
-      </p:grpSp>
-      <p:sp>
-        <p:nvSpPr>
-          <p:cNvPr id="63" name="箭头: 右 103">
-            <a:extLst>
-              <a:ext uri="{FF2B5EF4-FFF2-40B4-BE49-F238E27FC236}">
-                <a16:creationId xmlns:a16="http://schemas.microsoft.com/office/drawing/2014/main" id="{91D3AB40-862A-4114-95F4-E17B51F269A8}"/>
-              </a:ext>
-            </a:extLst>
-          </p:cNvPr>
-          <p:cNvSpPr/>
-          <p:nvPr/>
-        </p:nvSpPr>
-        <p:spPr>
-          <a:xfrm rot="10800000">
-            <a:off x="5490631" y="3866474"/>
-            <a:ext cx="560677" cy="749300"/>
-          </a:xfrm>
-          <a:prstGeom prst="rightArrow">
-            <a:avLst/>
-          </a:prstGeom>
-          <a:solidFill>
-            <a:schemeClr val="bg1">
-              <a:lumMod val="75000"/>
-            </a:schemeClr>
-          </a:solidFill>
-          <a:ln>
-            <a:noFill/>
-          </a:ln>
-        </p:spPr>
-        <p:style>
-          <a:lnRef idx="2">
-            <a:schemeClr val="accent1">
-              <a:shade val="50000"/>
-            </a:schemeClr>
-          </a:lnRef>
-          <a:fillRef idx="1">
-            <a:schemeClr val="accent1"/>
-          </a:fillRef>
-          <a:effectRef idx="0">
-            <a:schemeClr val="accent1"/>
-          </a:effectRef>
-          <a:fontRef idx="minor">
-            <a:schemeClr val="lt1"/>
-          </a:fontRef>
-        </p:style>
-        <p:txBody>
-          <a:bodyPr rtlCol="0" anchor="ctr"/>
-          <a:lstStyle/>
-          <a:p>
-            <a:pPr algn="ctr"/>
-            <a:endParaRPr lang="zh-CN" altLang="en-US" dirty="0"/>
-          </a:p>
-        </p:txBody>
-      </p:sp>
-      <p:sp>
-        <p:nvSpPr>
-          <p:cNvPr id="55" name="箭头: 右 97">
-            <a:extLst>
-              <a:ext uri="{FF2B5EF4-FFF2-40B4-BE49-F238E27FC236}">
-                <a16:creationId xmlns:a16="http://schemas.microsoft.com/office/drawing/2014/main" id="{7C99D34E-576B-468B-9600-DC0EA71C989B}"/>
-              </a:ext>
-            </a:extLst>
-          </p:cNvPr>
-          <p:cNvSpPr/>
-          <p:nvPr/>
-        </p:nvSpPr>
-        <p:spPr>
-          <a:xfrm>
-            <a:off x="5537760" y="1785287"/>
-            <a:ext cx="560677" cy="749300"/>
-          </a:xfrm>
-          <a:prstGeom prst="rightArrow">
-            <a:avLst/>
-          </a:prstGeom>
-          <a:solidFill>
-            <a:schemeClr val="bg1">
-              <a:lumMod val="75000"/>
-            </a:schemeClr>
-          </a:solidFill>
-          <a:ln>
-            <a:noFill/>
-          </a:ln>
-        </p:spPr>
-        <p:style>
-          <a:lnRef idx="2">
-            <a:schemeClr val="accent1">
-              <a:shade val="50000"/>
-            </a:schemeClr>
-          </a:lnRef>
-          <a:fillRef idx="1">
-            <a:schemeClr val="accent1"/>
-          </a:fillRef>
-          <a:effectRef idx="0">
-            <a:schemeClr val="accent1"/>
-          </a:effectRef>
-          <a:fontRef idx="minor">
-            <a:schemeClr val="lt1"/>
-          </a:fontRef>
-        </p:style>
-        <p:txBody>
-          <a:bodyPr rtlCol="0" anchor="ctr"/>
-          <a:lstStyle/>
-          <a:p>
-            <a:pPr algn="ctr"/>
-            <a:endParaRPr lang="zh-CN" altLang="en-US"/>
-          </a:p>
-        </p:txBody>
-      </p:sp>
-    </p:spTree>
-    <p:extLst>
-      <p:ext uri="{BB962C8B-B14F-4D97-AF65-F5344CB8AC3E}">
-        <p14:creationId xmlns:p14="http://schemas.microsoft.com/office/powerpoint/2010/main" val="3754027638"/>
-      </p:ext>
-    </p:extLst>
-  </p:cSld>
-  <p:clrMapOvr>
-    <a:masterClrMapping/>
-  </p:clrMapOvr>
-  <p:timing>
-    <p:tnLst>
-      <p:par>
-        <p:cTn id="1" dur="indefinite" restart="never" nodeType="tmRoot"/>
-      </p:par>
-    </p:tnLst>
-  </p:timing>
-</p:sld>
-</file>
-
-<file path=ppt/slides/slide3.xml><?xml version="1.0" encoding="utf-8"?>
-<p:sld xmlns:a="http://schemas.openxmlformats.org/drawingml/2006/main" xmlns:r="http://schemas.openxmlformats.org/officeDocument/2006/relationships" xmlns:p="http://schemas.openxmlformats.org/presentationml/2006/main">
-  <p:cSld>
-    <p:spTree>
-      <p:nvGrpSpPr>
-        <p:cNvPr id="1" name=""/>
-        <p:cNvGrpSpPr/>
-        <p:nvPr/>
-      </p:nvGrpSpPr>
-      <p:grpSpPr>
-        <a:xfrm>
-          <a:off x="0" y="0"/>
-          <a:ext cx="0" cy="0"/>
-          <a:chOff x="0" y="0"/>
-          <a:chExt cx="0" cy="0"/>
-        </a:xfrm>
-      </p:grpSpPr>
-      <p:sp>
-        <p:nvSpPr>
-          <p:cNvPr id="2" name="文本框 1">
-            <a:extLst>
-              <a:ext uri="{FF2B5EF4-FFF2-40B4-BE49-F238E27FC236}">
-                <a16:creationId xmlns:a16="http://schemas.microsoft.com/office/drawing/2014/main" id="{77860894-E7E5-41F8-AC9F-F1D0DF6C29CE}"/>
-              </a:ext>
-            </a:extLst>
-          </p:cNvPr>
-          <p:cNvSpPr txBox="1"/>
-          <p:nvPr/>
-        </p:nvSpPr>
-        <p:spPr>
-          <a:xfrm rot="10800000" flipH="1" flipV="1">
-            <a:off x="1775873" y="789656"/>
-            <a:ext cx="8252709" cy="369332"/>
-          </a:xfrm>
-          <a:prstGeom prst="rect">
-            <a:avLst/>
-          </a:prstGeom>
-          <a:noFill/>
-        </p:spPr>
-        <p:txBody>
-          <a:bodyPr wrap="square" rtlCol="0">
-            <a:spAutoFit/>
-          </a:bodyPr>
-          <a:lstStyle/>
-          <a:p>
-            <a:r>
-              <a:rPr lang="zh-CN" altLang="en-US" dirty="0" smtClean="0">
-                <a:solidFill>
-                  <a:schemeClr val="bg1"/>
-                </a:solidFill>
-              </a:rPr>
-              <a:t>画</a:t>
-            </a:r>
-            <a:r>
-              <a:rPr lang="zh-CN" altLang="en-US" dirty="0">
-                <a:solidFill>
-                  <a:schemeClr val="bg1"/>
-                </a:solidFill>
-              </a:rPr>
-              <a:t>面的意义如</a:t>
-            </a:r>
-            <a:r>
-              <a:rPr lang="zh-CN" altLang="en-US" dirty="0" smtClean="0">
-                <a:solidFill>
-                  <a:schemeClr val="bg1"/>
-                </a:solidFill>
-              </a:rPr>
-              <a:t>下：</a:t>
-            </a:r>
-            <a:endParaRPr lang="en-US" altLang="zh-CN" dirty="0">
-              <a:solidFill>
-                <a:schemeClr val="bg1"/>
-              </a:solidFill>
-            </a:endParaRPr>
-          </a:p>
-        </p:txBody>
-      </p:sp>
-      <p:sp>
-        <p:nvSpPr>
-          <p:cNvPr id="37" name="文本框 36">
-            <a:extLst>
-              <a:ext uri="{FF2B5EF4-FFF2-40B4-BE49-F238E27FC236}">
-                <a16:creationId xmlns:a16="http://schemas.microsoft.com/office/drawing/2014/main" id="{D8DF0724-133D-43F7-87A6-713194EA96A7}"/>
-              </a:ext>
-            </a:extLst>
-          </p:cNvPr>
-          <p:cNvSpPr txBox="1"/>
-          <p:nvPr/>
-        </p:nvSpPr>
-        <p:spPr>
-          <a:xfrm>
-            <a:off x="9593707" y="6330426"/>
-            <a:ext cx="2008682" cy="646331"/>
-          </a:xfrm>
-          <a:prstGeom prst="rect">
-            <a:avLst/>
-          </a:prstGeom>
-          <a:noFill/>
-        </p:spPr>
-        <p:txBody>
-          <a:bodyPr wrap="square" rtlCol="0">
-            <a:spAutoFit/>
-          </a:bodyPr>
-          <a:lstStyle/>
-          <a:p>
-            <a:r>
-              <a:rPr lang="zh-CN" altLang="en-US" dirty="0">
-                <a:solidFill>
-                  <a:schemeClr val="bg1"/>
-                </a:solidFill>
-              </a:rPr>
-              <a:t>按</a:t>
-            </a:r>
-            <a:r>
-              <a:rPr lang="en-US" altLang="zh-CN" u="sng" dirty="0">
-                <a:solidFill>
-                  <a:schemeClr val="bg1"/>
-                </a:solidFill>
-              </a:rPr>
-              <a:t>←</a:t>
-            </a:r>
-            <a:r>
-              <a:rPr lang="zh-CN" altLang="en-US" u="sng" dirty="0">
-                <a:solidFill>
-                  <a:schemeClr val="bg1"/>
-                </a:solidFill>
-              </a:rPr>
-              <a:t>键</a:t>
-            </a:r>
-            <a:r>
-              <a:rPr lang="zh-CN" altLang="en-US" dirty="0">
-                <a:solidFill>
-                  <a:schemeClr val="bg1"/>
-                </a:solidFill>
-              </a:rPr>
-              <a:t>进入上一张</a:t>
-            </a:r>
-            <a:endParaRPr lang="en-US" altLang="zh-CN" dirty="0">
-              <a:solidFill>
-                <a:schemeClr val="bg1"/>
-              </a:solidFill>
-            </a:endParaRPr>
-          </a:p>
-          <a:p>
-            <a:r>
-              <a:rPr lang="zh-CN" altLang="en-US" dirty="0">
-                <a:solidFill>
-                  <a:schemeClr val="bg1"/>
-                </a:solidFill>
-              </a:rPr>
-              <a:t>按</a:t>
-            </a:r>
-            <a:r>
-              <a:rPr lang="en-US" altLang="zh-CN" u="sng" dirty="0">
-                <a:solidFill>
-                  <a:schemeClr val="bg1"/>
-                </a:solidFill>
-              </a:rPr>
-              <a:t>→</a:t>
-            </a:r>
-            <a:r>
-              <a:rPr lang="zh-CN" altLang="en-US" u="sng" dirty="0">
-                <a:solidFill>
-                  <a:schemeClr val="bg1"/>
-                </a:solidFill>
-              </a:rPr>
-              <a:t>键</a:t>
-            </a:r>
-            <a:r>
-              <a:rPr lang="zh-CN" altLang="en-US" dirty="0">
-                <a:solidFill>
-                  <a:schemeClr val="bg1"/>
-                </a:solidFill>
-              </a:rPr>
-              <a:t>进入下一张</a:t>
-            </a:r>
-          </a:p>
-        </p:txBody>
-      </p:sp>
-      <p:sp>
-        <p:nvSpPr>
           <p:cNvPr id="32" name="文本框 31">
             <a:extLst>
               <a:ext uri="{FF2B5EF4-FFF2-40B4-BE49-F238E27FC236}">
@@ -6361,8 +5288,8 @@
         </p:nvSpPr>
         <p:spPr>
           <a:xfrm rot="10800000" flipH="1" flipV="1">
-            <a:off x="5202269" y="1471654"/>
-            <a:ext cx="5491131" cy="1754326"/>
+            <a:off x="5202269" y="1610153"/>
+            <a:ext cx="6469271" cy="1477328"/>
           </a:xfrm>
           <a:prstGeom prst="rect">
             <a:avLst/>
@@ -6381,7 +5308,7 @@
                   <a:schemeClr val="bg1"/>
                 </a:solidFill>
               </a:rPr>
-              <a:t>圆圈里的数字表示得失。</a:t>
+              <a:t>圆圈里的数字表示固定的得失。</a:t>
             </a:r>
             <a:endParaRPr lang="en-US" altLang="zh-CN" dirty="0" smtClean="0">
               <a:solidFill>
@@ -6416,54 +5343,7 @@
             <a:r>
               <a:rPr lang="en-US" altLang="zh-CN" dirty="0">
                 <a:solidFill>
-                  <a:schemeClr val="bg1"/>
-                </a:solidFill>
-              </a:rPr>
-              <a:t>+</a:t>
-            </a:r>
-            <a:r>
-              <a:rPr lang="zh-CN" altLang="en-US" dirty="0">
-                <a:solidFill>
-                  <a:schemeClr val="bg1"/>
-                </a:solidFill>
-              </a:rPr>
-              <a:t>”代表获得，“</a:t>
-            </a:r>
-            <a:r>
-              <a:rPr lang="en-US" altLang="zh-CN" dirty="0">
-                <a:solidFill>
-                  <a:schemeClr val="bg1"/>
-                </a:solidFill>
-              </a:rPr>
-              <a:t>-</a:t>
-            </a:r>
-            <a:r>
-              <a:rPr lang="zh-CN" altLang="en-US" dirty="0">
-                <a:solidFill>
-                  <a:schemeClr val="bg1"/>
-                </a:solidFill>
-              </a:rPr>
-              <a:t>”代表失去相应的金额</a:t>
-            </a:r>
-            <a:r>
-              <a:rPr lang="zh-CN" altLang="en-US" dirty="0" smtClean="0">
-                <a:solidFill>
-                  <a:schemeClr val="bg1"/>
-                </a:solidFill>
-              </a:rPr>
-              <a:t>，</a:t>
-            </a:r>
-            <a:endParaRPr lang="en-US" altLang="zh-CN" dirty="0" smtClean="0">
-              <a:solidFill>
-                <a:schemeClr val="bg1"/>
-              </a:solidFill>
-            </a:endParaRPr>
-          </a:p>
-          <a:p>
-            <a:r>
-              <a:rPr lang="zh-CN" altLang="en-US" dirty="0">
-                <a:solidFill>
-                  <a:srgbClr val="00FF00"/>
+                  <a:srgbClr val="FF0000"/>
                 </a:solidFill>
                 <a:effectLst>
                   <a:outerShdw blurRad="38100" dist="38100" dir="2700000" algn="tl">
@@ -6473,20 +5353,20 @@
                   </a:outerShdw>
                 </a:effectLst>
               </a:rPr>
-              <a:t>绿</a:t>
-            </a:r>
-            <a:r>
-              <a:rPr lang="zh-CN" altLang="en-US" dirty="0" smtClean="0">
-                <a:solidFill>
-                  <a:schemeClr val="bg1"/>
-                </a:solidFill>
-              </a:rPr>
-              <a:t>色表示得到，</a:t>
-            </a:r>
-            <a:r>
-              <a:rPr lang="zh-CN" altLang="en-US" dirty="0" smtClean="0">
-                <a:solidFill>
-                  <a:srgbClr val="FF0000"/>
+              <a:t>+</a:t>
+            </a:r>
+            <a:r>
+              <a:rPr lang="zh-CN" altLang="en-US" dirty="0">
+                <a:solidFill>
+                  <a:schemeClr val="bg1"/>
+                </a:solidFill>
+              </a:rPr>
+              <a:t>”代表获得，“</a:t>
+            </a:r>
+            <a:r>
+              <a:rPr lang="en-US" altLang="zh-CN" dirty="0">
+                <a:solidFill>
+                  <a:srgbClr val="00FF00"/>
                 </a:solidFill>
                 <a:effectLst>
                   <a:outerShdw blurRad="38100" dist="38100" dir="2700000" algn="tl">
@@ -6496,7 +5376,15 @@
                   </a:outerShdw>
                 </a:effectLst>
               </a:rPr>
-              <a:t>红</a:t>
+              <a:t>-</a:t>
+            </a:r>
+            <a:r>
+              <a:rPr lang="zh-CN" altLang="en-US" dirty="0">
+                <a:solidFill>
+                  <a:schemeClr val="bg1"/>
+                </a:solidFill>
+              </a:rPr>
+              <a:t>”代表失去相应的金额</a:t>
             </a:r>
             <a:r>
               <a:rPr lang="zh-CN" altLang="en-US" dirty="0" smtClean="0">
@@ -6504,8 +5392,31 @@
                   <a:schemeClr val="bg1"/>
                 </a:solidFill>
               </a:rPr>
-              <a:t>色表示失去</a:t>
-            </a:r>
+              <a:t>，“</a:t>
+            </a:r>
+            <a:r>
+              <a:rPr lang="en-US" altLang="zh-CN" dirty="0" smtClean="0">
+                <a:solidFill>
+                  <a:srgbClr val="FFFF00"/>
+                </a:solidFill>
+              </a:rPr>
+              <a:t>0</a:t>
+            </a:r>
+            <a:r>
+              <a:rPr lang="zh-CN" altLang="en-US" dirty="0" smtClean="0">
+                <a:solidFill>
+                  <a:schemeClr val="bg1"/>
+                </a:solidFill>
+              </a:rPr>
+              <a:t>”表示无得失</a:t>
+            </a:r>
+            <a:endParaRPr lang="en-US" altLang="zh-CN" dirty="0" smtClean="0">
+              <a:solidFill>
+                <a:schemeClr val="bg1"/>
+              </a:solidFill>
+            </a:endParaRPr>
+          </a:p>
+          <a:p>
             <a:endParaRPr lang="en-US" altLang="zh-CN" dirty="0">
               <a:solidFill>
                 <a:schemeClr val="bg1"/>
@@ -6513,13 +5424,6 @@
             </a:endParaRPr>
           </a:p>
           <a:p>
-            <a:endParaRPr lang="en-US" altLang="zh-CN" dirty="0">
-              <a:solidFill>
-                <a:schemeClr val="bg1"/>
-              </a:solidFill>
-            </a:endParaRPr>
-          </a:p>
-          <a:p>
             <a:r>
               <a:rPr lang="zh-CN" altLang="en-US" dirty="0">
                 <a:solidFill>
@@ -6531,16 +5435,30 @@
             <a:r>
               <a:rPr lang="en-US" altLang="zh-CN" dirty="0" smtClean="0">
                 <a:solidFill>
-                  <a:schemeClr val="bg1"/>
-                </a:solidFill>
+                  <a:srgbClr val="FF0000"/>
+                </a:solidFill>
+                <a:effectLst>
+                  <a:outerShdw blurRad="38100" dist="38100" dir="2700000" algn="tl">
+                    <a:srgbClr val="000000">
+                      <a:alpha val="43137"/>
+                    </a:srgbClr>
+                  </a:outerShdw>
+                </a:effectLst>
               </a:rPr>
               <a:t>+</a:t>
             </a:r>
             <a:r>
               <a:rPr lang="en-US" altLang="zh-CN" dirty="0">
                 <a:solidFill>
-                  <a:schemeClr val="bg1"/>
-                </a:solidFill>
+                  <a:srgbClr val="FF0000"/>
+                </a:solidFill>
+                <a:effectLst>
+                  <a:outerShdw blurRad="38100" dist="38100" dir="2700000" algn="tl">
+                    <a:srgbClr val="000000">
+                      <a:alpha val="43137"/>
+                    </a:srgbClr>
+                  </a:outerShdw>
+                </a:effectLst>
               </a:rPr>
               <a:t>2</a:t>
             </a:r>
@@ -6607,7 +5525,7 @@
         <p:spPr>
           <a:xfrm rot="10800000" flipH="1" flipV="1">
             <a:off x="5202269" y="3863197"/>
-            <a:ext cx="5935632" cy="1754326"/>
+            <a:ext cx="6702184" cy="1754326"/>
           </a:xfrm>
           <a:prstGeom prst="rect">
             <a:avLst/>
@@ -6626,23 +5544,7 @@
                   <a:schemeClr val="bg1"/>
                 </a:solidFill>
               </a:rPr>
-              <a:t>这种两个半圆表示一次赌</a:t>
-            </a:r>
-            <a:r>
-              <a:rPr lang="zh-CN" altLang="en-US" dirty="0">
-                <a:solidFill>
-                  <a:schemeClr val="bg1"/>
-                </a:solidFill>
-              </a:rPr>
-              <a:t>博</a:t>
-            </a:r>
-            <a:r>
-              <a:rPr lang="zh-CN" altLang="en-US" dirty="0" smtClean="0">
-                <a:solidFill>
-                  <a:schemeClr val="bg1"/>
-                </a:solidFill>
-              </a:rPr>
-              <a:t>的得失，</a:t>
+              <a:t>两个半圆表示一张彩票，</a:t>
             </a:r>
             <a:endParaRPr lang="en-US" altLang="zh-CN" dirty="0" smtClean="0">
               <a:solidFill>
@@ -6769,12 +5671,20 @@
           </a:p>
           <a:p>
             <a:r>
+              <a:rPr lang="zh-CN" altLang="en-US" dirty="0" smtClean="0">
+                <a:solidFill>
+                  <a:schemeClr val="bg1"/>
+                </a:solidFill>
+              </a:rPr>
+              <a:t>看到彩票后，</a:t>
+            </a:r>
+            <a:r>
               <a:rPr lang="zh-CN" altLang="en-US" dirty="0">
                 <a:solidFill>
                   <a:schemeClr val="bg1"/>
                 </a:solidFill>
               </a:rPr>
-              <a:t>在这个试次</a:t>
+              <a:t>你可</a:t>
             </a:r>
             <a:r>
               <a:rPr lang="zh-CN" altLang="en-US" dirty="0" smtClean="0">
@@ -6782,7 +5692,7 @@
                   <a:schemeClr val="bg1"/>
                 </a:solidFill>
               </a:rPr>
-              <a:t>中，你可以接受这个赌博，得失随机；</a:t>
+              <a:t>以放弃固定得失，拿走彩票，得失随机；</a:t>
             </a:r>
             <a:endParaRPr lang="en-US" altLang="zh-CN" dirty="0" smtClean="0">
               <a:solidFill>
@@ -6813,7 +5723,7 @@
                   <a:schemeClr val="bg1"/>
                 </a:solidFill>
               </a:rPr>
-              <a:t>以拒绝，拒绝后这个试次得失是之前显示的固定得失。</a:t>
+              <a:t>以拒绝，拒绝后可以拿到之前显示的固定得失。</a:t>
             </a:r>
             <a:endParaRPr lang="en-US" altLang="zh-CN" dirty="0">
               <a:solidFill>
@@ -6996,14 +5906,14 @@
               <a:r>
                 <a:rPr lang="en-US" altLang="zh-CN" dirty="0" smtClean="0">
                   <a:solidFill>
-                    <a:srgbClr val="00FF00"/>
+                    <a:srgbClr val="FF0000"/>
                   </a:solidFill>
                 </a:rPr>
                 <a:t>+2</a:t>
               </a:r>
               <a:endParaRPr lang="zh-CN" altLang="en-US" dirty="0">
                 <a:solidFill>
-                  <a:srgbClr val="00FF00"/>
+                  <a:srgbClr val="FF0000"/>
                 </a:solidFill>
               </a:endParaRPr>
             </a:p>
@@ -7227,7 +6137,7 @@
               <a:r>
                 <a:rPr lang="en-US" altLang="zh-CN" dirty="0" smtClean="0">
                   <a:solidFill>
-                    <a:srgbClr val="FF0000"/>
+                    <a:srgbClr val="00FF00"/>
                   </a:solidFill>
                 </a:rPr>
                 <a:t>-3</a:t>
@@ -7239,14 +6149,14 @@
               <a:r>
                 <a:rPr lang="en-US" altLang="zh-CN" dirty="0" smtClean="0">
                   <a:solidFill>
-                    <a:srgbClr val="00FF00"/>
+                    <a:srgbClr val="FF0000"/>
                   </a:solidFill>
                 </a:rPr>
                 <a:t>+9</a:t>
               </a:r>
               <a:endParaRPr lang="zh-CN" altLang="en-US" dirty="0">
                 <a:solidFill>
-                  <a:srgbClr val="00FF00"/>
+                  <a:srgbClr val="FF0000"/>
                 </a:solidFill>
               </a:endParaRPr>
             </a:p>
@@ -7382,155 +6292,12 @@
           <a:chExt cx="0" cy="0"/>
         </a:xfrm>
       </p:grpSpPr>
-      <p:grpSp>
-        <p:nvGrpSpPr>
-          <p:cNvPr id="54" name="Group 53"/>
-          <p:cNvGrpSpPr/>
-          <p:nvPr/>
-        </p:nvGrpSpPr>
-        <p:grpSpPr>
-          <a:xfrm>
-            <a:off x="5982985" y="894188"/>
-            <a:ext cx="2555415" cy="1480479"/>
-            <a:chOff x="5939051" y="1260789"/>
-            <a:chExt cx="3035635" cy="1758694"/>
-          </a:xfrm>
-        </p:grpSpPr>
-        <p:sp>
-          <p:nvSpPr>
-            <p:cNvPr id="56" name="矩形 68">
-              <a:extLst>
-                <a:ext uri="{FF2B5EF4-FFF2-40B4-BE49-F238E27FC236}">
-                  <a16:creationId xmlns:a16="http://schemas.microsoft.com/office/drawing/2014/main" id="{FC28F3C4-E5C6-4B7B-B972-6E41D7C632AD}"/>
-                </a:ext>
-              </a:extLst>
-            </p:cNvPr>
-            <p:cNvSpPr/>
-            <p:nvPr/>
-          </p:nvSpPr>
-          <p:spPr>
-            <a:xfrm>
-              <a:off x="5939051" y="1260789"/>
-              <a:ext cx="3035635" cy="1758694"/>
-            </a:xfrm>
-            <a:prstGeom prst="rect">
-              <a:avLst/>
-            </a:prstGeom>
-            <a:solidFill>
-              <a:srgbClr val="777777"/>
-            </a:solidFill>
-            <a:ln>
-              <a:solidFill>
-                <a:schemeClr val="tx1">
-                  <a:lumMod val="65000"/>
-                  <a:lumOff val="35000"/>
-                </a:schemeClr>
-              </a:solidFill>
-            </a:ln>
-            <a:effectLst>
-              <a:outerShdw blurRad="50800" dist="38100" dir="2700000" algn="tl" rotWithShape="0">
-                <a:prstClr val="black">
-                  <a:alpha val="40000"/>
-                </a:prstClr>
-              </a:outerShdw>
-            </a:effectLst>
-          </p:spPr>
-          <p:style>
-            <a:lnRef idx="2">
-              <a:schemeClr val="accent1">
-                <a:shade val="50000"/>
-              </a:schemeClr>
-            </a:lnRef>
-            <a:fillRef idx="1">
-              <a:schemeClr val="accent1"/>
-            </a:fillRef>
-            <a:effectRef idx="0">
-              <a:schemeClr val="accent1"/>
-            </a:effectRef>
-            <a:fontRef idx="minor">
-              <a:schemeClr val="lt1"/>
-            </a:fontRef>
-          </p:style>
-          <p:txBody>
-            <a:bodyPr rtlCol="0" anchor="ctr"/>
-            <a:lstStyle/>
-            <a:p>
-              <a:pPr algn="ctr"/>
-              <a:endParaRPr lang="zh-CN" altLang="en-US" sz="3200" dirty="0">
-                <a:solidFill>
-                  <a:schemeClr val="bg1"/>
-                </a:solidFill>
-              </a:endParaRPr>
-            </a:p>
-          </p:txBody>
-        </p:sp>
-        <p:sp>
-          <p:nvSpPr>
-            <p:cNvPr id="58" name="Oval 57"/>
-            <p:cNvSpPr/>
-            <p:nvPr/>
-          </p:nvSpPr>
-          <p:spPr>
-            <a:xfrm>
-              <a:off x="6999668" y="1682936"/>
-              <a:ext cx="914400" cy="914400"/>
-            </a:xfrm>
-            <a:prstGeom prst="ellipse">
-              <a:avLst/>
-            </a:prstGeom>
-            <a:noFill/>
-            <a:ln w="28575">
-              <a:solidFill>
-                <a:schemeClr val="bg1">
-                  <a:lumMod val="85000"/>
-                </a:schemeClr>
-              </a:solidFill>
-            </a:ln>
-          </p:spPr>
-          <p:style>
-            <a:lnRef idx="2">
-              <a:schemeClr val="accent1">
-                <a:shade val="50000"/>
-              </a:schemeClr>
-            </a:lnRef>
-            <a:fillRef idx="1">
-              <a:schemeClr val="accent1"/>
-            </a:fillRef>
-            <a:effectRef idx="0">
-              <a:schemeClr val="accent1"/>
-            </a:effectRef>
-            <a:fontRef idx="minor">
-              <a:schemeClr val="lt1"/>
-            </a:fontRef>
-          </p:style>
-          <p:txBody>
-            <a:bodyPr rtlCol="0" anchor="ctr"/>
-            <a:lstStyle/>
-            <a:p>
-              <a:pPr algn="ctr"/>
-              <a:r>
-                <a:rPr lang="en-US" altLang="zh-CN" dirty="0" smtClean="0">
-                  <a:solidFill>
-                    <a:srgbClr val="00FF00"/>
-                  </a:solidFill>
-                </a:rPr>
-                <a:t>+2</a:t>
-              </a:r>
-              <a:endParaRPr lang="zh-CN" altLang="en-US" dirty="0">
-                <a:solidFill>
-                  <a:srgbClr val="00FF00"/>
-                </a:solidFill>
-              </a:endParaRPr>
-            </a:p>
-          </p:txBody>
-        </p:sp>
-      </p:grpSp>
       <p:sp>
         <p:nvSpPr>
-          <p:cNvPr id="86" name="矩形 3">
+          <p:cNvPr id="118" name="箭头: 右 41">
             <a:extLst>
               <a:ext uri="{FF2B5EF4-FFF2-40B4-BE49-F238E27FC236}">
-                <a16:creationId xmlns:a16="http://schemas.microsoft.com/office/drawing/2014/main" id="{209CA7B2-DD05-464A-9AF6-F59B1EADCA06}"/>
+                <a16:creationId xmlns:a16="http://schemas.microsoft.com/office/drawing/2014/main" id="{2C287855-32A8-4253-8367-69EC3C979088}"/>
               </a:ext>
             </a:extLst>
           </p:cNvPr>
@@ -7538,1121 +6305,9 @@
           <p:nvPr/>
         </p:nvSpPr>
         <p:spPr>
-          <a:xfrm>
-            <a:off x="8226651" y="4067611"/>
-            <a:ext cx="1314450" cy="346339"/>
-          </a:xfrm>
-          <a:prstGeom prst="rect">
-            <a:avLst/>
-          </a:prstGeom>
-          <a:solidFill>
-            <a:schemeClr val="bg1">
-              <a:lumMod val="85000"/>
-            </a:schemeClr>
-          </a:solidFill>
-          <a:ln>
-            <a:noFill/>
-          </a:ln>
-        </p:spPr>
-        <p:style>
-          <a:lnRef idx="2">
-            <a:schemeClr val="accent1">
-              <a:shade val="50000"/>
-            </a:schemeClr>
-          </a:lnRef>
-          <a:fillRef idx="1">
-            <a:schemeClr val="accent1"/>
-          </a:fillRef>
-          <a:effectRef idx="0">
-            <a:schemeClr val="accent1"/>
-          </a:effectRef>
-          <a:fontRef idx="minor">
-            <a:schemeClr val="lt1"/>
-          </a:fontRef>
-        </p:style>
-        <p:txBody>
-          <a:bodyPr rtlCol="0" anchor="ctr"/>
-          <a:lstStyle/>
-          <a:p>
-            <a:pPr algn="ctr"/>
-            <a:r>
-              <a:rPr lang="zh-CN" altLang="en-US" dirty="0">
-                <a:solidFill>
-                  <a:schemeClr val="tx1">
-                    <a:lumMod val="75000"/>
-                    <a:lumOff val="25000"/>
-                  </a:schemeClr>
-                </a:solidFill>
-              </a:rPr>
-              <a:t>若干重复</a:t>
-            </a:r>
-          </a:p>
-        </p:txBody>
-      </p:sp>
-      <p:sp>
-        <p:nvSpPr>
-          <p:cNvPr id="47" name="矩形 3">
-            <a:extLst>
-              <a:ext uri="{FF2B5EF4-FFF2-40B4-BE49-F238E27FC236}">
-                <a16:creationId xmlns:a16="http://schemas.microsoft.com/office/drawing/2014/main" id="{209CA7B2-DD05-464A-9AF6-F59B1EADCA06}"/>
-              </a:ext>
-            </a:extLst>
-          </p:cNvPr>
-          <p:cNvSpPr/>
-          <p:nvPr/>
-        </p:nvSpPr>
-        <p:spPr>
-          <a:xfrm>
-            <a:off x="3748406" y="554081"/>
-            <a:ext cx="1314450" cy="346339"/>
-          </a:xfrm>
-          <a:prstGeom prst="rect">
-            <a:avLst/>
-          </a:prstGeom>
-          <a:solidFill>
-            <a:schemeClr val="bg1">
-              <a:lumMod val="85000"/>
-            </a:schemeClr>
-          </a:solidFill>
-          <a:ln>
-            <a:noFill/>
-          </a:ln>
-        </p:spPr>
-        <p:style>
-          <a:lnRef idx="2">
-            <a:schemeClr val="accent1">
-              <a:shade val="50000"/>
-            </a:schemeClr>
-          </a:lnRef>
-          <a:fillRef idx="1">
-            <a:schemeClr val="accent1"/>
-          </a:fillRef>
-          <a:effectRef idx="0">
-            <a:schemeClr val="accent1"/>
-          </a:effectRef>
-          <a:fontRef idx="minor">
-            <a:schemeClr val="lt1"/>
-          </a:fontRef>
-        </p:style>
-        <p:txBody>
-          <a:bodyPr rtlCol="0" anchor="ctr"/>
-          <a:lstStyle/>
-          <a:p>
-            <a:pPr algn="ctr"/>
-            <a:r>
-              <a:rPr lang="zh-CN" altLang="en-US" dirty="0" smtClean="0">
-                <a:solidFill>
-                  <a:schemeClr val="tx1">
-                    <a:lumMod val="75000"/>
-                    <a:lumOff val="25000"/>
-                  </a:schemeClr>
-                </a:solidFill>
-              </a:rPr>
-              <a:t>开始注视</a:t>
-            </a:r>
-            <a:endParaRPr lang="zh-CN" altLang="en-US" dirty="0">
-              <a:solidFill>
-                <a:schemeClr val="tx1">
-                  <a:lumMod val="75000"/>
-                  <a:lumOff val="25000"/>
-                </a:schemeClr>
-              </a:solidFill>
-            </a:endParaRPr>
-          </a:p>
-        </p:txBody>
-      </p:sp>
-      <p:sp>
-        <p:nvSpPr>
-          <p:cNvPr id="44" name="矩形 3">
-            <a:extLst>
-              <a:ext uri="{FF2B5EF4-FFF2-40B4-BE49-F238E27FC236}">
-                <a16:creationId xmlns:a16="http://schemas.microsoft.com/office/drawing/2014/main" id="{209CA7B2-DD05-464A-9AF6-F59B1EADCA06}"/>
-              </a:ext>
-            </a:extLst>
-          </p:cNvPr>
-          <p:cNvSpPr/>
-          <p:nvPr/>
-        </p:nvSpPr>
-        <p:spPr>
-          <a:xfrm>
-            <a:off x="2606631" y="4067611"/>
-            <a:ext cx="1314450" cy="346339"/>
-          </a:xfrm>
-          <a:prstGeom prst="rect">
-            <a:avLst/>
-          </a:prstGeom>
-          <a:solidFill>
-            <a:schemeClr val="bg1">
-              <a:lumMod val="85000"/>
-            </a:schemeClr>
-          </a:solidFill>
-          <a:ln>
-            <a:noFill/>
-          </a:ln>
-        </p:spPr>
-        <p:style>
-          <a:lnRef idx="2">
-            <a:schemeClr val="accent1">
-              <a:shade val="50000"/>
-            </a:schemeClr>
-          </a:lnRef>
-          <a:fillRef idx="1">
-            <a:schemeClr val="accent1"/>
-          </a:fillRef>
-          <a:effectRef idx="0">
-            <a:schemeClr val="accent1"/>
-          </a:effectRef>
-          <a:fontRef idx="minor">
-            <a:schemeClr val="lt1"/>
-          </a:fontRef>
-        </p:style>
-        <p:txBody>
-          <a:bodyPr rtlCol="0" anchor="ctr"/>
-          <a:lstStyle/>
-          <a:p>
-            <a:pPr algn="ctr"/>
-            <a:r>
-              <a:rPr lang="zh-CN" altLang="en-US" dirty="0">
-                <a:solidFill>
-                  <a:schemeClr val="tx1">
-                    <a:lumMod val="75000"/>
-                    <a:lumOff val="25000"/>
-                  </a:schemeClr>
-                </a:solidFill>
-              </a:rPr>
-              <a:t>眨眼休息</a:t>
-            </a:r>
-          </a:p>
-        </p:txBody>
-      </p:sp>
-      <p:sp>
-        <p:nvSpPr>
-          <p:cNvPr id="4" name="矩形 3">
-            <a:extLst>
-              <a:ext uri="{FF2B5EF4-FFF2-40B4-BE49-F238E27FC236}">
-                <a16:creationId xmlns:a16="http://schemas.microsoft.com/office/drawing/2014/main" id="{209CA7B2-DD05-464A-9AF6-F59B1EADCA06}"/>
-              </a:ext>
-            </a:extLst>
-          </p:cNvPr>
-          <p:cNvSpPr/>
-          <p:nvPr/>
-        </p:nvSpPr>
-        <p:spPr>
-          <a:xfrm>
-            <a:off x="5401328" y="4067611"/>
-            <a:ext cx="1314450" cy="346339"/>
-          </a:xfrm>
-          <a:prstGeom prst="rect">
-            <a:avLst/>
-          </a:prstGeom>
-          <a:solidFill>
-            <a:schemeClr val="bg1">
-              <a:lumMod val="85000"/>
-            </a:schemeClr>
-          </a:solidFill>
-          <a:ln>
-            <a:noFill/>
-          </a:ln>
-        </p:spPr>
-        <p:style>
-          <a:lnRef idx="2">
-            <a:schemeClr val="accent1">
-              <a:shade val="50000"/>
-            </a:schemeClr>
-          </a:lnRef>
-          <a:fillRef idx="1">
-            <a:schemeClr val="accent1"/>
-          </a:fillRef>
-          <a:effectRef idx="0">
-            <a:schemeClr val="accent1"/>
-          </a:effectRef>
-          <a:fontRef idx="minor">
-            <a:schemeClr val="lt1"/>
-          </a:fontRef>
-        </p:style>
-        <p:txBody>
-          <a:bodyPr rtlCol="0" anchor="ctr"/>
-          <a:lstStyle/>
-          <a:p>
-            <a:pPr algn="ctr"/>
-            <a:r>
-              <a:rPr lang="zh-CN" altLang="en-US" dirty="0">
-                <a:solidFill>
-                  <a:schemeClr val="tx1">
-                    <a:lumMod val="75000"/>
-                    <a:lumOff val="25000"/>
-                  </a:schemeClr>
-                </a:solidFill>
-              </a:rPr>
-              <a:t>此时按键</a:t>
-            </a:r>
-          </a:p>
-        </p:txBody>
-      </p:sp>
-      <p:sp>
-        <p:nvSpPr>
-          <p:cNvPr id="17" name="文本框 16">
-            <a:extLst>
-              <a:ext uri="{FF2B5EF4-FFF2-40B4-BE49-F238E27FC236}">
-                <a16:creationId xmlns:a16="http://schemas.microsoft.com/office/drawing/2014/main" id="{22E0F501-24D7-40AF-991E-1D0AB5E93D86}"/>
-              </a:ext>
-            </a:extLst>
-          </p:cNvPr>
-          <p:cNvSpPr txBox="1"/>
-          <p:nvPr/>
-        </p:nvSpPr>
-        <p:spPr>
-          <a:xfrm rot="10800000" flipH="1" flipV="1">
-            <a:off x="1728030" y="4456481"/>
-            <a:ext cx="8947578" cy="2031325"/>
-          </a:xfrm>
-          <a:prstGeom prst="rect">
-            <a:avLst/>
-          </a:prstGeom>
-          <a:noFill/>
-        </p:spPr>
-        <p:txBody>
-          <a:bodyPr wrap="square" rtlCol="0">
-            <a:spAutoFit/>
-          </a:bodyPr>
-          <a:lstStyle/>
-          <a:p>
-            <a:r>
-              <a:rPr lang="zh-CN" altLang="en-US" dirty="0" smtClean="0">
-                <a:solidFill>
-                  <a:schemeClr val="bg1"/>
-                </a:solidFill>
-              </a:rPr>
-              <a:t>一个固定得失对应许多赌博，</a:t>
-            </a:r>
-            <a:endParaRPr lang="en-US" altLang="zh-CN" dirty="0" smtClean="0">
-              <a:solidFill>
-                <a:schemeClr val="bg1"/>
-              </a:solidFill>
-            </a:endParaRPr>
-          </a:p>
-          <a:p>
-            <a:r>
-              <a:rPr lang="zh-CN" altLang="en-US" dirty="0" smtClean="0">
-                <a:solidFill>
-                  <a:schemeClr val="bg1"/>
-                </a:solidFill>
-              </a:rPr>
-              <a:t>每出现一个赌博，你都要与前面的固定得失对比考虑接受与否</a:t>
-            </a:r>
-            <a:endParaRPr lang="en-US" altLang="zh-CN" dirty="0" smtClean="0">
-              <a:solidFill>
-                <a:schemeClr val="bg1"/>
-              </a:solidFill>
-            </a:endParaRPr>
-          </a:p>
-          <a:p>
-            <a:endParaRPr lang="en-US" altLang="zh-CN" dirty="0">
-              <a:solidFill>
-                <a:schemeClr val="bg1"/>
-              </a:solidFill>
-            </a:endParaRPr>
-          </a:p>
-          <a:p>
-            <a:r>
-              <a:rPr lang="zh-CN" altLang="en-US" dirty="0" smtClean="0">
-                <a:solidFill>
-                  <a:schemeClr val="bg1"/>
-                </a:solidFill>
-              </a:rPr>
-              <a:t>当屏</a:t>
-            </a:r>
-            <a:r>
-              <a:rPr lang="zh-CN" altLang="en-US" dirty="0">
-                <a:solidFill>
-                  <a:schemeClr val="bg1"/>
-                </a:solidFill>
-              </a:rPr>
-              <a:t>幕中</a:t>
-            </a:r>
-            <a:r>
-              <a:rPr lang="zh-CN" altLang="en-US" dirty="0" smtClean="0">
-                <a:solidFill>
-                  <a:schemeClr val="bg1"/>
-                </a:solidFill>
-              </a:rPr>
-              <a:t>央出现小圆圈     时，你需要</a:t>
-            </a:r>
-            <a:r>
-              <a:rPr lang="zh-CN" altLang="en-US" dirty="0">
-                <a:solidFill>
-                  <a:schemeClr val="bg1"/>
-                </a:solidFill>
-              </a:rPr>
-              <a:t>根</a:t>
-            </a:r>
-            <a:r>
-              <a:rPr lang="zh-CN" altLang="en-US" dirty="0" smtClean="0">
-                <a:solidFill>
-                  <a:schemeClr val="bg1"/>
-                </a:solidFill>
-              </a:rPr>
-              <a:t>据</a:t>
-            </a:r>
-            <a:r>
-              <a:rPr lang="zh-CN" altLang="en-US" dirty="0">
-                <a:solidFill>
-                  <a:schemeClr val="bg1"/>
-                </a:solidFill>
-              </a:rPr>
-              <a:t>当前</a:t>
-            </a:r>
-            <a:r>
-              <a:rPr lang="zh-CN" altLang="en-US" dirty="0" smtClean="0">
-                <a:solidFill>
-                  <a:schemeClr val="bg1"/>
-                </a:solidFill>
-              </a:rPr>
-              <a:t>是否接受赌博按键，</a:t>
-            </a:r>
-            <a:endParaRPr lang="en-US" altLang="zh-CN" dirty="0" smtClean="0">
-              <a:solidFill>
-                <a:schemeClr val="bg1"/>
-              </a:solidFill>
-            </a:endParaRPr>
-          </a:p>
-          <a:p>
-            <a:r>
-              <a:rPr lang="zh-CN" altLang="en-US" dirty="0" smtClean="0">
-                <a:solidFill>
-                  <a:schemeClr val="bg1"/>
-                </a:solidFill>
-              </a:rPr>
-              <a:t>这个赌博应当是这个试次你看到的</a:t>
-            </a:r>
-            <a:r>
-              <a:rPr lang="zh-CN" altLang="en-US" u="sng" dirty="0" smtClean="0">
-                <a:solidFill>
-                  <a:schemeClr val="bg1"/>
-                </a:solidFill>
-              </a:rPr>
-              <a:t>最后一个</a:t>
-            </a:r>
-            <a:r>
-              <a:rPr lang="zh-CN" altLang="en-US" dirty="0" smtClean="0">
-                <a:solidFill>
-                  <a:schemeClr val="bg1"/>
-                </a:solidFill>
-              </a:rPr>
-              <a:t>赌博</a:t>
-            </a:r>
-            <a:endParaRPr lang="en-US" altLang="zh-CN" dirty="0" smtClean="0">
-              <a:solidFill>
-                <a:schemeClr val="bg1"/>
-              </a:solidFill>
-            </a:endParaRPr>
-          </a:p>
-          <a:p>
-            <a:endParaRPr lang="en-US" altLang="zh-CN" dirty="0">
-              <a:solidFill>
-                <a:schemeClr val="bg1"/>
-              </a:solidFill>
-            </a:endParaRPr>
-          </a:p>
-          <a:p>
-            <a:r>
-              <a:rPr lang="zh-CN" altLang="en-US" dirty="0">
-                <a:solidFill>
-                  <a:schemeClr val="bg1"/>
-                </a:solidFill>
-              </a:rPr>
-              <a:t>按键</a:t>
-            </a:r>
-            <a:r>
-              <a:rPr lang="zh-CN" altLang="en-US" u="sng" dirty="0">
-                <a:solidFill>
-                  <a:schemeClr val="bg1"/>
-                </a:solidFill>
-              </a:rPr>
-              <a:t>太</a:t>
-            </a:r>
-            <a:r>
-              <a:rPr lang="zh-CN" altLang="en-US" u="sng" dirty="0" smtClean="0">
-                <a:solidFill>
-                  <a:schemeClr val="bg1"/>
-                </a:solidFill>
-              </a:rPr>
-              <a:t>早太晚都无</a:t>
-            </a:r>
-            <a:r>
-              <a:rPr lang="zh-CN" altLang="en-US" u="sng" dirty="0">
-                <a:solidFill>
-                  <a:schemeClr val="bg1"/>
-                </a:solidFill>
-              </a:rPr>
-              <a:t>效</a:t>
-            </a:r>
-            <a:r>
-              <a:rPr lang="zh-CN" altLang="en-US" dirty="0">
-                <a:solidFill>
-                  <a:schemeClr val="bg1"/>
-                </a:solidFill>
-              </a:rPr>
-              <a:t>，无效时会扣除被试费</a:t>
-            </a:r>
-            <a:r>
-              <a:rPr lang="en-US" altLang="zh-CN" dirty="0">
-                <a:solidFill>
-                  <a:schemeClr val="bg1"/>
-                </a:solidFill>
-              </a:rPr>
-              <a:t>1</a:t>
-            </a:r>
-            <a:r>
-              <a:rPr lang="zh-CN" altLang="en-US" dirty="0">
-                <a:solidFill>
-                  <a:schemeClr val="bg1"/>
-                </a:solidFill>
-              </a:rPr>
-              <a:t>元，中央</a:t>
-            </a:r>
-            <a:r>
-              <a:rPr lang="zh-CN" altLang="en-US" dirty="0" smtClean="0">
-                <a:solidFill>
-                  <a:schemeClr val="bg1"/>
-                </a:solidFill>
-              </a:rPr>
-              <a:t>圆</a:t>
-            </a:r>
-            <a:r>
-              <a:rPr lang="zh-CN" altLang="en-US" dirty="0">
-                <a:solidFill>
-                  <a:schemeClr val="bg1"/>
-                </a:solidFill>
-              </a:rPr>
-              <a:t>圈</a:t>
-            </a:r>
-            <a:r>
-              <a:rPr lang="zh-CN" altLang="en-US" dirty="0" smtClean="0">
-                <a:solidFill>
-                  <a:schemeClr val="bg1"/>
-                </a:solidFill>
-              </a:rPr>
-              <a:t>变成叉    。</a:t>
-            </a:r>
-            <a:endParaRPr lang="en-US" altLang="zh-CN" dirty="0" smtClean="0">
-              <a:solidFill>
-                <a:schemeClr val="bg1"/>
-              </a:solidFill>
-            </a:endParaRPr>
-          </a:p>
-        </p:txBody>
-      </p:sp>
-      <p:sp>
-        <p:nvSpPr>
-          <p:cNvPr id="37" name="文本框 36">
-            <a:extLst>
-              <a:ext uri="{FF2B5EF4-FFF2-40B4-BE49-F238E27FC236}">
-                <a16:creationId xmlns:a16="http://schemas.microsoft.com/office/drawing/2014/main" id="{D8DF0724-133D-43F7-87A6-713194EA96A7}"/>
-              </a:ext>
-            </a:extLst>
-          </p:cNvPr>
-          <p:cNvSpPr txBox="1"/>
-          <p:nvPr/>
-        </p:nvSpPr>
-        <p:spPr>
-          <a:xfrm>
-            <a:off x="9593707" y="6330426"/>
-            <a:ext cx="2008682" cy="646331"/>
-          </a:xfrm>
-          <a:prstGeom prst="rect">
-            <a:avLst/>
-          </a:prstGeom>
-          <a:noFill/>
-        </p:spPr>
-        <p:txBody>
-          <a:bodyPr wrap="square" rtlCol="0">
-            <a:spAutoFit/>
-          </a:bodyPr>
-          <a:lstStyle/>
-          <a:p>
-            <a:r>
-              <a:rPr lang="zh-CN" altLang="en-US" dirty="0">
-                <a:solidFill>
-                  <a:schemeClr val="bg1"/>
-                </a:solidFill>
-              </a:rPr>
-              <a:t>按</a:t>
-            </a:r>
-            <a:r>
-              <a:rPr lang="en-US" altLang="zh-CN" u="sng" dirty="0">
-                <a:solidFill>
-                  <a:schemeClr val="bg1"/>
-                </a:solidFill>
-              </a:rPr>
-              <a:t>←</a:t>
-            </a:r>
-            <a:r>
-              <a:rPr lang="zh-CN" altLang="en-US" u="sng" dirty="0">
-                <a:solidFill>
-                  <a:schemeClr val="bg1"/>
-                </a:solidFill>
-              </a:rPr>
-              <a:t>键</a:t>
-            </a:r>
-            <a:r>
-              <a:rPr lang="zh-CN" altLang="en-US" dirty="0">
-                <a:solidFill>
-                  <a:schemeClr val="bg1"/>
-                </a:solidFill>
-              </a:rPr>
-              <a:t>进入上一张</a:t>
-            </a:r>
-            <a:endParaRPr lang="en-US" altLang="zh-CN" dirty="0">
-              <a:solidFill>
-                <a:schemeClr val="bg1"/>
-              </a:solidFill>
-            </a:endParaRPr>
-          </a:p>
-          <a:p>
-            <a:r>
-              <a:rPr lang="zh-CN" altLang="en-US" dirty="0">
-                <a:solidFill>
-                  <a:schemeClr val="bg1"/>
-                </a:solidFill>
-              </a:rPr>
-              <a:t>按</a:t>
-            </a:r>
-            <a:r>
-              <a:rPr lang="en-US" altLang="zh-CN" u="sng" dirty="0">
-                <a:solidFill>
-                  <a:schemeClr val="bg1"/>
-                </a:solidFill>
-              </a:rPr>
-              <a:t>→</a:t>
-            </a:r>
-            <a:r>
-              <a:rPr lang="zh-CN" altLang="en-US" u="sng" dirty="0">
-                <a:solidFill>
-                  <a:schemeClr val="bg1"/>
-                </a:solidFill>
-              </a:rPr>
-              <a:t>键</a:t>
-            </a:r>
-            <a:r>
-              <a:rPr lang="zh-CN" altLang="en-US" dirty="0">
-                <a:solidFill>
-                  <a:schemeClr val="bg1"/>
-                </a:solidFill>
-              </a:rPr>
-              <a:t>进入下一张</a:t>
-            </a:r>
-          </a:p>
-        </p:txBody>
-      </p:sp>
-      <p:sp>
-        <p:nvSpPr>
-          <p:cNvPr id="33" name="文本框 32">
-            <a:extLst>
-              <a:ext uri="{FF2B5EF4-FFF2-40B4-BE49-F238E27FC236}">
-                <a16:creationId xmlns:a16="http://schemas.microsoft.com/office/drawing/2014/main" id="{B010E086-D252-4A53-8988-5F56701003A1}"/>
-              </a:ext>
-            </a:extLst>
-          </p:cNvPr>
-          <p:cNvSpPr txBox="1"/>
-          <p:nvPr/>
-        </p:nvSpPr>
-        <p:spPr>
-          <a:xfrm>
-            <a:off x="12204700" y="6668056"/>
-            <a:ext cx="304800" cy="369332"/>
-          </a:xfrm>
-          <a:prstGeom prst="rect">
-            <a:avLst/>
-          </a:prstGeom>
-          <a:noFill/>
-        </p:spPr>
-        <p:txBody>
-          <a:bodyPr wrap="square" rtlCol="0">
-            <a:spAutoFit/>
-          </a:bodyPr>
-          <a:lstStyle/>
-          <a:p>
-            <a:r>
-              <a:rPr lang="en-US" altLang="zh-CN" dirty="0">
-                <a:solidFill>
-                  <a:schemeClr val="bg1"/>
-                </a:solidFill>
-              </a:rPr>
-              <a:t>3</a:t>
-            </a:r>
-            <a:endParaRPr lang="zh-CN" altLang="en-US" dirty="0">
-              <a:solidFill>
-                <a:schemeClr val="bg1"/>
-              </a:solidFill>
-            </a:endParaRPr>
-          </a:p>
-        </p:txBody>
-      </p:sp>
-      <p:grpSp>
-        <p:nvGrpSpPr>
-          <p:cNvPr id="35" name="组合 34">
-            <a:extLst>
-              <a:ext uri="{FF2B5EF4-FFF2-40B4-BE49-F238E27FC236}">
-                <a16:creationId xmlns:a16="http://schemas.microsoft.com/office/drawing/2014/main" id="{625AB903-38AF-4FD3-B41A-86575E88F3D5}"/>
-              </a:ext>
-            </a:extLst>
-          </p:cNvPr>
-          <p:cNvGrpSpPr/>
-          <p:nvPr/>
-        </p:nvGrpSpPr>
-        <p:grpSpPr>
-          <a:xfrm>
-            <a:off x="3132394" y="899366"/>
-            <a:ext cx="2546478" cy="1475301"/>
-            <a:chOff x="1094421" y="1181181"/>
-            <a:chExt cx="3035635" cy="1758694"/>
-          </a:xfrm>
-        </p:grpSpPr>
-        <p:grpSp>
-          <p:nvGrpSpPr>
-            <p:cNvPr id="72" name="组合 71">
-              <a:extLst>
-                <a:ext uri="{FF2B5EF4-FFF2-40B4-BE49-F238E27FC236}">
-                  <a16:creationId xmlns:a16="http://schemas.microsoft.com/office/drawing/2014/main" id="{85DA28FC-B059-4BA8-9EB9-5EB31A807693}"/>
-                </a:ext>
-              </a:extLst>
-            </p:cNvPr>
-            <p:cNvGrpSpPr/>
-            <p:nvPr/>
-          </p:nvGrpSpPr>
-          <p:grpSpPr>
-            <a:xfrm>
-              <a:off x="1094421" y="1181181"/>
-              <a:ext cx="3035635" cy="1758694"/>
-              <a:chOff x="6835081" y="1492668"/>
-              <a:chExt cx="3046059" cy="1764734"/>
-            </a:xfrm>
-          </p:grpSpPr>
-          <p:sp>
-            <p:nvSpPr>
-              <p:cNvPr id="74" name="矩形 73">
-                <a:extLst>
-                  <a:ext uri="{FF2B5EF4-FFF2-40B4-BE49-F238E27FC236}">
-                    <a16:creationId xmlns:a16="http://schemas.microsoft.com/office/drawing/2014/main" id="{3E88BFC5-2BC5-41A2-B54A-2870D9D4A84F}"/>
-                  </a:ext>
-                </a:extLst>
-              </p:cNvPr>
-              <p:cNvSpPr/>
-              <p:nvPr/>
-            </p:nvSpPr>
-            <p:spPr>
-              <a:xfrm>
-                <a:off x="6835081" y="1492668"/>
-                <a:ext cx="3046059" cy="1764734"/>
-              </a:xfrm>
-              <a:prstGeom prst="rect">
-                <a:avLst/>
-              </a:prstGeom>
-              <a:solidFill>
-                <a:srgbClr val="777777"/>
-              </a:solidFill>
-              <a:ln>
-                <a:solidFill>
-                  <a:schemeClr val="tx1">
-                    <a:lumMod val="65000"/>
-                    <a:lumOff val="35000"/>
-                  </a:schemeClr>
-                </a:solidFill>
-              </a:ln>
-              <a:effectLst>
-                <a:outerShdw blurRad="50800" dist="38100" dir="2700000" algn="tl" rotWithShape="0">
-                  <a:prstClr val="black">
-                    <a:alpha val="40000"/>
-                  </a:prstClr>
-                </a:outerShdw>
-              </a:effectLst>
-            </p:spPr>
-            <p:style>
-              <a:lnRef idx="2">
-                <a:schemeClr val="accent1">
-                  <a:shade val="50000"/>
-                </a:schemeClr>
-              </a:lnRef>
-              <a:fillRef idx="1">
-                <a:schemeClr val="accent1"/>
-              </a:fillRef>
-              <a:effectRef idx="0">
-                <a:schemeClr val="accent1"/>
-              </a:effectRef>
-              <a:fontRef idx="minor">
-                <a:schemeClr val="lt1"/>
-              </a:fontRef>
-            </p:style>
-            <p:txBody>
-              <a:bodyPr rtlCol="0" anchor="ctr"/>
-              <a:lstStyle/>
-              <a:p>
-                <a:pPr algn="ctr"/>
-                <a:endParaRPr lang="zh-CN" altLang="en-US" sz="3200" dirty="0">
-                  <a:solidFill>
-                    <a:schemeClr val="bg1"/>
-                  </a:solidFill>
-                </a:endParaRPr>
-              </a:p>
-            </p:txBody>
-          </p:sp>
-          <p:sp>
-            <p:nvSpPr>
-              <p:cNvPr id="76" name="文本框 75">
-                <a:extLst>
-                  <a:ext uri="{FF2B5EF4-FFF2-40B4-BE49-F238E27FC236}">
-                    <a16:creationId xmlns:a16="http://schemas.microsoft.com/office/drawing/2014/main" id="{A4BA0592-8E2E-4189-8B5F-87655EA8E478}"/>
-                  </a:ext>
-                </a:extLst>
-              </p:cNvPr>
-              <p:cNvSpPr txBox="1"/>
-              <p:nvPr/>
-            </p:nvSpPr>
-            <p:spPr>
-              <a:xfrm>
-                <a:off x="8200855" y="2182872"/>
-                <a:ext cx="314507" cy="525017"/>
-              </a:xfrm>
-              <a:prstGeom prst="rect">
-                <a:avLst/>
-              </a:prstGeom>
-              <a:noFill/>
-            </p:spPr>
-            <p:txBody>
-              <a:bodyPr wrap="square" rtlCol="0">
-                <a:spAutoFit/>
-              </a:bodyPr>
-              <a:lstStyle/>
-              <a:p>
-                <a:endParaRPr lang="zh-CN" altLang="en-US" sz="2800" dirty="0">
-                  <a:solidFill>
-                    <a:schemeClr val="bg1"/>
-                  </a:solidFill>
-                </a:endParaRPr>
-              </a:p>
-            </p:txBody>
-          </p:sp>
-        </p:grpSp>
-        <p:sp>
-          <p:nvSpPr>
-            <p:cNvPr id="73" name="椭圆 72">
-              <a:extLst>
-                <a:ext uri="{FF2B5EF4-FFF2-40B4-BE49-F238E27FC236}">
-                  <a16:creationId xmlns:a16="http://schemas.microsoft.com/office/drawing/2014/main" id="{D00243BE-620C-4339-9DD7-AD418144217C}"/>
-                </a:ext>
-              </a:extLst>
-            </p:cNvPr>
-            <p:cNvSpPr/>
-            <p:nvPr/>
-          </p:nvSpPr>
-          <p:spPr>
-            <a:xfrm>
-              <a:off x="2589376" y="2039377"/>
-              <a:ext cx="45719" cy="45719"/>
-            </a:xfrm>
-            <a:prstGeom prst="ellipse">
-              <a:avLst/>
-            </a:prstGeom>
-            <a:solidFill>
-              <a:schemeClr val="tx1"/>
-            </a:solidFill>
-            <a:ln>
-              <a:noFill/>
-            </a:ln>
-          </p:spPr>
-          <p:style>
-            <a:lnRef idx="2">
-              <a:schemeClr val="accent1">
-                <a:shade val="50000"/>
-              </a:schemeClr>
-            </a:lnRef>
-            <a:fillRef idx="1">
-              <a:schemeClr val="accent1"/>
-            </a:fillRef>
-            <a:effectRef idx="0">
-              <a:schemeClr val="accent1"/>
-            </a:effectRef>
-            <a:fontRef idx="minor">
-              <a:schemeClr val="lt1"/>
-            </a:fontRef>
-          </p:style>
-          <p:txBody>
-            <a:bodyPr rtlCol="0" anchor="ctr"/>
-            <a:lstStyle/>
-            <a:p>
-              <a:pPr algn="ctr"/>
-              <a:endParaRPr lang="zh-CN" altLang="en-US"/>
-            </a:p>
-          </p:txBody>
-        </p:sp>
-      </p:grpSp>
-      <p:grpSp>
-        <p:nvGrpSpPr>
-          <p:cNvPr id="62" name="组合 61">
-            <a:extLst>
-              <a:ext uri="{FF2B5EF4-FFF2-40B4-BE49-F238E27FC236}">
-                <a16:creationId xmlns:a16="http://schemas.microsoft.com/office/drawing/2014/main" id="{CB46B2EC-3480-46C3-A6C8-ACC09A9E1F02}"/>
-              </a:ext>
-            </a:extLst>
-          </p:cNvPr>
-          <p:cNvGrpSpPr/>
-          <p:nvPr/>
-        </p:nvGrpSpPr>
-        <p:grpSpPr>
-          <a:xfrm>
-            <a:off x="1990619" y="2622226"/>
-            <a:ext cx="2546478" cy="1475301"/>
-            <a:chOff x="6835081" y="1492668"/>
-            <a:chExt cx="3046059" cy="1764734"/>
-          </a:xfrm>
-        </p:grpSpPr>
-        <p:sp>
-          <p:nvSpPr>
-            <p:cNvPr id="64" name="矩形 63">
-              <a:extLst>
-                <a:ext uri="{FF2B5EF4-FFF2-40B4-BE49-F238E27FC236}">
-                  <a16:creationId xmlns:a16="http://schemas.microsoft.com/office/drawing/2014/main" id="{913BCD08-B3A9-4883-B714-25BEA4D98A30}"/>
-                </a:ext>
-              </a:extLst>
-            </p:cNvPr>
-            <p:cNvSpPr/>
-            <p:nvPr/>
-          </p:nvSpPr>
-          <p:spPr>
-            <a:xfrm>
-              <a:off x="6835081" y="1492668"/>
-              <a:ext cx="3046059" cy="1764734"/>
-            </a:xfrm>
-            <a:prstGeom prst="rect">
-              <a:avLst/>
-            </a:prstGeom>
-            <a:solidFill>
-              <a:srgbClr val="777777"/>
-            </a:solidFill>
-            <a:ln>
-              <a:solidFill>
-                <a:schemeClr val="tx1">
-                  <a:lumMod val="65000"/>
-                  <a:lumOff val="35000"/>
-                </a:schemeClr>
-              </a:solidFill>
-            </a:ln>
-            <a:effectLst>
-              <a:outerShdw blurRad="50800" dist="38100" dir="2700000" algn="tl" rotWithShape="0">
-                <a:prstClr val="black">
-                  <a:alpha val="40000"/>
-                </a:prstClr>
-              </a:outerShdw>
-            </a:effectLst>
-          </p:spPr>
-          <p:style>
-            <a:lnRef idx="2">
-              <a:schemeClr val="accent1">
-                <a:shade val="50000"/>
-              </a:schemeClr>
-            </a:lnRef>
-            <a:fillRef idx="1">
-              <a:schemeClr val="accent1"/>
-            </a:fillRef>
-            <a:effectRef idx="0">
-              <a:schemeClr val="accent1"/>
-            </a:effectRef>
-            <a:fontRef idx="minor">
-              <a:schemeClr val="lt1"/>
-            </a:fontRef>
-          </p:style>
-          <p:txBody>
-            <a:bodyPr rtlCol="0" anchor="ctr"/>
-            <a:lstStyle/>
-            <a:p>
-              <a:pPr algn="ctr"/>
-              <a:endParaRPr lang="zh-CN" altLang="en-US" sz="3200" dirty="0">
-                <a:solidFill>
-                  <a:schemeClr val="bg1"/>
-                </a:solidFill>
-              </a:endParaRPr>
-            </a:p>
-          </p:txBody>
-        </p:sp>
-        <p:sp>
-          <p:nvSpPr>
-            <p:cNvPr id="65" name="文本框 64">
-              <a:extLst>
-                <a:ext uri="{FF2B5EF4-FFF2-40B4-BE49-F238E27FC236}">
-                  <a16:creationId xmlns:a16="http://schemas.microsoft.com/office/drawing/2014/main" id="{C064D892-7258-46F1-82BC-9BEADA6AE61E}"/>
-                </a:ext>
-              </a:extLst>
-            </p:cNvPr>
-            <p:cNvSpPr txBox="1"/>
-            <p:nvPr/>
-          </p:nvSpPr>
-          <p:spPr>
-            <a:xfrm>
-              <a:off x="8200855" y="2182872"/>
-              <a:ext cx="314507" cy="525017"/>
-            </a:xfrm>
-            <a:prstGeom prst="rect">
-              <a:avLst/>
-            </a:prstGeom>
-            <a:noFill/>
-          </p:spPr>
-          <p:txBody>
-            <a:bodyPr wrap="square" rtlCol="0">
-              <a:spAutoFit/>
-            </a:bodyPr>
-            <a:lstStyle/>
-            <a:p>
-              <a:endParaRPr lang="zh-CN" altLang="en-US" sz="2800" dirty="0">
-                <a:solidFill>
-                  <a:schemeClr val="bg1"/>
-                </a:solidFill>
-              </a:endParaRPr>
-            </a:p>
-          </p:txBody>
-        </p:sp>
-      </p:grpSp>
-      <p:grpSp>
-        <p:nvGrpSpPr>
-          <p:cNvPr id="50" name="组合 49">
-            <a:extLst>
-              <a:ext uri="{FF2B5EF4-FFF2-40B4-BE49-F238E27FC236}">
-                <a16:creationId xmlns:a16="http://schemas.microsoft.com/office/drawing/2014/main" id="{C3E490F9-A446-4CE2-8100-06144E1293D8}"/>
-              </a:ext>
-            </a:extLst>
-          </p:cNvPr>
-          <p:cNvGrpSpPr/>
-          <p:nvPr/>
-        </p:nvGrpSpPr>
-        <p:grpSpPr>
-          <a:xfrm>
-            <a:off x="4797119" y="2620886"/>
-            <a:ext cx="2546478" cy="1475301"/>
-            <a:chOff x="6835081" y="1492668"/>
-            <a:chExt cx="3046059" cy="1764734"/>
-          </a:xfrm>
-        </p:grpSpPr>
-        <p:sp>
-          <p:nvSpPr>
-            <p:cNvPr id="52" name="矩形 51">
-              <a:extLst>
-                <a:ext uri="{FF2B5EF4-FFF2-40B4-BE49-F238E27FC236}">
-                  <a16:creationId xmlns:a16="http://schemas.microsoft.com/office/drawing/2014/main" id="{87F4C91F-9669-469C-88CF-C0E011D62BFF}"/>
-                </a:ext>
-              </a:extLst>
-            </p:cNvPr>
-            <p:cNvSpPr/>
-            <p:nvPr/>
-          </p:nvSpPr>
-          <p:spPr>
-            <a:xfrm>
-              <a:off x="6835081" y="1492668"/>
-              <a:ext cx="3046059" cy="1764734"/>
-            </a:xfrm>
-            <a:prstGeom prst="rect">
-              <a:avLst/>
-            </a:prstGeom>
-            <a:solidFill>
-              <a:srgbClr val="777777"/>
-            </a:solidFill>
-            <a:ln>
-              <a:solidFill>
-                <a:schemeClr val="tx1">
-                  <a:lumMod val="65000"/>
-                  <a:lumOff val="35000"/>
-                </a:schemeClr>
-              </a:solidFill>
-            </a:ln>
-            <a:effectLst>
-              <a:outerShdw blurRad="50800" dist="38100" dir="2700000" algn="tl" rotWithShape="0">
-                <a:prstClr val="black">
-                  <a:alpha val="40000"/>
-                </a:prstClr>
-              </a:outerShdw>
-            </a:effectLst>
-          </p:spPr>
-          <p:style>
-            <a:lnRef idx="2">
-              <a:schemeClr val="accent1">
-                <a:shade val="50000"/>
-              </a:schemeClr>
-            </a:lnRef>
-            <a:fillRef idx="1">
-              <a:schemeClr val="accent1"/>
-            </a:fillRef>
-            <a:effectRef idx="0">
-              <a:schemeClr val="accent1"/>
-            </a:effectRef>
-            <a:fontRef idx="minor">
-              <a:schemeClr val="lt1"/>
-            </a:fontRef>
-          </p:style>
-          <p:txBody>
-            <a:bodyPr rtlCol="0" anchor="ctr"/>
-            <a:lstStyle/>
-            <a:p>
-              <a:pPr algn="ctr"/>
-              <a:endParaRPr lang="zh-CN" altLang="en-US" sz="3200" dirty="0">
-                <a:solidFill>
-                  <a:schemeClr val="bg1"/>
-                </a:solidFill>
-              </a:endParaRPr>
-            </a:p>
-          </p:txBody>
-        </p:sp>
-        <p:sp>
-          <p:nvSpPr>
-            <p:cNvPr id="53" name="文本框 52">
-              <a:extLst>
-                <a:ext uri="{FF2B5EF4-FFF2-40B4-BE49-F238E27FC236}">
-                  <a16:creationId xmlns:a16="http://schemas.microsoft.com/office/drawing/2014/main" id="{AC7BA7D6-4E8D-4E42-B1FB-F91026EC653D}"/>
-                </a:ext>
-              </a:extLst>
-            </p:cNvPr>
-            <p:cNvSpPr txBox="1"/>
-            <p:nvPr/>
-          </p:nvSpPr>
-          <p:spPr>
-            <a:xfrm>
-              <a:off x="8200855" y="2182872"/>
-              <a:ext cx="314507" cy="525017"/>
-            </a:xfrm>
-            <a:prstGeom prst="rect">
-              <a:avLst/>
-            </a:prstGeom>
-            <a:noFill/>
-          </p:spPr>
-          <p:txBody>
-            <a:bodyPr wrap="square" rtlCol="0">
-              <a:spAutoFit/>
-            </a:bodyPr>
-            <a:lstStyle/>
-            <a:p>
-              <a:endParaRPr lang="zh-CN" altLang="en-US" sz="2800" dirty="0">
-                <a:solidFill>
-                  <a:schemeClr val="bg1"/>
-                </a:solidFill>
-              </a:endParaRPr>
-            </a:p>
-          </p:txBody>
-        </p:sp>
-      </p:grpSp>
-      <p:sp>
-        <p:nvSpPr>
-          <p:cNvPr id="41" name="箭头: 右 40">
-            <a:extLst>
-              <a:ext uri="{FF2B5EF4-FFF2-40B4-BE49-F238E27FC236}">
-                <a16:creationId xmlns:a16="http://schemas.microsoft.com/office/drawing/2014/main" id="{B300A9B6-0519-4ED1-8FAF-BBAA801C970E}"/>
-              </a:ext>
-            </a:extLst>
-          </p:cNvPr>
-          <p:cNvSpPr/>
-          <p:nvPr/>
-        </p:nvSpPr>
-        <p:spPr>
-          <a:xfrm rot="10800000">
-            <a:off x="4414218" y="3046090"/>
-            <a:ext cx="470330" cy="628559"/>
+          <a:xfrm rot="697334">
+            <a:off x="3155437" y="1084035"/>
+            <a:ext cx="8559949" cy="628559"/>
           </a:xfrm>
           <a:prstGeom prst="rightArrow">
             <a:avLst/>
@@ -8687,122 +6342,859 @@
           <a:lstStyle/>
           <a:p>
             <a:pPr algn="ctr"/>
-            <a:endParaRPr lang="zh-CN" altLang="en-US" dirty="0"/>
+            <a:endParaRPr lang="zh-CN" altLang="en-US" dirty="0">
+              <a:solidFill>
+                <a:schemeClr val="tx1"/>
+              </a:solidFill>
+            </a:endParaRPr>
           </a:p>
         </p:txBody>
       </p:sp>
       <p:sp>
         <p:nvSpPr>
-          <p:cNvPr id="42" name="箭头: 右 41">
+          <p:cNvPr id="17" name="文本框 16">
             <a:extLst>
               <a:ext uri="{FF2B5EF4-FFF2-40B4-BE49-F238E27FC236}">
-                <a16:creationId xmlns:a16="http://schemas.microsoft.com/office/drawing/2014/main" id="{2C287855-32A8-4253-8367-69EC3C979088}"/>
+                <a16:creationId xmlns:a16="http://schemas.microsoft.com/office/drawing/2014/main" id="{22E0F501-24D7-40AF-991E-1D0AB5E93D86}"/>
               </a:ext>
             </a:extLst>
           </p:cNvPr>
-          <p:cNvSpPr/>
+          <p:cNvSpPr txBox="1"/>
+          <p:nvPr/>
+        </p:nvSpPr>
+        <p:spPr>
+          <a:xfrm rot="10800000" flipH="1" flipV="1">
+            <a:off x="1650470" y="3668360"/>
+            <a:ext cx="8947578" cy="2862322"/>
+          </a:xfrm>
+          <a:prstGeom prst="rect">
+            <a:avLst/>
+          </a:prstGeom>
+          <a:noFill/>
+        </p:spPr>
+        <p:txBody>
+          <a:bodyPr wrap="square" rtlCol="0">
+            <a:spAutoFit/>
+          </a:bodyPr>
+          <a:lstStyle/>
+          <a:p>
+            <a:r>
+              <a:rPr lang="zh-CN" altLang="en-US" dirty="0" smtClean="0">
+                <a:solidFill>
+                  <a:schemeClr val="bg1"/>
+                </a:solidFill>
+              </a:rPr>
+              <a:t>一个固定得失对应</a:t>
+            </a:r>
+            <a:r>
+              <a:rPr lang="zh-CN" altLang="en-US" dirty="0">
+                <a:solidFill>
+                  <a:schemeClr val="bg1"/>
+                </a:solidFill>
+              </a:rPr>
+              <a:t>若干</a:t>
+            </a:r>
+            <a:r>
+              <a:rPr lang="zh-CN" altLang="en-US" dirty="0" smtClean="0">
+                <a:solidFill>
+                  <a:schemeClr val="bg1"/>
+                </a:solidFill>
+              </a:rPr>
+              <a:t>彩票  </a:t>
+            </a:r>
+            <a:r>
+              <a:rPr lang="en-US" altLang="zh-CN" dirty="0" smtClean="0">
+                <a:solidFill>
+                  <a:schemeClr val="bg1"/>
+                </a:solidFill>
+              </a:rPr>
+              <a:t>(</a:t>
+            </a:r>
+            <a:r>
+              <a:rPr lang="zh-CN" altLang="en-US" dirty="0" smtClean="0">
+                <a:solidFill>
+                  <a:schemeClr val="bg1"/>
+                </a:solidFill>
+              </a:rPr>
+              <a:t>本示例中是</a:t>
+            </a:r>
+            <a:r>
+              <a:rPr lang="en-US" altLang="zh-CN" dirty="0" smtClean="0">
+                <a:solidFill>
+                  <a:schemeClr val="bg1"/>
+                </a:solidFill>
+              </a:rPr>
+              <a:t>3</a:t>
+            </a:r>
+            <a:r>
+              <a:rPr lang="zh-CN" altLang="en-US" dirty="0" smtClean="0">
+                <a:solidFill>
+                  <a:schemeClr val="bg1"/>
+                </a:solidFill>
+              </a:rPr>
+              <a:t>个</a:t>
+            </a:r>
+            <a:r>
+              <a:rPr lang="en-US" altLang="zh-CN" dirty="0" smtClean="0">
+                <a:solidFill>
+                  <a:schemeClr val="bg1"/>
+                </a:solidFill>
+              </a:rPr>
+              <a:t>)</a:t>
+            </a:r>
+            <a:r>
+              <a:rPr lang="zh-CN" altLang="en-US" dirty="0" smtClean="0">
+                <a:solidFill>
+                  <a:schemeClr val="bg1"/>
+                </a:solidFill>
+              </a:rPr>
+              <a:t>，</a:t>
+            </a:r>
+            <a:endParaRPr lang="en-US" altLang="zh-CN" dirty="0" smtClean="0">
+              <a:solidFill>
+                <a:schemeClr val="bg1"/>
+              </a:solidFill>
+            </a:endParaRPr>
+          </a:p>
+          <a:p>
+            <a:endParaRPr lang="en-US" altLang="zh-CN" dirty="0">
+              <a:solidFill>
+                <a:schemeClr val="bg1"/>
+              </a:solidFill>
+            </a:endParaRPr>
+          </a:p>
+          <a:p>
+            <a:r>
+              <a:rPr lang="zh-CN" altLang="en-US" dirty="0">
+                <a:solidFill>
+                  <a:schemeClr val="bg1"/>
+                </a:solidFill>
+              </a:rPr>
+              <a:t>当屏幕中央出现小圆圈     时，你需要根</a:t>
+            </a:r>
+            <a:r>
+              <a:rPr lang="zh-CN" altLang="en-US" dirty="0" smtClean="0">
+                <a:solidFill>
+                  <a:schemeClr val="bg1"/>
+                </a:solidFill>
+              </a:rPr>
+              <a:t>据是</a:t>
+            </a:r>
+            <a:r>
+              <a:rPr lang="zh-CN" altLang="en-US" dirty="0">
+                <a:solidFill>
+                  <a:schemeClr val="bg1"/>
+                </a:solidFill>
+              </a:rPr>
+              <a:t>否接</a:t>
+            </a:r>
+            <a:r>
+              <a:rPr lang="zh-CN" altLang="en-US" dirty="0" smtClean="0">
+                <a:solidFill>
+                  <a:schemeClr val="bg1"/>
+                </a:solidFill>
+              </a:rPr>
+              <a:t>受</a:t>
+            </a:r>
+            <a:r>
+              <a:rPr lang="zh-CN" altLang="en-US" dirty="0">
+                <a:solidFill>
+                  <a:schemeClr val="bg1"/>
+                </a:solidFill>
+              </a:rPr>
+              <a:t>当前</a:t>
+            </a:r>
+            <a:r>
+              <a:rPr lang="zh-CN" altLang="en-US" dirty="0" smtClean="0">
+                <a:solidFill>
+                  <a:schemeClr val="bg1"/>
+                </a:solidFill>
+              </a:rPr>
+              <a:t>彩</a:t>
+            </a:r>
+            <a:r>
+              <a:rPr lang="zh-CN" altLang="en-US" dirty="0">
+                <a:solidFill>
+                  <a:schemeClr val="bg1"/>
+                </a:solidFill>
+              </a:rPr>
+              <a:t>票</a:t>
+            </a:r>
+            <a:r>
+              <a:rPr lang="zh-CN" altLang="en-US" dirty="0" smtClean="0">
+                <a:solidFill>
+                  <a:schemeClr val="bg1"/>
+                </a:solidFill>
+              </a:rPr>
+              <a:t>按键。</a:t>
+            </a:r>
+            <a:endParaRPr lang="en-US" altLang="zh-CN" dirty="0" smtClean="0">
+              <a:solidFill>
+                <a:schemeClr val="bg1"/>
+              </a:solidFill>
+            </a:endParaRPr>
+          </a:p>
+          <a:p>
+            <a:r>
+              <a:rPr lang="en-US" altLang="zh-CN" dirty="0" smtClean="0">
+                <a:solidFill>
+                  <a:schemeClr val="accent1">
+                    <a:lumMod val="20000"/>
+                    <a:lumOff val="80000"/>
+                  </a:schemeClr>
+                </a:solidFill>
+                <a:effectLst>
+                  <a:outerShdw blurRad="38100" dist="38100" dir="2700000" algn="tl">
+                    <a:srgbClr val="000000">
+                      <a:alpha val="43137"/>
+                    </a:srgbClr>
+                  </a:outerShdw>
+                </a:effectLst>
+              </a:rPr>
+              <a:t>	</a:t>
+            </a:r>
+            <a:r>
+              <a:rPr lang="zh-CN" altLang="en-US" dirty="0" smtClean="0">
+                <a:solidFill>
+                  <a:schemeClr val="accent1">
+                    <a:lumMod val="20000"/>
+                    <a:lumOff val="80000"/>
+                  </a:schemeClr>
+                </a:solidFill>
+                <a:effectLst>
+                  <a:outerShdw blurRad="38100" dist="38100" dir="2700000" algn="tl">
+                    <a:srgbClr val="000000">
+                      <a:alpha val="43137"/>
+                    </a:srgbClr>
+                  </a:outerShdw>
+                </a:effectLst>
+              </a:rPr>
+              <a:t>按</a:t>
+            </a:r>
+            <a:r>
+              <a:rPr lang="en-US" altLang="zh-CN" dirty="0" smtClean="0">
+                <a:solidFill>
+                  <a:schemeClr val="accent1">
+                    <a:lumMod val="20000"/>
+                    <a:lumOff val="80000"/>
+                  </a:schemeClr>
+                </a:solidFill>
+                <a:effectLst>
+                  <a:outerShdw blurRad="38100" dist="38100" dir="2700000" algn="tl">
+                    <a:srgbClr val="000000">
+                      <a:alpha val="43137"/>
+                    </a:srgbClr>
+                  </a:outerShdw>
+                </a:effectLst>
+              </a:rPr>
+              <a:t>”</a:t>
+            </a:r>
+            <a:r>
+              <a:rPr lang="zh-CN" altLang="en-US" dirty="0" smtClean="0">
+                <a:solidFill>
+                  <a:schemeClr val="accent1">
+                    <a:lumMod val="20000"/>
+                    <a:lumOff val="80000"/>
+                  </a:schemeClr>
+                </a:solidFill>
+                <a:effectLst>
+                  <a:outerShdw blurRad="38100" dist="38100" dir="2700000" algn="tl">
+                    <a:srgbClr val="000000">
+                      <a:alpha val="43137"/>
+                    </a:srgbClr>
+                  </a:outerShdw>
+                </a:effectLst>
+              </a:rPr>
+              <a:t>↑</a:t>
+            </a:r>
+            <a:r>
+              <a:rPr lang="en-US" altLang="zh-CN" dirty="0" smtClean="0">
+                <a:solidFill>
+                  <a:schemeClr val="accent1">
+                    <a:lumMod val="20000"/>
+                    <a:lumOff val="80000"/>
+                  </a:schemeClr>
+                </a:solidFill>
+                <a:effectLst>
+                  <a:outerShdw blurRad="38100" dist="38100" dir="2700000" algn="tl">
+                    <a:srgbClr val="000000">
+                      <a:alpha val="43137"/>
+                    </a:srgbClr>
+                  </a:outerShdw>
+                </a:effectLst>
+              </a:rPr>
+              <a:t>”</a:t>
+            </a:r>
+            <a:r>
+              <a:rPr lang="zh-CN" altLang="en-US" dirty="0" smtClean="0">
+                <a:solidFill>
+                  <a:schemeClr val="accent1">
+                    <a:lumMod val="20000"/>
+                    <a:lumOff val="80000"/>
+                  </a:schemeClr>
+                </a:solidFill>
+                <a:effectLst>
+                  <a:outerShdw blurRad="38100" dist="38100" dir="2700000" algn="tl">
+                    <a:srgbClr val="000000">
+                      <a:alpha val="43137"/>
+                    </a:srgbClr>
+                  </a:outerShdw>
+                </a:effectLst>
+              </a:rPr>
+              <a:t>键忽视彩票，接受固定</a:t>
+            </a:r>
+            <a:r>
+              <a:rPr lang="zh-CN" altLang="en-US" dirty="0">
+                <a:solidFill>
+                  <a:schemeClr val="accent1">
+                    <a:lumMod val="20000"/>
+                    <a:lumOff val="80000"/>
+                  </a:schemeClr>
+                </a:solidFill>
+                <a:effectLst>
+                  <a:outerShdw blurRad="38100" dist="38100" dir="2700000" algn="tl">
+                    <a:srgbClr val="000000">
+                      <a:alpha val="43137"/>
+                    </a:srgbClr>
+                  </a:outerShdw>
+                </a:effectLst>
+              </a:rPr>
+              <a:t>得失</a:t>
+            </a:r>
+            <a:r>
+              <a:rPr lang="zh-CN" altLang="en-US" dirty="0" smtClean="0">
+                <a:solidFill>
+                  <a:schemeClr val="accent1">
+                    <a:lumMod val="20000"/>
+                    <a:lumOff val="80000"/>
+                  </a:schemeClr>
+                </a:solidFill>
+                <a:effectLst>
+                  <a:outerShdw blurRad="38100" dist="38100" dir="2700000" algn="tl">
+                    <a:srgbClr val="000000">
+                      <a:alpha val="43137"/>
+                    </a:srgbClr>
+                  </a:outerShdw>
+                </a:effectLst>
+              </a:rPr>
+              <a:t>；按</a:t>
+            </a:r>
+            <a:r>
+              <a:rPr lang="en-US" altLang="zh-CN" dirty="0" smtClean="0">
+                <a:solidFill>
+                  <a:schemeClr val="accent1">
+                    <a:lumMod val="20000"/>
+                    <a:lumOff val="80000"/>
+                  </a:schemeClr>
+                </a:solidFill>
+                <a:effectLst>
+                  <a:outerShdw blurRad="38100" dist="38100" dir="2700000" algn="tl">
+                    <a:srgbClr val="000000">
+                      <a:alpha val="43137"/>
+                    </a:srgbClr>
+                  </a:outerShdw>
+                </a:effectLst>
+              </a:rPr>
+              <a:t>”</a:t>
+            </a:r>
+            <a:r>
+              <a:rPr lang="zh-CN" altLang="en-US" dirty="0" smtClean="0">
+                <a:solidFill>
+                  <a:schemeClr val="accent1">
+                    <a:lumMod val="20000"/>
+                    <a:lumOff val="80000"/>
+                  </a:schemeClr>
+                </a:solidFill>
+                <a:effectLst>
+                  <a:outerShdw blurRad="38100" dist="38100" dir="2700000" algn="tl">
+                    <a:srgbClr val="000000">
+                      <a:alpha val="43137"/>
+                    </a:srgbClr>
+                  </a:outerShdw>
+                </a:effectLst>
+              </a:rPr>
+              <a:t>↓</a:t>
+            </a:r>
+            <a:r>
+              <a:rPr lang="en-US" altLang="zh-CN" dirty="0" smtClean="0">
+                <a:solidFill>
+                  <a:schemeClr val="accent1">
+                    <a:lumMod val="20000"/>
+                    <a:lumOff val="80000"/>
+                  </a:schemeClr>
+                </a:solidFill>
+                <a:effectLst>
+                  <a:outerShdw blurRad="38100" dist="38100" dir="2700000" algn="tl">
+                    <a:srgbClr val="000000">
+                      <a:alpha val="43137"/>
+                    </a:srgbClr>
+                  </a:outerShdw>
+                </a:effectLst>
+              </a:rPr>
+              <a:t>”</a:t>
+            </a:r>
+            <a:r>
+              <a:rPr lang="zh-CN" altLang="en-US" dirty="0" smtClean="0">
+                <a:solidFill>
+                  <a:schemeClr val="accent1">
+                    <a:lumMod val="20000"/>
+                    <a:lumOff val="80000"/>
+                  </a:schemeClr>
+                </a:solidFill>
+                <a:effectLst>
+                  <a:outerShdw blurRad="38100" dist="38100" dir="2700000" algn="tl">
+                    <a:srgbClr val="000000">
+                      <a:alpha val="43137"/>
+                    </a:srgbClr>
+                  </a:outerShdw>
+                </a:effectLst>
+              </a:rPr>
+              <a:t>键</a:t>
+            </a:r>
+            <a:r>
+              <a:rPr lang="zh-CN" altLang="en-US" dirty="0">
+                <a:solidFill>
+                  <a:schemeClr val="accent1">
+                    <a:lumMod val="20000"/>
+                    <a:lumOff val="80000"/>
+                  </a:schemeClr>
+                </a:solidFill>
+                <a:effectLst>
+                  <a:outerShdw blurRad="38100" dist="38100" dir="2700000" algn="tl">
+                    <a:srgbClr val="000000">
+                      <a:alpha val="43137"/>
+                    </a:srgbClr>
+                  </a:outerShdw>
+                </a:effectLst>
+              </a:rPr>
+              <a:t>接受</a:t>
+            </a:r>
+            <a:r>
+              <a:rPr lang="zh-CN" altLang="en-US" dirty="0" smtClean="0">
+                <a:solidFill>
+                  <a:schemeClr val="accent1">
+                    <a:lumMod val="20000"/>
+                    <a:lumOff val="80000"/>
+                  </a:schemeClr>
+                </a:solidFill>
+                <a:effectLst>
+                  <a:outerShdw blurRad="38100" dist="38100" dir="2700000" algn="tl">
+                    <a:srgbClr val="000000">
+                      <a:alpha val="43137"/>
+                    </a:srgbClr>
+                  </a:outerShdw>
+                </a:effectLst>
+              </a:rPr>
+              <a:t>彩票，忽略固定得失。</a:t>
+            </a:r>
+            <a:endParaRPr lang="en-US" altLang="zh-CN" dirty="0">
+              <a:solidFill>
+                <a:schemeClr val="accent1">
+                  <a:lumMod val="20000"/>
+                  <a:lumOff val="80000"/>
+                </a:schemeClr>
+              </a:solidFill>
+              <a:effectLst>
+                <a:outerShdw blurRad="38100" dist="38100" dir="2700000" algn="tl">
+                  <a:srgbClr val="000000">
+                    <a:alpha val="43137"/>
+                  </a:srgbClr>
+                </a:outerShdw>
+              </a:effectLst>
+            </a:endParaRPr>
+          </a:p>
+          <a:p>
+            <a:r>
+              <a:rPr lang="zh-CN" altLang="en-US" dirty="0">
+                <a:solidFill>
+                  <a:schemeClr val="bg1"/>
+                </a:solidFill>
+              </a:rPr>
+              <a:t>这</a:t>
+            </a:r>
+            <a:r>
+              <a:rPr lang="zh-CN" altLang="en-US" dirty="0" smtClean="0">
+                <a:solidFill>
+                  <a:schemeClr val="bg1"/>
+                </a:solidFill>
+              </a:rPr>
+              <a:t>个</a:t>
+            </a:r>
+            <a:r>
+              <a:rPr lang="zh-CN" altLang="en-US" dirty="0">
+                <a:solidFill>
+                  <a:schemeClr val="bg1"/>
+                </a:solidFill>
+              </a:rPr>
+              <a:t>彩票</a:t>
+            </a:r>
+            <a:r>
+              <a:rPr lang="zh-CN" altLang="en-US" dirty="0" smtClean="0">
+                <a:solidFill>
+                  <a:schemeClr val="bg1"/>
+                </a:solidFill>
+              </a:rPr>
+              <a:t>应</a:t>
+            </a:r>
+            <a:r>
+              <a:rPr lang="zh-CN" altLang="en-US" dirty="0">
+                <a:solidFill>
+                  <a:schemeClr val="bg1"/>
+                </a:solidFill>
+              </a:rPr>
+              <a:t>当是这个试次你看到的</a:t>
+            </a:r>
+            <a:r>
+              <a:rPr lang="zh-CN" altLang="en-US" u="sng" dirty="0">
+                <a:solidFill>
+                  <a:schemeClr val="bg1"/>
+                </a:solidFill>
+              </a:rPr>
+              <a:t>最后一个</a:t>
+            </a:r>
+            <a:r>
+              <a:rPr lang="zh-CN" altLang="en-US" dirty="0">
+                <a:solidFill>
+                  <a:schemeClr val="bg1"/>
+                </a:solidFill>
+              </a:rPr>
+              <a:t>赌</a:t>
+            </a:r>
+            <a:r>
+              <a:rPr lang="zh-CN" altLang="en-US" dirty="0" smtClean="0">
+                <a:solidFill>
+                  <a:schemeClr val="bg1"/>
+                </a:solidFill>
+              </a:rPr>
+              <a:t>博。</a:t>
+            </a:r>
+            <a:endParaRPr lang="en-US" altLang="zh-CN" dirty="0">
+              <a:solidFill>
+                <a:schemeClr val="bg1"/>
+              </a:solidFill>
+            </a:endParaRPr>
+          </a:p>
+          <a:p>
+            <a:endParaRPr lang="en-US" altLang="zh-CN" dirty="0" smtClean="0">
+              <a:solidFill>
+                <a:schemeClr val="bg1"/>
+              </a:solidFill>
+            </a:endParaRPr>
+          </a:p>
+          <a:p>
+            <a:r>
+              <a:rPr lang="zh-CN" altLang="en-US" dirty="0">
+                <a:solidFill>
+                  <a:schemeClr val="bg1"/>
+                </a:solidFill>
+              </a:rPr>
+              <a:t>圆</a:t>
+            </a:r>
+            <a:r>
+              <a:rPr lang="zh-CN" altLang="en-US" dirty="0" smtClean="0">
+                <a:solidFill>
+                  <a:schemeClr val="bg1"/>
+                </a:solidFill>
+              </a:rPr>
+              <a:t>圈     可能</a:t>
+            </a:r>
+            <a:r>
+              <a:rPr lang="zh-CN" altLang="en-US" dirty="0" smtClean="0">
+                <a:solidFill>
+                  <a:schemeClr val="bg1"/>
+                </a:solidFill>
+                <a:effectLst>
+                  <a:outerShdw blurRad="38100" dist="38100" dir="2700000" algn="tl">
+                    <a:srgbClr val="000000">
+                      <a:alpha val="43137"/>
+                    </a:srgbClr>
+                  </a:outerShdw>
+                </a:effectLst>
+              </a:rPr>
+              <a:t>随时出现</a:t>
+            </a:r>
+            <a:r>
+              <a:rPr lang="zh-CN" altLang="en-US" dirty="0" smtClean="0">
+                <a:solidFill>
+                  <a:schemeClr val="bg1"/>
+                </a:solidFill>
+              </a:rPr>
+              <a:t>，所以每一</a:t>
+            </a:r>
+            <a:r>
+              <a:rPr lang="zh-CN" altLang="en-US" dirty="0">
+                <a:solidFill>
+                  <a:schemeClr val="bg1"/>
+                </a:solidFill>
+              </a:rPr>
+              <a:t>个彩</a:t>
+            </a:r>
+            <a:r>
+              <a:rPr lang="zh-CN" altLang="en-US" dirty="0" smtClean="0">
+                <a:solidFill>
+                  <a:schemeClr val="bg1"/>
+                </a:solidFill>
+              </a:rPr>
+              <a:t>票都可能是最后一个。</a:t>
+            </a:r>
+            <a:endParaRPr lang="en-US" altLang="zh-CN" dirty="0" smtClean="0">
+              <a:solidFill>
+                <a:schemeClr val="bg1"/>
+              </a:solidFill>
+            </a:endParaRPr>
+          </a:p>
+          <a:p>
+            <a:r>
+              <a:rPr lang="zh-CN" altLang="en-US" dirty="0" smtClean="0">
+                <a:solidFill>
+                  <a:schemeClr val="bg1"/>
+                </a:solidFill>
+              </a:rPr>
+              <a:t>关注每一个彩票以避免错过。</a:t>
+            </a:r>
+            <a:endParaRPr lang="en-US" altLang="zh-CN" dirty="0">
+              <a:solidFill>
+                <a:schemeClr val="bg1"/>
+              </a:solidFill>
+            </a:endParaRPr>
+          </a:p>
+          <a:p>
+            <a:endParaRPr lang="en-US" altLang="zh-CN" dirty="0">
+              <a:solidFill>
+                <a:schemeClr val="bg1"/>
+              </a:solidFill>
+            </a:endParaRPr>
+          </a:p>
+          <a:p>
+            <a:r>
+              <a:rPr lang="zh-CN" altLang="en-US" dirty="0">
+                <a:solidFill>
+                  <a:schemeClr val="bg1"/>
+                </a:solidFill>
+              </a:rPr>
+              <a:t>按键</a:t>
+            </a:r>
+            <a:r>
+              <a:rPr lang="zh-CN" altLang="en-US" u="sng" dirty="0">
+                <a:solidFill>
+                  <a:schemeClr val="bg1"/>
+                </a:solidFill>
+              </a:rPr>
+              <a:t>太</a:t>
+            </a:r>
+            <a:r>
+              <a:rPr lang="zh-CN" altLang="en-US" u="sng" dirty="0" smtClean="0">
+                <a:solidFill>
+                  <a:schemeClr val="bg1"/>
+                </a:solidFill>
+              </a:rPr>
+              <a:t>早太晚都无</a:t>
+            </a:r>
+            <a:r>
+              <a:rPr lang="zh-CN" altLang="en-US" u="sng" dirty="0">
+                <a:solidFill>
+                  <a:schemeClr val="bg1"/>
+                </a:solidFill>
+              </a:rPr>
+              <a:t>效</a:t>
+            </a:r>
+            <a:r>
+              <a:rPr lang="zh-CN" altLang="en-US" dirty="0">
+                <a:solidFill>
+                  <a:schemeClr val="bg1"/>
+                </a:solidFill>
+              </a:rPr>
+              <a:t>，无效时会扣除被试费</a:t>
+            </a:r>
+            <a:r>
+              <a:rPr lang="en-US" altLang="zh-CN" dirty="0">
+                <a:solidFill>
+                  <a:schemeClr val="bg1"/>
+                </a:solidFill>
+              </a:rPr>
+              <a:t>1</a:t>
+            </a:r>
+            <a:r>
+              <a:rPr lang="zh-CN" altLang="en-US" dirty="0">
+                <a:solidFill>
+                  <a:schemeClr val="bg1"/>
+                </a:solidFill>
+              </a:rPr>
+              <a:t>元，中央</a:t>
+            </a:r>
+            <a:r>
+              <a:rPr lang="zh-CN" altLang="en-US" dirty="0" smtClean="0">
+                <a:solidFill>
+                  <a:schemeClr val="bg1"/>
+                </a:solidFill>
+              </a:rPr>
+              <a:t>圆</a:t>
+            </a:r>
+            <a:r>
+              <a:rPr lang="zh-CN" altLang="en-US" dirty="0">
+                <a:solidFill>
+                  <a:schemeClr val="bg1"/>
+                </a:solidFill>
+              </a:rPr>
+              <a:t>圈</a:t>
+            </a:r>
+            <a:r>
+              <a:rPr lang="zh-CN" altLang="en-US" dirty="0" smtClean="0">
+                <a:solidFill>
+                  <a:schemeClr val="bg1"/>
+                </a:solidFill>
+              </a:rPr>
+              <a:t>变成叉    。</a:t>
+            </a:r>
+            <a:endParaRPr lang="en-US" altLang="zh-CN" dirty="0" smtClean="0">
+              <a:solidFill>
+                <a:schemeClr val="bg1"/>
+              </a:solidFill>
+            </a:endParaRPr>
+          </a:p>
+        </p:txBody>
+      </p:sp>
+      <p:sp>
+        <p:nvSpPr>
+          <p:cNvPr id="37" name="文本框 36">
+            <a:extLst>
+              <a:ext uri="{FF2B5EF4-FFF2-40B4-BE49-F238E27FC236}">
+                <a16:creationId xmlns:a16="http://schemas.microsoft.com/office/drawing/2014/main" id="{D8DF0724-133D-43F7-87A6-713194EA96A7}"/>
+              </a:ext>
+            </a:extLst>
+          </p:cNvPr>
+          <p:cNvSpPr txBox="1"/>
           <p:nvPr/>
         </p:nvSpPr>
         <p:spPr>
           <a:xfrm>
-            <a:off x="5600232" y="1339348"/>
-            <a:ext cx="470330" cy="628559"/>
+            <a:off x="9593707" y="6330426"/>
+            <a:ext cx="2008682" cy="646331"/>
           </a:xfrm>
-          <a:prstGeom prst="rightArrow">
+          <a:prstGeom prst="rect">
             <a:avLst/>
           </a:prstGeom>
-          <a:solidFill>
-            <a:schemeClr val="bg1">
-              <a:lumMod val="75000"/>
-            </a:schemeClr>
-          </a:solidFill>
-          <a:ln>
-            <a:noFill/>
-          </a:ln>
+          <a:noFill/>
         </p:spPr>
-        <p:style>
-          <a:lnRef idx="2">
-            <a:schemeClr val="accent1">
-              <a:shade val="50000"/>
-            </a:schemeClr>
-          </a:lnRef>
-          <a:fillRef idx="1">
-            <a:schemeClr val="accent1"/>
-          </a:fillRef>
-          <a:effectRef idx="0">
-            <a:schemeClr val="accent1"/>
-          </a:effectRef>
-          <a:fontRef idx="minor">
-            <a:schemeClr val="lt1"/>
-          </a:fontRef>
-        </p:style>
         <p:txBody>
-          <a:bodyPr rtlCol="0" anchor="ctr"/>
+          <a:bodyPr wrap="square" rtlCol="0">
+            <a:spAutoFit/>
+          </a:bodyPr>
           <a:lstStyle/>
           <a:p>
-            <a:pPr algn="ctr"/>
-            <a:endParaRPr lang="zh-CN" altLang="en-US"/>
+            <a:r>
+              <a:rPr lang="zh-CN" altLang="en-US" dirty="0">
+                <a:solidFill>
+                  <a:schemeClr val="bg1"/>
+                </a:solidFill>
+              </a:rPr>
+              <a:t>按</a:t>
+            </a:r>
+            <a:r>
+              <a:rPr lang="en-US" altLang="zh-CN" u="sng" dirty="0">
+                <a:solidFill>
+                  <a:schemeClr val="bg1"/>
+                </a:solidFill>
+              </a:rPr>
+              <a:t>←</a:t>
+            </a:r>
+            <a:r>
+              <a:rPr lang="zh-CN" altLang="en-US" u="sng" dirty="0">
+                <a:solidFill>
+                  <a:schemeClr val="bg1"/>
+                </a:solidFill>
+              </a:rPr>
+              <a:t>键</a:t>
+            </a:r>
+            <a:r>
+              <a:rPr lang="zh-CN" altLang="en-US" dirty="0">
+                <a:solidFill>
+                  <a:schemeClr val="bg1"/>
+                </a:solidFill>
+              </a:rPr>
+              <a:t>进入上一张</a:t>
+            </a:r>
+            <a:endParaRPr lang="en-US" altLang="zh-CN" dirty="0">
+              <a:solidFill>
+                <a:schemeClr val="bg1"/>
+              </a:solidFill>
+            </a:endParaRPr>
+          </a:p>
+          <a:p>
+            <a:r>
+              <a:rPr lang="zh-CN" altLang="en-US" dirty="0">
+                <a:solidFill>
+                  <a:schemeClr val="bg1"/>
+                </a:solidFill>
+              </a:rPr>
+              <a:t>按</a:t>
+            </a:r>
+            <a:r>
+              <a:rPr lang="en-US" altLang="zh-CN" u="sng" dirty="0">
+                <a:solidFill>
+                  <a:schemeClr val="bg1"/>
+                </a:solidFill>
+              </a:rPr>
+              <a:t>→</a:t>
+            </a:r>
+            <a:r>
+              <a:rPr lang="zh-CN" altLang="en-US" u="sng" dirty="0">
+                <a:solidFill>
+                  <a:schemeClr val="bg1"/>
+                </a:solidFill>
+              </a:rPr>
+              <a:t>键</a:t>
+            </a:r>
+            <a:r>
+              <a:rPr lang="zh-CN" altLang="en-US" dirty="0">
+                <a:solidFill>
+                  <a:schemeClr val="bg1"/>
+                </a:solidFill>
+              </a:rPr>
+              <a:t>进入下一张</a:t>
+            </a:r>
           </a:p>
         </p:txBody>
       </p:sp>
       <p:sp>
         <p:nvSpPr>
-          <p:cNvPr id="43" name="箭头: 圆角右 42">
+          <p:cNvPr id="33" name="文本框 32">
             <a:extLst>
               <a:ext uri="{FF2B5EF4-FFF2-40B4-BE49-F238E27FC236}">
-                <a16:creationId xmlns:a16="http://schemas.microsoft.com/office/drawing/2014/main" id="{FCBFB044-30C7-4127-8958-8FF7117063B2}"/>
+                <a16:creationId xmlns:a16="http://schemas.microsoft.com/office/drawing/2014/main" id="{B010E086-D252-4A53-8988-5F56701003A1}"/>
               </a:ext>
             </a:extLst>
           </p:cNvPr>
-          <p:cNvSpPr/>
+          <p:cNvSpPr txBox="1"/>
           <p:nvPr/>
         </p:nvSpPr>
         <p:spPr>
-          <a:xfrm rot="5400000">
-            <a:off x="8929775" y="1312740"/>
-            <a:ext cx="806627" cy="1153884"/>
+          <a:xfrm>
+            <a:off x="12204700" y="6668056"/>
+            <a:ext cx="304800" cy="369332"/>
           </a:xfrm>
-          <a:prstGeom prst="bentArrow">
-            <a:avLst>
-              <a:gd name="adj1" fmla="val 40170"/>
-              <a:gd name="adj2" fmla="val 33540"/>
-              <a:gd name="adj3" fmla="val 21769"/>
-              <a:gd name="adj4" fmla="val 43750"/>
-            </a:avLst>
+          <a:prstGeom prst="rect">
+            <a:avLst/>
           </a:prstGeom>
-          <a:solidFill>
-            <a:schemeClr val="bg1">
-              <a:lumMod val="75000"/>
-            </a:schemeClr>
-          </a:solidFill>
-          <a:ln>
-            <a:noFill/>
-          </a:ln>
+          <a:noFill/>
         </p:spPr>
-        <p:style>
-          <a:lnRef idx="2">
-            <a:schemeClr val="accent1">
-              <a:shade val="50000"/>
-            </a:schemeClr>
-          </a:lnRef>
-          <a:fillRef idx="1">
-            <a:schemeClr val="accent1"/>
-          </a:fillRef>
-          <a:effectRef idx="0">
-            <a:schemeClr val="accent1"/>
-          </a:effectRef>
-          <a:fontRef idx="minor">
-            <a:schemeClr val="lt1"/>
-          </a:fontRef>
-        </p:style>
         <p:txBody>
-          <a:bodyPr rtlCol="0" anchor="ctr"/>
+          <a:bodyPr wrap="square" rtlCol="0">
+            <a:spAutoFit/>
+          </a:bodyPr>
           <a:lstStyle/>
           <a:p>
-            <a:pPr algn="ctr"/>
-            <a:endParaRPr lang="zh-CN" altLang="en-US">
+            <a:r>
+              <a:rPr lang="en-US" altLang="zh-CN" dirty="0">
+                <a:solidFill>
+                  <a:schemeClr val="bg1"/>
+                </a:solidFill>
+              </a:rPr>
+              <a:t>3</a:t>
+            </a:r>
+            <a:endParaRPr lang="zh-CN" altLang="en-US" dirty="0">
               <a:solidFill>
-                <a:schemeClr val="tx1"/>
+                <a:schemeClr val="bg1"/>
               </a:solidFill>
             </a:endParaRPr>
           </a:p>
@@ -8810,622 +7202,13 @@
       </p:sp>
       <p:sp>
         <p:nvSpPr>
-          <p:cNvPr id="45" name="箭头: 圆角右 42">
-            <a:extLst>
-              <a:ext uri="{FF2B5EF4-FFF2-40B4-BE49-F238E27FC236}">
-                <a16:creationId xmlns:a16="http://schemas.microsoft.com/office/drawing/2014/main" id="{FCBFB044-30C7-4127-8958-8FF7117063B2}"/>
-              </a:ext>
-            </a:extLst>
-          </p:cNvPr>
-          <p:cNvSpPr/>
-          <p:nvPr/>
-        </p:nvSpPr>
-        <p:spPr>
-          <a:xfrm>
-            <a:off x="2198773" y="1178292"/>
-            <a:ext cx="806627" cy="1301261"/>
-          </a:xfrm>
-          <a:prstGeom prst="bentArrow">
-            <a:avLst>
-              <a:gd name="adj1" fmla="val 40170"/>
-              <a:gd name="adj2" fmla="val 33540"/>
-              <a:gd name="adj3" fmla="val 21769"/>
-              <a:gd name="adj4" fmla="val 43750"/>
-            </a:avLst>
-          </a:prstGeom>
-          <a:solidFill>
-            <a:schemeClr val="bg1">
-              <a:lumMod val="75000"/>
-            </a:schemeClr>
-          </a:solidFill>
-          <a:ln w="76200" cmpd="tri">
-            <a:noFill/>
-          </a:ln>
-        </p:spPr>
-        <p:style>
-          <a:lnRef idx="2">
-            <a:schemeClr val="accent1">
-              <a:shade val="50000"/>
-            </a:schemeClr>
-          </a:lnRef>
-          <a:fillRef idx="1">
-            <a:schemeClr val="accent1"/>
-          </a:fillRef>
-          <a:effectRef idx="0">
-            <a:schemeClr val="accent1"/>
-          </a:effectRef>
-          <a:fontRef idx="minor">
-            <a:schemeClr val="lt1"/>
-          </a:fontRef>
-        </p:style>
-        <p:txBody>
-          <a:bodyPr rtlCol="0" anchor="ctr"/>
-          <a:lstStyle/>
-          <a:p>
-            <a:pPr algn="ctr"/>
-            <a:endParaRPr lang="zh-CN" altLang="en-US">
-              <a:solidFill>
-                <a:schemeClr val="tx1"/>
-              </a:solidFill>
-            </a:endParaRPr>
-          </a:p>
-        </p:txBody>
-      </p:sp>
-      <p:sp>
-        <p:nvSpPr>
-          <p:cNvPr id="59" name="矩形 3">
-            <a:extLst>
-              <a:ext uri="{FF2B5EF4-FFF2-40B4-BE49-F238E27FC236}">
-                <a16:creationId xmlns:a16="http://schemas.microsoft.com/office/drawing/2014/main" id="{209CA7B2-DD05-464A-9AF6-F59B1EADCA06}"/>
-              </a:ext>
-            </a:extLst>
-          </p:cNvPr>
-          <p:cNvSpPr/>
-          <p:nvPr/>
-        </p:nvSpPr>
-        <p:spPr>
-          <a:xfrm>
-            <a:off x="2198772" y="1616340"/>
-            <a:ext cx="333411" cy="861673"/>
-          </a:xfrm>
-          <a:prstGeom prst="rect">
-            <a:avLst/>
-          </a:prstGeom>
-          <a:solidFill>
-            <a:schemeClr val="bg1">
-              <a:lumMod val="75000"/>
-            </a:schemeClr>
-          </a:solidFill>
-          <a:ln>
-            <a:noFill/>
-          </a:ln>
-        </p:spPr>
-        <p:style>
-          <a:lnRef idx="2">
-            <a:schemeClr val="accent1">
-              <a:shade val="50000"/>
-            </a:schemeClr>
-          </a:lnRef>
-          <a:fillRef idx="1">
-            <a:schemeClr val="accent1"/>
-          </a:fillRef>
-          <a:effectRef idx="0">
-            <a:schemeClr val="accent1"/>
-          </a:effectRef>
-          <a:fontRef idx="minor">
-            <a:schemeClr val="lt1"/>
-          </a:fontRef>
-        </p:style>
-        <p:txBody>
-          <a:bodyPr rtlCol="0" anchor="ctr"/>
-          <a:lstStyle/>
-          <a:p>
-            <a:pPr algn="ctr"/>
-            <a:r>
-              <a:rPr lang="zh-CN" altLang="en-US" dirty="0">
-                <a:solidFill>
-                  <a:schemeClr val="tx1">
-                    <a:lumMod val="75000"/>
-                    <a:lumOff val="25000"/>
-                  </a:schemeClr>
-                </a:solidFill>
-              </a:rPr>
-              <a:t>下</a:t>
-            </a:r>
-            <a:r>
-              <a:rPr lang="zh-CN" altLang="en-US" dirty="0" smtClean="0">
-                <a:solidFill>
-                  <a:schemeClr val="tx1">
-                    <a:lumMod val="75000"/>
-                    <a:lumOff val="25000"/>
-                  </a:schemeClr>
-                </a:solidFill>
-              </a:rPr>
-              <a:t>一次</a:t>
-            </a:r>
-            <a:endParaRPr lang="zh-CN" altLang="en-US" dirty="0">
-              <a:solidFill>
-                <a:schemeClr val="tx1">
-                  <a:lumMod val="75000"/>
-                  <a:lumOff val="25000"/>
-                </a:schemeClr>
-              </a:solidFill>
-            </a:endParaRPr>
-          </a:p>
-        </p:txBody>
-      </p:sp>
-      <p:grpSp>
-        <p:nvGrpSpPr>
-          <p:cNvPr id="60" name="Group 59"/>
-          <p:cNvGrpSpPr/>
-          <p:nvPr/>
-        </p:nvGrpSpPr>
-        <p:grpSpPr>
-          <a:xfrm>
-            <a:off x="7580010" y="2620886"/>
-            <a:ext cx="2547172" cy="1475703"/>
-            <a:chOff x="5941473" y="3382928"/>
-            <a:chExt cx="3035635" cy="1758694"/>
-          </a:xfrm>
-        </p:grpSpPr>
-        <p:grpSp>
-          <p:nvGrpSpPr>
-            <p:cNvPr id="61" name="组合 53">
-              <a:extLst>
-                <a:ext uri="{FF2B5EF4-FFF2-40B4-BE49-F238E27FC236}">
-                  <a16:creationId xmlns:a16="http://schemas.microsoft.com/office/drawing/2014/main" id="{9699C951-39FE-45D3-8614-084A4FA4731E}"/>
-                </a:ext>
-              </a:extLst>
-            </p:cNvPr>
-            <p:cNvGrpSpPr/>
-            <p:nvPr/>
-          </p:nvGrpSpPr>
-          <p:grpSpPr>
-            <a:xfrm>
-              <a:off x="5941473" y="3382928"/>
-              <a:ext cx="3035635" cy="1758694"/>
-              <a:chOff x="6835081" y="1492668"/>
-              <a:chExt cx="3046059" cy="1764734"/>
-            </a:xfrm>
-          </p:grpSpPr>
-          <p:sp>
-            <p:nvSpPr>
-              <p:cNvPr id="85" name="矩形 59">
-                <a:extLst>
-                  <a:ext uri="{FF2B5EF4-FFF2-40B4-BE49-F238E27FC236}">
-                    <a16:creationId xmlns:a16="http://schemas.microsoft.com/office/drawing/2014/main" id="{1E773737-473F-4860-BC67-4EE0B0BFBA3F}"/>
-                  </a:ext>
-                </a:extLst>
-              </p:cNvPr>
-              <p:cNvSpPr/>
-              <p:nvPr/>
-            </p:nvSpPr>
-            <p:spPr>
-              <a:xfrm>
-                <a:off x="6835081" y="1492668"/>
-                <a:ext cx="3046059" cy="1764734"/>
-              </a:xfrm>
-              <a:prstGeom prst="rect">
-                <a:avLst/>
-              </a:prstGeom>
-              <a:solidFill>
-                <a:srgbClr val="777777"/>
-              </a:solidFill>
-              <a:ln>
-                <a:solidFill>
-                  <a:schemeClr val="tx1">
-                    <a:lumMod val="65000"/>
-                    <a:lumOff val="35000"/>
-                  </a:schemeClr>
-                </a:solidFill>
-              </a:ln>
-              <a:effectLst>
-                <a:outerShdw blurRad="50800" dist="38100" dir="2700000" algn="tl" rotWithShape="0">
-                  <a:prstClr val="black">
-                    <a:alpha val="40000"/>
-                  </a:prstClr>
-                </a:outerShdw>
-              </a:effectLst>
-            </p:spPr>
-            <p:style>
-              <a:lnRef idx="2">
-                <a:schemeClr val="accent1">
-                  <a:shade val="50000"/>
-                </a:schemeClr>
-              </a:lnRef>
-              <a:fillRef idx="1">
-                <a:schemeClr val="accent1"/>
-              </a:fillRef>
-              <a:effectRef idx="0">
-                <a:schemeClr val="accent1"/>
-              </a:effectRef>
-              <a:fontRef idx="minor">
-                <a:schemeClr val="lt1"/>
-              </a:fontRef>
-            </p:style>
-            <p:txBody>
-              <a:bodyPr rtlCol="0" anchor="ctr"/>
-              <a:lstStyle/>
-              <a:p>
-                <a:pPr algn="ctr"/>
-                <a:endParaRPr lang="zh-CN" altLang="en-US" sz="3200" u="sng" dirty="0">
-                  <a:solidFill>
-                    <a:schemeClr val="bg1"/>
-                  </a:solidFill>
-                </a:endParaRPr>
-              </a:p>
-            </p:txBody>
-          </p:sp>
-          <p:sp>
-            <p:nvSpPr>
-              <p:cNvPr id="87" name="文本框 60">
-                <a:extLst>
-                  <a:ext uri="{FF2B5EF4-FFF2-40B4-BE49-F238E27FC236}">
-                    <a16:creationId xmlns:a16="http://schemas.microsoft.com/office/drawing/2014/main" id="{945D4D64-9457-4117-A9BB-F997E8CAEF89}"/>
-                  </a:ext>
-                </a:extLst>
-              </p:cNvPr>
-              <p:cNvSpPr txBox="1"/>
-              <p:nvPr/>
-            </p:nvSpPr>
-            <p:spPr>
-              <a:xfrm>
-                <a:off x="8200855" y="2182872"/>
-                <a:ext cx="314507" cy="625698"/>
-              </a:xfrm>
-              <a:prstGeom prst="rect">
-                <a:avLst/>
-              </a:prstGeom>
-              <a:noFill/>
-            </p:spPr>
-            <p:txBody>
-              <a:bodyPr wrap="square" rtlCol="0">
-                <a:spAutoFit/>
-              </a:bodyPr>
-              <a:lstStyle/>
-              <a:p>
-                <a:endParaRPr lang="zh-CN" altLang="en-US" sz="2800" u="sng" dirty="0">
-                  <a:solidFill>
-                    <a:schemeClr val="bg1"/>
-                  </a:solidFill>
-                </a:endParaRPr>
-              </a:p>
-            </p:txBody>
-          </p:sp>
-        </p:grpSp>
-        <p:sp>
-          <p:nvSpPr>
-            <p:cNvPr id="66" name="Oval 65"/>
-            <p:cNvSpPr/>
-            <p:nvPr/>
-          </p:nvSpPr>
-          <p:spPr>
-            <a:xfrm>
-              <a:off x="6999668" y="3805075"/>
-              <a:ext cx="914400" cy="914400"/>
-            </a:xfrm>
-            <a:prstGeom prst="ellipse">
-              <a:avLst/>
-            </a:prstGeom>
-            <a:noFill/>
-            <a:ln w="28575">
-              <a:solidFill>
-                <a:schemeClr val="bg1">
-                  <a:lumMod val="85000"/>
-                </a:schemeClr>
-              </a:solidFill>
-            </a:ln>
-          </p:spPr>
-          <p:style>
-            <a:lnRef idx="2">
-              <a:schemeClr val="accent1">
-                <a:shade val="50000"/>
-              </a:schemeClr>
-            </a:lnRef>
-            <a:fillRef idx="1">
-              <a:schemeClr val="accent1"/>
-            </a:fillRef>
-            <a:effectRef idx="0">
-              <a:schemeClr val="accent1"/>
-            </a:effectRef>
-            <a:fontRef idx="minor">
-              <a:schemeClr val="lt1"/>
-            </a:fontRef>
-          </p:style>
-          <p:txBody>
-            <a:bodyPr rtlCol="0" anchor="ctr"/>
-            <a:lstStyle/>
-            <a:p>
-              <a:pPr algn="ctr"/>
-              <a:endParaRPr lang="zh-CN" altLang="en-US" dirty="0">
-                <a:solidFill>
-                  <a:srgbClr val="FF0000"/>
-                </a:solidFill>
-              </a:endParaRPr>
-            </a:p>
-          </p:txBody>
-        </p:sp>
-        <p:sp>
-          <p:nvSpPr>
-            <p:cNvPr id="67" name="TextBox 66"/>
-            <p:cNvSpPr txBox="1"/>
-            <p:nvPr/>
-          </p:nvSpPr>
-          <p:spPr>
-            <a:xfrm>
-              <a:off x="6992721" y="4049724"/>
-              <a:ext cx="969413" cy="440158"/>
-            </a:xfrm>
-            <a:prstGeom prst="rect">
-              <a:avLst/>
-            </a:prstGeom>
-            <a:noFill/>
-          </p:spPr>
-          <p:txBody>
-            <a:bodyPr wrap="square" rtlCol="0">
-              <a:spAutoFit/>
-            </a:bodyPr>
-            <a:lstStyle/>
-            <a:p>
-              <a:pPr algn="ctr"/>
-              <a:r>
-                <a:rPr lang="en-US" altLang="zh-CN" dirty="0" smtClean="0">
-                  <a:solidFill>
-                    <a:srgbClr val="FF0000"/>
-                  </a:solidFill>
-                </a:rPr>
-                <a:t>-3</a:t>
-              </a:r>
-              <a:r>
-                <a:rPr lang="en-US" altLang="zh-CN" dirty="0" smtClean="0"/>
-                <a:t>    </a:t>
-              </a:r>
-              <a:r>
-                <a:rPr lang="en-US" altLang="zh-CN" dirty="0" smtClean="0">
-                  <a:solidFill>
-                    <a:srgbClr val="00FF00"/>
-                  </a:solidFill>
-                </a:rPr>
-                <a:t>+9</a:t>
-              </a:r>
-              <a:endParaRPr lang="zh-CN" altLang="en-US" dirty="0">
-                <a:solidFill>
-                  <a:srgbClr val="00FF00"/>
-                </a:solidFill>
-              </a:endParaRPr>
-            </a:p>
-          </p:txBody>
-        </p:sp>
-        <p:cxnSp>
-          <p:nvCxnSpPr>
-            <p:cNvPr id="69" name="Straight Connector 68"/>
-            <p:cNvCxnSpPr>
-              <a:stCxn id="66" idx="0"/>
-              <a:endCxn id="66" idx="4"/>
-            </p:cNvCxnSpPr>
-            <p:nvPr/>
-          </p:nvCxnSpPr>
-          <p:spPr>
-            <a:xfrm>
-              <a:off x="7456868" y="3805075"/>
-              <a:ext cx="0" cy="914400"/>
-            </a:xfrm>
-            <a:prstGeom prst="line">
-              <a:avLst/>
-            </a:prstGeom>
-            <a:ln w="28575">
-              <a:solidFill>
-                <a:schemeClr val="bg1">
-                  <a:lumMod val="85000"/>
-                </a:schemeClr>
-              </a:solidFill>
-            </a:ln>
-          </p:spPr>
-          <p:style>
-            <a:lnRef idx="1">
-              <a:schemeClr val="accent1"/>
-            </a:lnRef>
-            <a:fillRef idx="0">
-              <a:schemeClr val="accent1"/>
-            </a:fillRef>
-            <a:effectRef idx="0">
-              <a:schemeClr val="accent1"/>
-            </a:effectRef>
-            <a:fontRef idx="minor">
-              <a:schemeClr val="tx1"/>
-            </a:fontRef>
-          </p:style>
-        </p:cxnSp>
-        <p:sp>
-          <p:nvSpPr>
-            <p:cNvPr id="71" name="椭圆 57">
-              <a:extLst>
-                <a:ext uri="{FF2B5EF4-FFF2-40B4-BE49-F238E27FC236}">
-                  <a16:creationId xmlns:a16="http://schemas.microsoft.com/office/drawing/2014/main" id="{373902A1-8B3B-46AB-B8DE-2D4D3E33B5AD}"/>
-                </a:ext>
-              </a:extLst>
-            </p:cNvPr>
-            <p:cNvSpPr/>
-            <p:nvPr/>
-          </p:nvSpPr>
-          <p:spPr>
-            <a:xfrm>
-              <a:off x="7434008" y="4246943"/>
-              <a:ext cx="45719" cy="45719"/>
-            </a:xfrm>
-            <a:prstGeom prst="ellipse">
-              <a:avLst/>
-            </a:prstGeom>
-            <a:solidFill>
-              <a:schemeClr val="tx1"/>
-            </a:solidFill>
-            <a:ln>
-              <a:noFill/>
-            </a:ln>
-          </p:spPr>
-          <p:style>
-            <a:lnRef idx="2">
-              <a:schemeClr val="accent1">
-                <a:shade val="50000"/>
-              </a:schemeClr>
-            </a:lnRef>
-            <a:fillRef idx="1">
-              <a:schemeClr val="accent1"/>
-            </a:fillRef>
-            <a:effectRef idx="0">
-              <a:schemeClr val="accent1"/>
-            </a:effectRef>
-            <a:fontRef idx="minor">
-              <a:schemeClr val="lt1"/>
-            </a:fontRef>
-          </p:style>
-          <p:txBody>
-            <a:bodyPr rtlCol="0" anchor="ctr"/>
-            <a:lstStyle/>
-            <a:p>
-              <a:pPr algn="ctr"/>
-              <a:endParaRPr lang="zh-CN" altLang="en-US" u="sng"/>
-            </a:p>
-          </p:txBody>
-        </p:sp>
-      </p:grpSp>
-      <p:grpSp>
-        <p:nvGrpSpPr>
-          <p:cNvPr id="82" name="Group 81"/>
-          <p:cNvGrpSpPr/>
-          <p:nvPr/>
-        </p:nvGrpSpPr>
-        <p:grpSpPr>
-          <a:xfrm rot="203632">
-            <a:off x="9627561" y="3771460"/>
-            <a:ext cx="957515" cy="842391"/>
-            <a:chOff x="9096103" y="2971052"/>
-            <a:chExt cx="1719748" cy="1512981"/>
-          </a:xfrm>
-        </p:grpSpPr>
-        <p:sp>
-          <p:nvSpPr>
-            <p:cNvPr id="83" name="Block Arc 82"/>
-            <p:cNvSpPr/>
-            <p:nvPr/>
-          </p:nvSpPr>
-          <p:spPr>
-            <a:xfrm>
-              <a:off x="9302871" y="2971052"/>
-              <a:ext cx="1512980" cy="1512981"/>
-            </a:xfrm>
-            <a:prstGeom prst="blockArc">
-              <a:avLst>
-                <a:gd name="adj1" fmla="val 16023305"/>
-                <a:gd name="adj2" fmla="val 10799995"/>
-                <a:gd name="adj3" fmla="val 27701"/>
-              </a:avLst>
-            </a:prstGeom>
-            <a:solidFill>
-              <a:schemeClr val="bg1">
-                <a:lumMod val="75000"/>
-              </a:schemeClr>
-            </a:solidFill>
-            <a:ln>
-              <a:noFill/>
-            </a:ln>
-          </p:spPr>
-          <p:style>
-            <a:lnRef idx="2">
-              <a:schemeClr val="accent1">
-                <a:shade val="50000"/>
-              </a:schemeClr>
-            </a:lnRef>
-            <a:fillRef idx="1">
-              <a:schemeClr val="accent1"/>
-            </a:fillRef>
-            <a:effectRef idx="0">
-              <a:schemeClr val="accent1"/>
-            </a:effectRef>
-            <a:fontRef idx="minor">
-              <a:schemeClr val="lt1"/>
-            </a:fontRef>
-          </p:style>
-          <p:txBody>
-            <a:bodyPr rtlCol="0" anchor="ctr"/>
-            <a:lstStyle/>
-            <a:p>
-              <a:pPr algn="ctr"/>
-              <a:endParaRPr lang="zh-CN" altLang="en-US">
-                <a:solidFill>
-                  <a:schemeClr val="tx1"/>
-                </a:solidFill>
-              </a:endParaRPr>
-            </a:p>
-          </p:txBody>
-        </p:sp>
-        <p:sp>
-          <p:nvSpPr>
-            <p:cNvPr id="84" name="箭头: 右 97">
-              <a:extLst>
-                <a:ext uri="{FF2B5EF4-FFF2-40B4-BE49-F238E27FC236}">
-                  <a16:creationId xmlns:a16="http://schemas.microsoft.com/office/drawing/2014/main" id="{7C99D34E-576B-468B-9600-DC0EA71C989B}"/>
-                </a:ext>
-              </a:extLst>
-            </p:cNvPr>
-            <p:cNvSpPr/>
-            <p:nvPr/>
-          </p:nvSpPr>
-          <p:spPr>
-            <a:xfrm rot="16200000">
-              <a:off x="9306138" y="3260683"/>
-              <a:ext cx="422959" cy="843029"/>
-            </a:xfrm>
-            <a:prstGeom prst="rightArrow">
-              <a:avLst>
-                <a:gd name="adj1" fmla="val 50000"/>
-                <a:gd name="adj2" fmla="val 68800"/>
-              </a:avLst>
-            </a:prstGeom>
-            <a:solidFill>
-              <a:schemeClr val="bg1">
-                <a:lumMod val="75000"/>
-              </a:schemeClr>
-            </a:solidFill>
-            <a:ln>
-              <a:noFill/>
-            </a:ln>
-          </p:spPr>
-          <p:style>
-            <a:lnRef idx="2">
-              <a:schemeClr val="accent1">
-                <a:shade val="50000"/>
-              </a:schemeClr>
-            </a:lnRef>
-            <a:fillRef idx="1">
-              <a:schemeClr val="accent1"/>
-            </a:fillRef>
-            <a:effectRef idx="0">
-              <a:schemeClr val="accent1"/>
-            </a:effectRef>
-            <a:fontRef idx="minor">
-              <a:schemeClr val="lt1"/>
-            </a:fontRef>
-          </p:style>
-          <p:txBody>
-            <a:bodyPr rtlCol="0" anchor="ctr"/>
-            <a:lstStyle/>
-            <a:p>
-              <a:pPr algn="ctr"/>
-              <a:endParaRPr lang="zh-CN" altLang="en-US"/>
-            </a:p>
-          </p:txBody>
-        </p:sp>
-      </p:grpSp>
-      <p:sp>
-        <p:nvSpPr>
-          <p:cNvPr id="88" name="Oval 87"/>
+          <p:cNvPr id="89" name="Oval 88"/>
           <p:cNvSpPr/>
           <p:nvPr/>
         </p:nvSpPr>
         <p:spPr>
           <a:xfrm flipH="1">
-            <a:off x="6016164" y="3311871"/>
+            <a:off x="4101444" y="4363050"/>
             <a:ext cx="108796" cy="108796"/>
           </a:xfrm>
           <a:prstGeom prst="ellipse">
@@ -9469,112 +7252,6 @@
           </a:p>
         </p:txBody>
       </p:sp>
-      <p:sp>
-        <p:nvSpPr>
-          <p:cNvPr id="89" name="Oval 88"/>
-          <p:cNvSpPr/>
-          <p:nvPr/>
-        </p:nvSpPr>
-        <p:spPr>
-          <a:xfrm flipH="1">
-            <a:off x="4183759" y="5419722"/>
-            <a:ext cx="108796" cy="108796"/>
-          </a:xfrm>
-          <a:prstGeom prst="ellipse">
-            <a:avLst/>
-          </a:prstGeom>
-          <a:noFill/>
-          <a:ln w="19050">
-            <a:solidFill>
-              <a:schemeClr val="bg1">
-                <a:lumMod val="85000"/>
-              </a:schemeClr>
-            </a:solidFill>
-          </a:ln>
-        </p:spPr>
-        <p:style>
-          <a:lnRef idx="2">
-            <a:schemeClr val="accent1">
-              <a:shade val="50000"/>
-            </a:schemeClr>
-          </a:lnRef>
-          <a:fillRef idx="1">
-            <a:schemeClr val="accent1"/>
-          </a:fillRef>
-          <a:effectRef idx="0">
-            <a:schemeClr val="accent1"/>
-          </a:effectRef>
-          <a:fontRef idx="minor">
-            <a:schemeClr val="lt1"/>
-          </a:fontRef>
-        </p:style>
-        <p:txBody>
-          <a:bodyPr rtlCol="0" anchor="ctr"/>
-          <a:lstStyle/>
-          <a:p>
-            <a:pPr algn="ctr"/>
-            <a:endParaRPr lang="zh-CN" altLang="en-US" dirty="0">
-              <a:solidFill>
-                <a:srgbClr val="FF0000"/>
-              </a:solidFill>
-            </a:endParaRPr>
-          </a:p>
-        </p:txBody>
-      </p:sp>
-      <p:sp>
-        <p:nvSpPr>
-          <p:cNvPr id="48" name="箭头: 右 47">
-            <a:extLst>
-              <a:ext uri="{FF2B5EF4-FFF2-40B4-BE49-F238E27FC236}">
-                <a16:creationId xmlns:a16="http://schemas.microsoft.com/office/drawing/2014/main" id="{BA6F09BF-35D8-41AD-AA02-58B61E4A410B}"/>
-              </a:ext>
-            </a:extLst>
-          </p:cNvPr>
-          <p:cNvSpPr/>
-          <p:nvPr/>
-        </p:nvSpPr>
-        <p:spPr>
-          <a:xfrm rot="10800000">
-            <a:off x="7226985" y="3026514"/>
-            <a:ext cx="470330" cy="628559"/>
-          </a:xfrm>
-          <a:prstGeom prst="rightArrow">
-            <a:avLst/>
-          </a:prstGeom>
-          <a:solidFill>
-            <a:schemeClr val="bg1">
-              <a:lumMod val="75000"/>
-            </a:schemeClr>
-          </a:solidFill>
-          <a:ln>
-            <a:noFill/>
-          </a:ln>
-        </p:spPr>
-        <p:style>
-          <a:lnRef idx="2">
-            <a:schemeClr val="accent1">
-              <a:shade val="50000"/>
-            </a:schemeClr>
-          </a:lnRef>
-          <a:fillRef idx="1">
-            <a:schemeClr val="accent1"/>
-          </a:fillRef>
-          <a:effectRef idx="0">
-            <a:schemeClr val="accent1"/>
-          </a:effectRef>
-          <a:fontRef idx="minor">
-            <a:schemeClr val="lt1"/>
-          </a:fontRef>
-        </p:style>
-        <p:txBody>
-          <a:bodyPr rtlCol="0" anchor="ctr"/>
-          <a:lstStyle/>
-          <a:p>
-            <a:pPr algn="ctr"/>
-            <a:endParaRPr lang="zh-CN" altLang="en-US"/>
-          </a:p>
-        </p:txBody>
-      </p:sp>
       <p:grpSp>
         <p:nvGrpSpPr>
           <p:cNvPr id="13" name="Group 12"/>
@@ -9583,7 +7260,7 @@
         </p:nvGrpSpPr>
         <p:grpSpPr>
           <a:xfrm>
-            <a:off x="8378003" y="6231337"/>
+            <a:off x="8310174" y="6265516"/>
             <a:ext cx="129819" cy="129819"/>
             <a:chOff x="5141306" y="4226006"/>
             <a:chExt cx="129819" cy="129819"/>
@@ -9664,10 +7341,2072 @@
           </p:style>
         </p:cxnSp>
       </p:grpSp>
+      <p:grpSp>
+        <p:nvGrpSpPr>
+          <p:cNvPr id="7" name="Group 6"/>
+          <p:cNvGrpSpPr/>
+          <p:nvPr/>
+        </p:nvGrpSpPr>
+        <p:grpSpPr>
+          <a:xfrm>
+            <a:off x="751389" y="669448"/>
+            <a:ext cx="10900859" cy="3637259"/>
+            <a:chOff x="1186638" y="1106866"/>
+            <a:chExt cx="10900859" cy="3637259"/>
+          </a:xfrm>
+        </p:grpSpPr>
+        <p:sp>
+          <p:nvSpPr>
+            <p:cNvPr id="116" name="矩形 3">
+              <a:extLst>
+                <a:ext uri="{FF2B5EF4-FFF2-40B4-BE49-F238E27FC236}">
+                  <a16:creationId xmlns:a16="http://schemas.microsoft.com/office/drawing/2014/main" id="{209CA7B2-DD05-464A-9AF6-F59B1EADCA06}"/>
+                </a:ext>
+              </a:extLst>
+            </p:cNvPr>
+            <p:cNvSpPr/>
+            <p:nvPr/>
+          </p:nvSpPr>
+          <p:spPr>
+            <a:xfrm>
+              <a:off x="10157031" y="4397786"/>
+              <a:ext cx="1314450" cy="346339"/>
+            </a:xfrm>
+            <a:prstGeom prst="rect">
+              <a:avLst/>
+            </a:prstGeom>
+            <a:solidFill>
+              <a:schemeClr val="bg1">
+                <a:lumMod val="85000"/>
+              </a:schemeClr>
+            </a:solidFill>
+            <a:ln>
+              <a:noFill/>
+            </a:ln>
+          </p:spPr>
+          <p:style>
+            <a:lnRef idx="2">
+              <a:schemeClr val="accent1">
+                <a:shade val="50000"/>
+              </a:schemeClr>
+            </a:lnRef>
+            <a:fillRef idx="1">
+              <a:schemeClr val="accent1"/>
+            </a:fillRef>
+            <a:effectRef idx="0">
+              <a:schemeClr val="accent1"/>
+            </a:effectRef>
+            <a:fontRef idx="minor">
+              <a:schemeClr val="lt1"/>
+            </a:fontRef>
+          </p:style>
+          <p:txBody>
+            <a:bodyPr rtlCol="0" anchor="ctr"/>
+            <a:lstStyle/>
+            <a:p>
+              <a:pPr algn="ctr"/>
+              <a:r>
+                <a:rPr lang="zh-CN" altLang="en-US" dirty="0">
+                  <a:solidFill>
+                    <a:schemeClr val="tx1">
+                      <a:lumMod val="75000"/>
+                      <a:lumOff val="25000"/>
+                    </a:schemeClr>
+                  </a:solidFill>
+                </a:rPr>
+                <a:t>此时按键</a:t>
+              </a:r>
+            </a:p>
+          </p:txBody>
+        </p:sp>
+        <p:sp>
+          <p:nvSpPr>
+            <p:cNvPr id="105" name="矩形 3">
+              <a:extLst>
+                <a:ext uri="{FF2B5EF4-FFF2-40B4-BE49-F238E27FC236}">
+                  <a16:creationId xmlns:a16="http://schemas.microsoft.com/office/drawing/2014/main" id="{209CA7B2-DD05-464A-9AF6-F59B1EADCA06}"/>
+                </a:ext>
+              </a:extLst>
+            </p:cNvPr>
+            <p:cNvSpPr/>
+            <p:nvPr/>
+          </p:nvSpPr>
+          <p:spPr>
+            <a:xfrm>
+              <a:off x="6389541" y="3685473"/>
+              <a:ext cx="1314450" cy="346339"/>
+            </a:xfrm>
+            <a:prstGeom prst="rect">
+              <a:avLst/>
+            </a:prstGeom>
+            <a:solidFill>
+              <a:schemeClr val="bg1">
+                <a:lumMod val="85000"/>
+              </a:schemeClr>
+            </a:solidFill>
+            <a:ln>
+              <a:noFill/>
+            </a:ln>
+          </p:spPr>
+          <p:style>
+            <a:lnRef idx="2">
+              <a:schemeClr val="accent1">
+                <a:shade val="50000"/>
+              </a:schemeClr>
+            </a:lnRef>
+            <a:fillRef idx="1">
+              <a:schemeClr val="accent1"/>
+            </a:fillRef>
+            <a:effectRef idx="0">
+              <a:schemeClr val="accent1"/>
+            </a:effectRef>
+            <a:fontRef idx="minor">
+              <a:schemeClr val="lt1"/>
+            </a:fontRef>
+          </p:style>
+          <p:txBody>
+            <a:bodyPr rtlCol="0" anchor="ctr"/>
+            <a:lstStyle/>
+            <a:p>
+              <a:pPr algn="ctr"/>
+              <a:r>
+                <a:rPr lang="zh-CN" altLang="en-US" dirty="0" smtClean="0">
+                  <a:solidFill>
+                    <a:schemeClr val="tx1">
+                      <a:lumMod val="75000"/>
+                      <a:lumOff val="25000"/>
+                    </a:schemeClr>
+                  </a:solidFill>
+                </a:rPr>
+                <a:t>彩票</a:t>
+              </a:r>
+              <a:r>
+                <a:rPr lang="en-US" altLang="zh-CN" dirty="0" smtClean="0">
+                  <a:solidFill>
+                    <a:schemeClr val="tx1">
+                      <a:lumMod val="75000"/>
+                      <a:lumOff val="25000"/>
+                    </a:schemeClr>
+                  </a:solidFill>
+                </a:rPr>
+                <a:t>2</a:t>
+              </a:r>
+              <a:endParaRPr lang="zh-CN" altLang="en-US" dirty="0">
+                <a:solidFill>
+                  <a:schemeClr val="tx1">
+                    <a:lumMod val="75000"/>
+                    <a:lumOff val="25000"/>
+                  </a:schemeClr>
+                </a:solidFill>
+              </a:endParaRPr>
+            </a:p>
+          </p:txBody>
+        </p:sp>
+        <p:sp>
+          <p:nvSpPr>
+            <p:cNvPr id="106" name="矩形 3">
+              <a:extLst>
+                <a:ext uri="{FF2B5EF4-FFF2-40B4-BE49-F238E27FC236}">
+                  <a16:creationId xmlns:a16="http://schemas.microsoft.com/office/drawing/2014/main" id="{209CA7B2-DD05-464A-9AF6-F59B1EADCA06}"/>
+                </a:ext>
+              </a:extLst>
+            </p:cNvPr>
+            <p:cNvSpPr/>
+            <p:nvPr/>
+          </p:nvSpPr>
+          <p:spPr>
+            <a:xfrm>
+              <a:off x="8052313" y="4039692"/>
+              <a:ext cx="1314450" cy="346339"/>
+            </a:xfrm>
+            <a:prstGeom prst="rect">
+              <a:avLst/>
+            </a:prstGeom>
+            <a:solidFill>
+              <a:schemeClr val="bg1">
+                <a:lumMod val="85000"/>
+              </a:schemeClr>
+            </a:solidFill>
+            <a:ln>
+              <a:noFill/>
+            </a:ln>
+          </p:spPr>
+          <p:style>
+            <a:lnRef idx="2">
+              <a:schemeClr val="accent1">
+                <a:shade val="50000"/>
+              </a:schemeClr>
+            </a:lnRef>
+            <a:fillRef idx="1">
+              <a:schemeClr val="accent1"/>
+            </a:fillRef>
+            <a:effectRef idx="0">
+              <a:schemeClr val="accent1"/>
+            </a:effectRef>
+            <a:fontRef idx="minor">
+              <a:schemeClr val="lt1"/>
+            </a:fontRef>
+          </p:style>
+          <p:txBody>
+            <a:bodyPr rtlCol="0" anchor="ctr"/>
+            <a:lstStyle/>
+            <a:p>
+              <a:pPr algn="ctr"/>
+              <a:r>
+                <a:rPr lang="zh-CN" altLang="en-US" dirty="0" smtClean="0">
+                  <a:solidFill>
+                    <a:schemeClr val="tx1">
+                      <a:lumMod val="75000"/>
+                      <a:lumOff val="25000"/>
+                    </a:schemeClr>
+                  </a:solidFill>
+                </a:rPr>
+                <a:t>彩票</a:t>
+              </a:r>
+              <a:r>
+                <a:rPr lang="en-US" altLang="zh-CN" dirty="0" smtClean="0">
+                  <a:solidFill>
+                    <a:schemeClr val="tx1">
+                      <a:lumMod val="75000"/>
+                      <a:lumOff val="25000"/>
+                    </a:schemeClr>
+                  </a:solidFill>
+                </a:rPr>
+                <a:t>3</a:t>
+              </a:r>
+              <a:endParaRPr lang="zh-CN" altLang="en-US" dirty="0">
+                <a:solidFill>
+                  <a:schemeClr val="tx1">
+                    <a:lumMod val="75000"/>
+                    <a:lumOff val="25000"/>
+                  </a:schemeClr>
+                </a:solidFill>
+              </a:endParaRPr>
+            </a:p>
+          </p:txBody>
+        </p:sp>
+        <p:sp>
+          <p:nvSpPr>
+            <p:cNvPr id="104" name="矩形 3">
+              <a:extLst>
+                <a:ext uri="{FF2B5EF4-FFF2-40B4-BE49-F238E27FC236}">
+                  <a16:creationId xmlns:a16="http://schemas.microsoft.com/office/drawing/2014/main" id="{209CA7B2-DD05-464A-9AF6-F59B1EADCA06}"/>
+                </a:ext>
+              </a:extLst>
+            </p:cNvPr>
+            <p:cNvSpPr/>
+            <p:nvPr/>
+          </p:nvSpPr>
+          <p:spPr>
+            <a:xfrm>
+              <a:off x="4726961" y="3332652"/>
+              <a:ext cx="1314450" cy="346339"/>
+            </a:xfrm>
+            <a:prstGeom prst="rect">
+              <a:avLst/>
+            </a:prstGeom>
+            <a:solidFill>
+              <a:schemeClr val="bg1">
+                <a:lumMod val="85000"/>
+              </a:schemeClr>
+            </a:solidFill>
+            <a:ln>
+              <a:noFill/>
+            </a:ln>
+          </p:spPr>
+          <p:style>
+            <a:lnRef idx="2">
+              <a:schemeClr val="accent1">
+                <a:shade val="50000"/>
+              </a:schemeClr>
+            </a:lnRef>
+            <a:fillRef idx="1">
+              <a:schemeClr val="accent1"/>
+            </a:fillRef>
+            <a:effectRef idx="0">
+              <a:schemeClr val="accent1"/>
+            </a:effectRef>
+            <a:fontRef idx="minor">
+              <a:schemeClr val="lt1"/>
+            </a:fontRef>
+          </p:style>
+          <p:txBody>
+            <a:bodyPr rtlCol="0" anchor="ctr"/>
+            <a:lstStyle/>
+            <a:p>
+              <a:pPr algn="ctr"/>
+              <a:r>
+                <a:rPr lang="zh-CN" altLang="en-US" dirty="0" smtClean="0">
+                  <a:solidFill>
+                    <a:schemeClr val="tx1">
+                      <a:lumMod val="75000"/>
+                      <a:lumOff val="25000"/>
+                    </a:schemeClr>
+                  </a:solidFill>
+                </a:rPr>
+                <a:t>彩票</a:t>
+              </a:r>
+              <a:r>
+                <a:rPr lang="en-US" altLang="zh-CN" dirty="0" smtClean="0">
+                  <a:solidFill>
+                    <a:schemeClr val="tx1">
+                      <a:lumMod val="75000"/>
+                      <a:lumOff val="25000"/>
+                    </a:schemeClr>
+                  </a:solidFill>
+                </a:rPr>
+                <a:t>1</a:t>
+              </a:r>
+              <a:endParaRPr lang="zh-CN" altLang="en-US" dirty="0">
+                <a:solidFill>
+                  <a:schemeClr val="tx1">
+                    <a:lumMod val="75000"/>
+                    <a:lumOff val="25000"/>
+                  </a:schemeClr>
+                </a:solidFill>
+              </a:endParaRPr>
+            </a:p>
+          </p:txBody>
+        </p:sp>
+        <p:sp>
+          <p:nvSpPr>
+            <p:cNvPr id="103" name="矩形 3">
+              <a:extLst>
+                <a:ext uri="{FF2B5EF4-FFF2-40B4-BE49-F238E27FC236}">
+                  <a16:creationId xmlns:a16="http://schemas.microsoft.com/office/drawing/2014/main" id="{209CA7B2-DD05-464A-9AF6-F59B1EADCA06}"/>
+                </a:ext>
+              </a:extLst>
+            </p:cNvPr>
+            <p:cNvSpPr/>
+            <p:nvPr/>
+          </p:nvSpPr>
+          <p:spPr>
+            <a:xfrm>
+              <a:off x="3064381" y="2980665"/>
+              <a:ext cx="1314450" cy="346339"/>
+            </a:xfrm>
+            <a:prstGeom prst="rect">
+              <a:avLst/>
+            </a:prstGeom>
+            <a:solidFill>
+              <a:schemeClr val="bg1">
+                <a:lumMod val="85000"/>
+              </a:schemeClr>
+            </a:solidFill>
+            <a:ln>
+              <a:noFill/>
+            </a:ln>
+          </p:spPr>
+          <p:style>
+            <a:lnRef idx="2">
+              <a:schemeClr val="accent1">
+                <a:shade val="50000"/>
+              </a:schemeClr>
+            </a:lnRef>
+            <a:fillRef idx="1">
+              <a:schemeClr val="accent1"/>
+            </a:fillRef>
+            <a:effectRef idx="0">
+              <a:schemeClr val="accent1"/>
+            </a:effectRef>
+            <a:fontRef idx="minor">
+              <a:schemeClr val="lt1"/>
+            </a:fontRef>
+          </p:style>
+          <p:txBody>
+            <a:bodyPr rtlCol="0" anchor="ctr"/>
+            <a:lstStyle/>
+            <a:p>
+              <a:pPr algn="ctr"/>
+              <a:r>
+                <a:rPr lang="zh-CN" altLang="en-US" dirty="0" smtClean="0">
+                  <a:solidFill>
+                    <a:schemeClr val="tx1">
+                      <a:lumMod val="75000"/>
+                      <a:lumOff val="25000"/>
+                    </a:schemeClr>
+                  </a:solidFill>
+                </a:rPr>
+                <a:t>固定奖励</a:t>
+              </a:r>
+              <a:endParaRPr lang="zh-CN" altLang="en-US" dirty="0">
+                <a:solidFill>
+                  <a:schemeClr val="tx1">
+                    <a:lumMod val="75000"/>
+                    <a:lumOff val="25000"/>
+                  </a:schemeClr>
+                </a:solidFill>
+              </a:endParaRPr>
+            </a:p>
+          </p:txBody>
+        </p:sp>
+        <p:sp>
+          <p:nvSpPr>
+            <p:cNvPr id="47" name="矩形 3">
+              <a:extLst>
+                <a:ext uri="{FF2B5EF4-FFF2-40B4-BE49-F238E27FC236}">
+                  <a16:creationId xmlns:a16="http://schemas.microsoft.com/office/drawing/2014/main" id="{209CA7B2-DD05-464A-9AF6-F59B1EADCA06}"/>
+                </a:ext>
+              </a:extLst>
+            </p:cNvPr>
+            <p:cNvSpPr/>
+            <p:nvPr/>
+          </p:nvSpPr>
+          <p:spPr>
+            <a:xfrm>
+              <a:off x="1380353" y="2588419"/>
+              <a:ext cx="1314450" cy="346339"/>
+            </a:xfrm>
+            <a:prstGeom prst="rect">
+              <a:avLst/>
+            </a:prstGeom>
+            <a:solidFill>
+              <a:schemeClr val="bg1">
+                <a:lumMod val="85000"/>
+              </a:schemeClr>
+            </a:solidFill>
+            <a:ln>
+              <a:noFill/>
+            </a:ln>
+          </p:spPr>
+          <p:style>
+            <a:lnRef idx="2">
+              <a:schemeClr val="accent1">
+                <a:shade val="50000"/>
+              </a:schemeClr>
+            </a:lnRef>
+            <a:fillRef idx="1">
+              <a:schemeClr val="accent1"/>
+            </a:fillRef>
+            <a:effectRef idx="0">
+              <a:schemeClr val="accent1"/>
+            </a:effectRef>
+            <a:fontRef idx="minor">
+              <a:schemeClr val="lt1"/>
+            </a:fontRef>
+          </p:style>
+          <p:txBody>
+            <a:bodyPr rtlCol="0" anchor="ctr"/>
+            <a:lstStyle/>
+            <a:p>
+              <a:pPr algn="ctr"/>
+              <a:r>
+                <a:rPr lang="zh-CN" altLang="en-US" dirty="0" smtClean="0">
+                  <a:solidFill>
+                    <a:schemeClr val="tx1">
+                      <a:lumMod val="75000"/>
+                      <a:lumOff val="25000"/>
+                    </a:schemeClr>
+                  </a:solidFill>
+                </a:rPr>
+                <a:t>开始注视</a:t>
+              </a:r>
+              <a:endParaRPr lang="zh-CN" altLang="en-US" dirty="0">
+                <a:solidFill>
+                  <a:schemeClr val="tx1">
+                    <a:lumMod val="75000"/>
+                    <a:lumOff val="25000"/>
+                  </a:schemeClr>
+                </a:solidFill>
+              </a:endParaRPr>
+            </a:p>
+          </p:txBody>
+        </p:sp>
+        <p:grpSp>
+          <p:nvGrpSpPr>
+            <p:cNvPr id="35" name="组合 34">
+              <a:extLst>
+                <a:ext uri="{FF2B5EF4-FFF2-40B4-BE49-F238E27FC236}">
+                  <a16:creationId xmlns:a16="http://schemas.microsoft.com/office/drawing/2014/main" id="{625AB903-38AF-4FD3-B41A-86575E88F3D5}"/>
+                </a:ext>
+              </a:extLst>
+            </p:cNvPr>
+            <p:cNvGrpSpPr/>
+            <p:nvPr/>
+          </p:nvGrpSpPr>
+          <p:grpSpPr>
+            <a:xfrm>
+              <a:off x="1186638" y="1106866"/>
+              <a:ext cx="2546478" cy="1475301"/>
+              <a:chOff x="1094421" y="1181181"/>
+              <a:chExt cx="3035635" cy="1758694"/>
+            </a:xfrm>
+          </p:grpSpPr>
+          <p:grpSp>
+            <p:nvGrpSpPr>
+              <p:cNvPr id="72" name="组合 71">
+                <a:extLst>
+                  <a:ext uri="{FF2B5EF4-FFF2-40B4-BE49-F238E27FC236}">
+                    <a16:creationId xmlns:a16="http://schemas.microsoft.com/office/drawing/2014/main" id="{85DA28FC-B059-4BA8-9EB9-5EB31A807693}"/>
+                  </a:ext>
+                </a:extLst>
+              </p:cNvPr>
+              <p:cNvGrpSpPr/>
+              <p:nvPr/>
+            </p:nvGrpSpPr>
+            <p:grpSpPr>
+              <a:xfrm>
+                <a:off x="1094421" y="1181181"/>
+                <a:ext cx="3035635" cy="1758694"/>
+                <a:chOff x="6835081" y="1492668"/>
+                <a:chExt cx="3046059" cy="1764734"/>
+              </a:xfrm>
+            </p:grpSpPr>
+            <p:sp>
+              <p:nvSpPr>
+                <p:cNvPr id="74" name="矩形 73">
+                  <a:extLst>
+                    <a:ext uri="{FF2B5EF4-FFF2-40B4-BE49-F238E27FC236}">
+                      <a16:creationId xmlns:a16="http://schemas.microsoft.com/office/drawing/2014/main" id="{3E88BFC5-2BC5-41A2-B54A-2870D9D4A84F}"/>
+                    </a:ext>
+                  </a:extLst>
+                </p:cNvPr>
+                <p:cNvSpPr/>
+                <p:nvPr/>
+              </p:nvSpPr>
+              <p:spPr>
+                <a:xfrm>
+                  <a:off x="6835081" y="1492668"/>
+                  <a:ext cx="3046059" cy="1764734"/>
+                </a:xfrm>
+                <a:prstGeom prst="rect">
+                  <a:avLst/>
+                </a:prstGeom>
+                <a:solidFill>
+                  <a:srgbClr val="777777"/>
+                </a:solidFill>
+                <a:ln>
+                  <a:solidFill>
+                    <a:schemeClr val="tx1">
+                      <a:lumMod val="65000"/>
+                      <a:lumOff val="35000"/>
+                    </a:schemeClr>
+                  </a:solidFill>
+                </a:ln>
+                <a:effectLst>
+                  <a:outerShdw blurRad="50800" dist="38100" dir="2700000" algn="tl" rotWithShape="0">
+                    <a:prstClr val="black">
+                      <a:alpha val="40000"/>
+                    </a:prstClr>
+                  </a:outerShdw>
+                </a:effectLst>
+              </p:spPr>
+              <p:style>
+                <a:lnRef idx="2">
+                  <a:schemeClr val="accent1">
+                    <a:shade val="50000"/>
+                  </a:schemeClr>
+                </a:lnRef>
+                <a:fillRef idx="1">
+                  <a:schemeClr val="accent1"/>
+                </a:fillRef>
+                <a:effectRef idx="0">
+                  <a:schemeClr val="accent1"/>
+                </a:effectRef>
+                <a:fontRef idx="minor">
+                  <a:schemeClr val="lt1"/>
+                </a:fontRef>
+              </p:style>
+              <p:txBody>
+                <a:bodyPr rtlCol="0" anchor="ctr"/>
+                <a:lstStyle/>
+                <a:p>
+                  <a:pPr algn="ctr"/>
+                  <a:endParaRPr lang="zh-CN" altLang="en-US" sz="3200" dirty="0">
+                    <a:solidFill>
+                      <a:schemeClr val="bg1"/>
+                    </a:solidFill>
+                  </a:endParaRPr>
+                </a:p>
+              </p:txBody>
+            </p:sp>
+            <p:sp>
+              <p:nvSpPr>
+                <p:cNvPr id="76" name="文本框 75">
+                  <a:extLst>
+                    <a:ext uri="{FF2B5EF4-FFF2-40B4-BE49-F238E27FC236}">
+                      <a16:creationId xmlns:a16="http://schemas.microsoft.com/office/drawing/2014/main" id="{A4BA0592-8E2E-4189-8B5F-87655EA8E478}"/>
+                    </a:ext>
+                  </a:extLst>
+                </p:cNvPr>
+                <p:cNvSpPr txBox="1"/>
+                <p:nvPr/>
+              </p:nvSpPr>
+              <p:spPr>
+                <a:xfrm>
+                  <a:off x="8200855" y="2182872"/>
+                  <a:ext cx="314507" cy="525017"/>
+                </a:xfrm>
+                <a:prstGeom prst="rect">
+                  <a:avLst/>
+                </a:prstGeom>
+                <a:noFill/>
+              </p:spPr>
+              <p:txBody>
+                <a:bodyPr wrap="square" rtlCol="0">
+                  <a:spAutoFit/>
+                </a:bodyPr>
+                <a:lstStyle/>
+                <a:p>
+                  <a:endParaRPr lang="zh-CN" altLang="en-US" sz="2800" dirty="0">
+                    <a:solidFill>
+                      <a:schemeClr val="bg1"/>
+                    </a:solidFill>
+                  </a:endParaRPr>
+                </a:p>
+              </p:txBody>
+            </p:sp>
+          </p:grpSp>
+          <p:sp>
+            <p:nvSpPr>
+              <p:cNvPr id="73" name="椭圆 72">
+                <a:extLst>
+                  <a:ext uri="{FF2B5EF4-FFF2-40B4-BE49-F238E27FC236}">
+                    <a16:creationId xmlns:a16="http://schemas.microsoft.com/office/drawing/2014/main" id="{D00243BE-620C-4339-9DD7-AD418144217C}"/>
+                  </a:ext>
+                </a:extLst>
+              </p:cNvPr>
+              <p:cNvSpPr/>
+              <p:nvPr/>
+            </p:nvSpPr>
+            <p:spPr>
+              <a:xfrm>
+                <a:off x="2589376" y="2039377"/>
+                <a:ext cx="45719" cy="45719"/>
+              </a:xfrm>
+              <a:prstGeom prst="ellipse">
+                <a:avLst/>
+              </a:prstGeom>
+              <a:solidFill>
+                <a:schemeClr val="tx1"/>
+              </a:solidFill>
+              <a:ln>
+                <a:noFill/>
+              </a:ln>
+            </p:spPr>
+            <p:style>
+              <a:lnRef idx="2">
+                <a:schemeClr val="accent1">
+                  <a:shade val="50000"/>
+                </a:schemeClr>
+              </a:lnRef>
+              <a:fillRef idx="1">
+                <a:schemeClr val="accent1"/>
+              </a:fillRef>
+              <a:effectRef idx="0">
+                <a:schemeClr val="accent1"/>
+              </a:effectRef>
+              <a:fontRef idx="minor">
+                <a:schemeClr val="lt1"/>
+              </a:fontRef>
+            </p:style>
+            <p:txBody>
+              <a:bodyPr rtlCol="0" anchor="ctr"/>
+              <a:lstStyle/>
+              <a:p>
+                <a:pPr algn="ctr"/>
+                <a:endParaRPr lang="zh-CN" altLang="en-US"/>
+              </a:p>
+            </p:txBody>
+          </p:sp>
+        </p:grpSp>
+        <p:grpSp>
+          <p:nvGrpSpPr>
+            <p:cNvPr id="54" name="Group 53"/>
+            <p:cNvGrpSpPr/>
+            <p:nvPr/>
+          </p:nvGrpSpPr>
+          <p:grpSpPr>
+            <a:xfrm>
+              <a:off x="2890316" y="1500186"/>
+              <a:ext cx="2555415" cy="1480479"/>
+              <a:chOff x="5939051" y="1260789"/>
+              <a:chExt cx="3035635" cy="1758694"/>
+            </a:xfrm>
+          </p:grpSpPr>
+          <p:sp>
+            <p:nvSpPr>
+              <p:cNvPr id="56" name="矩形 68">
+                <a:extLst>
+                  <a:ext uri="{FF2B5EF4-FFF2-40B4-BE49-F238E27FC236}">
+                    <a16:creationId xmlns:a16="http://schemas.microsoft.com/office/drawing/2014/main" id="{FC28F3C4-E5C6-4B7B-B972-6E41D7C632AD}"/>
+                  </a:ext>
+                </a:extLst>
+              </p:cNvPr>
+              <p:cNvSpPr/>
+              <p:nvPr/>
+            </p:nvSpPr>
+            <p:spPr>
+              <a:xfrm>
+                <a:off x="5939051" y="1260789"/>
+                <a:ext cx="3035635" cy="1758694"/>
+              </a:xfrm>
+              <a:prstGeom prst="rect">
+                <a:avLst/>
+              </a:prstGeom>
+              <a:solidFill>
+                <a:srgbClr val="777777"/>
+              </a:solidFill>
+              <a:ln>
+                <a:solidFill>
+                  <a:schemeClr val="tx1">
+                    <a:lumMod val="65000"/>
+                    <a:lumOff val="35000"/>
+                  </a:schemeClr>
+                </a:solidFill>
+              </a:ln>
+              <a:effectLst>
+                <a:outerShdw blurRad="50800" dist="38100" dir="2700000" algn="tl" rotWithShape="0">
+                  <a:prstClr val="black">
+                    <a:alpha val="40000"/>
+                  </a:prstClr>
+                </a:outerShdw>
+              </a:effectLst>
+            </p:spPr>
+            <p:style>
+              <a:lnRef idx="2">
+                <a:schemeClr val="accent1">
+                  <a:shade val="50000"/>
+                </a:schemeClr>
+              </a:lnRef>
+              <a:fillRef idx="1">
+                <a:schemeClr val="accent1"/>
+              </a:fillRef>
+              <a:effectRef idx="0">
+                <a:schemeClr val="accent1"/>
+              </a:effectRef>
+              <a:fontRef idx="minor">
+                <a:schemeClr val="lt1"/>
+              </a:fontRef>
+            </p:style>
+            <p:txBody>
+              <a:bodyPr rtlCol="0" anchor="ctr"/>
+              <a:lstStyle/>
+              <a:p>
+                <a:pPr algn="ctr"/>
+                <a:endParaRPr lang="zh-CN" altLang="en-US" sz="3200" dirty="0">
+                  <a:solidFill>
+                    <a:schemeClr val="bg1"/>
+                  </a:solidFill>
+                </a:endParaRPr>
+              </a:p>
+            </p:txBody>
+          </p:sp>
+          <p:sp>
+            <p:nvSpPr>
+              <p:cNvPr id="58" name="Oval 57"/>
+              <p:cNvSpPr/>
+              <p:nvPr/>
+            </p:nvSpPr>
+            <p:spPr>
+              <a:xfrm>
+                <a:off x="6999668" y="1682936"/>
+                <a:ext cx="914400" cy="914400"/>
+              </a:xfrm>
+              <a:prstGeom prst="ellipse">
+                <a:avLst/>
+              </a:prstGeom>
+              <a:noFill/>
+              <a:ln w="28575">
+                <a:solidFill>
+                  <a:schemeClr val="bg1">
+                    <a:lumMod val="85000"/>
+                  </a:schemeClr>
+                </a:solidFill>
+              </a:ln>
+            </p:spPr>
+            <p:style>
+              <a:lnRef idx="2">
+                <a:schemeClr val="accent1">
+                  <a:shade val="50000"/>
+                </a:schemeClr>
+              </a:lnRef>
+              <a:fillRef idx="1">
+                <a:schemeClr val="accent1"/>
+              </a:fillRef>
+              <a:effectRef idx="0">
+                <a:schemeClr val="accent1"/>
+              </a:effectRef>
+              <a:fontRef idx="minor">
+                <a:schemeClr val="lt1"/>
+              </a:fontRef>
+            </p:style>
+            <p:txBody>
+              <a:bodyPr rtlCol="0" anchor="ctr"/>
+              <a:lstStyle/>
+              <a:p>
+                <a:pPr algn="ctr"/>
+                <a:r>
+                  <a:rPr lang="en-US" altLang="zh-CN" dirty="0" smtClean="0">
+                    <a:solidFill>
+                      <a:srgbClr val="FF0000"/>
+                    </a:solidFill>
+                  </a:rPr>
+                  <a:t>+2</a:t>
+                </a:r>
+                <a:endParaRPr lang="zh-CN" altLang="en-US" dirty="0">
+                  <a:solidFill>
+                    <a:srgbClr val="FF0000"/>
+                  </a:solidFill>
+                </a:endParaRPr>
+              </a:p>
+            </p:txBody>
+          </p:sp>
+        </p:grpSp>
+        <p:grpSp>
+          <p:nvGrpSpPr>
+            <p:cNvPr id="60" name="Group 59"/>
+            <p:cNvGrpSpPr/>
+            <p:nvPr/>
+          </p:nvGrpSpPr>
+          <p:grpSpPr>
+            <a:xfrm>
+              <a:off x="4552896" y="1855552"/>
+              <a:ext cx="2547172" cy="1475703"/>
+              <a:chOff x="5941473" y="3382928"/>
+              <a:chExt cx="3035635" cy="1758694"/>
+            </a:xfrm>
+          </p:grpSpPr>
+          <p:grpSp>
+            <p:nvGrpSpPr>
+              <p:cNvPr id="61" name="组合 53">
+                <a:extLst>
+                  <a:ext uri="{FF2B5EF4-FFF2-40B4-BE49-F238E27FC236}">
+                    <a16:creationId xmlns:a16="http://schemas.microsoft.com/office/drawing/2014/main" id="{9699C951-39FE-45D3-8614-084A4FA4731E}"/>
+                  </a:ext>
+                </a:extLst>
+              </p:cNvPr>
+              <p:cNvGrpSpPr/>
+              <p:nvPr/>
+            </p:nvGrpSpPr>
+            <p:grpSpPr>
+              <a:xfrm>
+                <a:off x="5941473" y="3382928"/>
+                <a:ext cx="3035635" cy="1758694"/>
+                <a:chOff x="6835081" y="1492668"/>
+                <a:chExt cx="3046059" cy="1764734"/>
+              </a:xfrm>
+            </p:grpSpPr>
+            <p:sp>
+              <p:nvSpPr>
+                <p:cNvPr id="85" name="矩形 59">
+                  <a:extLst>
+                    <a:ext uri="{FF2B5EF4-FFF2-40B4-BE49-F238E27FC236}">
+                      <a16:creationId xmlns:a16="http://schemas.microsoft.com/office/drawing/2014/main" id="{1E773737-473F-4860-BC67-4EE0B0BFBA3F}"/>
+                    </a:ext>
+                  </a:extLst>
+                </p:cNvPr>
+                <p:cNvSpPr/>
+                <p:nvPr/>
+              </p:nvSpPr>
+              <p:spPr>
+                <a:xfrm>
+                  <a:off x="6835081" y="1492668"/>
+                  <a:ext cx="3046059" cy="1764734"/>
+                </a:xfrm>
+                <a:prstGeom prst="rect">
+                  <a:avLst/>
+                </a:prstGeom>
+                <a:solidFill>
+                  <a:srgbClr val="777777"/>
+                </a:solidFill>
+                <a:ln>
+                  <a:solidFill>
+                    <a:schemeClr val="tx1">
+                      <a:lumMod val="65000"/>
+                      <a:lumOff val="35000"/>
+                    </a:schemeClr>
+                  </a:solidFill>
+                </a:ln>
+                <a:effectLst>
+                  <a:outerShdw blurRad="50800" dist="38100" dir="2700000" algn="tl" rotWithShape="0">
+                    <a:prstClr val="black">
+                      <a:alpha val="40000"/>
+                    </a:prstClr>
+                  </a:outerShdw>
+                </a:effectLst>
+              </p:spPr>
+              <p:style>
+                <a:lnRef idx="2">
+                  <a:schemeClr val="accent1">
+                    <a:shade val="50000"/>
+                  </a:schemeClr>
+                </a:lnRef>
+                <a:fillRef idx="1">
+                  <a:schemeClr val="accent1"/>
+                </a:fillRef>
+                <a:effectRef idx="0">
+                  <a:schemeClr val="accent1"/>
+                </a:effectRef>
+                <a:fontRef idx="minor">
+                  <a:schemeClr val="lt1"/>
+                </a:fontRef>
+              </p:style>
+              <p:txBody>
+                <a:bodyPr rtlCol="0" anchor="ctr"/>
+                <a:lstStyle/>
+                <a:p>
+                  <a:pPr algn="ctr"/>
+                  <a:endParaRPr lang="zh-CN" altLang="en-US" sz="3200" u="sng" dirty="0">
+                    <a:solidFill>
+                      <a:schemeClr val="bg1"/>
+                    </a:solidFill>
+                  </a:endParaRPr>
+                </a:p>
+              </p:txBody>
+            </p:sp>
+            <p:sp>
+              <p:nvSpPr>
+                <p:cNvPr id="87" name="文本框 60">
+                  <a:extLst>
+                    <a:ext uri="{FF2B5EF4-FFF2-40B4-BE49-F238E27FC236}">
+                      <a16:creationId xmlns:a16="http://schemas.microsoft.com/office/drawing/2014/main" id="{945D4D64-9457-4117-A9BB-F997E8CAEF89}"/>
+                    </a:ext>
+                  </a:extLst>
+                </p:cNvPr>
+                <p:cNvSpPr txBox="1"/>
+                <p:nvPr/>
+              </p:nvSpPr>
+              <p:spPr>
+                <a:xfrm>
+                  <a:off x="8200855" y="2182872"/>
+                  <a:ext cx="314507" cy="625698"/>
+                </a:xfrm>
+                <a:prstGeom prst="rect">
+                  <a:avLst/>
+                </a:prstGeom>
+                <a:noFill/>
+              </p:spPr>
+              <p:txBody>
+                <a:bodyPr wrap="square" rtlCol="0">
+                  <a:spAutoFit/>
+                </a:bodyPr>
+                <a:lstStyle/>
+                <a:p>
+                  <a:endParaRPr lang="zh-CN" altLang="en-US" sz="2800" u="sng" dirty="0">
+                    <a:solidFill>
+                      <a:schemeClr val="bg1"/>
+                    </a:solidFill>
+                  </a:endParaRPr>
+                </a:p>
+              </p:txBody>
+            </p:sp>
+          </p:grpSp>
+          <p:sp>
+            <p:nvSpPr>
+              <p:cNvPr id="66" name="Oval 65"/>
+              <p:cNvSpPr/>
+              <p:nvPr/>
+            </p:nvSpPr>
+            <p:spPr>
+              <a:xfrm>
+                <a:off x="6999668" y="3805075"/>
+                <a:ext cx="914400" cy="914400"/>
+              </a:xfrm>
+              <a:prstGeom prst="ellipse">
+                <a:avLst/>
+              </a:prstGeom>
+              <a:noFill/>
+              <a:ln w="28575">
+                <a:solidFill>
+                  <a:schemeClr val="bg1">
+                    <a:lumMod val="85000"/>
+                  </a:schemeClr>
+                </a:solidFill>
+              </a:ln>
+            </p:spPr>
+            <p:style>
+              <a:lnRef idx="2">
+                <a:schemeClr val="accent1">
+                  <a:shade val="50000"/>
+                </a:schemeClr>
+              </a:lnRef>
+              <a:fillRef idx="1">
+                <a:schemeClr val="accent1"/>
+              </a:fillRef>
+              <a:effectRef idx="0">
+                <a:schemeClr val="accent1"/>
+              </a:effectRef>
+              <a:fontRef idx="minor">
+                <a:schemeClr val="lt1"/>
+              </a:fontRef>
+            </p:style>
+            <p:txBody>
+              <a:bodyPr rtlCol="0" anchor="ctr"/>
+              <a:lstStyle/>
+              <a:p>
+                <a:pPr algn="ctr"/>
+                <a:endParaRPr lang="zh-CN" altLang="en-US" dirty="0">
+                  <a:solidFill>
+                    <a:srgbClr val="FF0000"/>
+                  </a:solidFill>
+                </a:endParaRPr>
+              </a:p>
+            </p:txBody>
+          </p:sp>
+          <p:sp>
+            <p:nvSpPr>
+              <p:cNvPr id="67" name="TextBox 66"/>
+              <p:cNvSpPr txBox="1"/>
+              <p:nvPr/>
+            </p:nvSpPr>
+            <p:spPr>
+              <a:xfrm>
+                <a:off x="6992721" y="4049724"/>
+                <a:ext cx="969413" cy="440158"/>
+              </a:xfrm>
+              <a:prstGeom prst="rect">
+                <a:avLst/>
+              </a:prstGeom>
+              <a:noFill/>
+            </p:spPr>
+            <p:txBody>
+              <a:bodyPr wrap="square" rtlCol="0">
+                <a:spAutoFit/>
+              </a:bodyPr>
+              <a:lstStyle/>
+              <a:p>
+                <a:pPr algn="ctr"/>
+                <a:r>
+                  <a:rPr lang="en-US" altLang="zh-CN" dirty="0" smtClean="0">
+                    <a:solidFill>
+                      <a:srgbClr val="00FF00"/>
+                    </a:solidFill>
+                  </a:rPr>
+                  <a:t>-8</a:t>
+                </a:r>
+                <a:r>
+                  <a:rPr lang="en-US" altLang="zh-CN" dirty="0" smtClean="0"/>
+                  <a:t>    </a:t>
+                </a:r>
+                <a:r>
+                  <a:rPr lang="en-US" altLang="zh-CN" dirty="0" smtClean="0">
+                    <a:solidFill>
+                      <a:srgbClr val="FF0000"/>
+                    </a:solidFill>
+                  </a:rPr>
+                  <a:t>+2</a:t>
+                </a:r>
+                <a:endParaRPr lang="zh-CN" altLang="en-US" dirty="0">
+                  <a:solidFill>
+                    <a:srgbClr val="FF0000"/>
+                  </a:solidFill>
+                </a:endParaRPr>
+              </a:p>
+            </p:txBody>
+          </p:sp>
+          <p:cxnSp>
+            <p:nvCxnSpPr>
+              <p:cNvPr id="69" name="Straight Connector 68"/>
+              <p:cNvCxnSpPr>
+                <a:stCxn id="66" idx="0"/>
+                <a:endCxn id="66" idx="4"/>
+              </p:cNvCxnSpPr>
+              <p:nvPr/>
+            </p:nvCxnSpPr>
+            <p:spPr>
+              <a:xfrm>
+                <a:off x="7456868" y="3805075"/>
+                <a:ext cx="0" cy="914400"/>
+              </a:xfrm>
+              <a:prstGeom prst="line">
+                <a:avLst/>
+              </a:prstGeom>
+              <a:ln w="28575">
+                <a:solidFill>
+                  <a:schemeClr val="bg1">
+                    <a:lumMod val="85000"/>
+                  </a:schemeClr>
+                </a:solidFill>
+              </a:ln>
+            </p:spPr>
+            <p:style>
+              <a:lnRef idx="1">
+                <a:schemeClr val="accent1"/>
+              </a:lnRef>
+              <a:fillRef idx="0">
+                <a:schemeClr val="accent1"/>
+              </a:fillRef>
+              <a:effectRef idx="0">
+                <a:schemeClr val="accent1"/>
+              </a:effectRef>
+              <a:fontRef idx="minor">
+                <a:schemeClr val="tx1"/>
+              </a:fontRef>
+            </p:style>
+          </p:cxnSp>
+          <p:sp>
+            <p:nvSpPr>
+              <p:cNvPr id="71" name="椭圆 57">
+                <a:extLst>
+                  <a:ext uri="{FF2B5EF4-FFF2-40B4-BE49-F238E27FC236}">
+                    <a16:creationId xmlns:a16="http://schemas.microsoft.com/office/drawing/2014/main" id="{373902A1-8B3B-46AB-B8DE-2D4D3E33B5AD}"/>
+                  </a:ext>
+                </a:extLst>
+              </p:cNvPr>
+              <p:cNvSpPr/>
+              <p:nvPr/>
+            </p:nvSpPr>
+            <p:spPr>
+              <a:xfrm>
+                <a:off x="7434008" y="4246943"/>
+                <a:ext cx="45719" cy="45719"/>
+              </a:xfrm>
+              <a:prstGeom prst="ellipse">
+                <a:avLst/>
+              </a:prstGeom>
+              <a:solidFill>
+                <a:schemeClr val="tx1"/>
+              </a:solidFill>
+              <a:ln>
+                <a:noFill/>
+              </a:ln>
+            </p:spPr>
+            <p:style>
+              <a:lnRef idx="2">
+                <a:schemeClr val="accent1">
+                  <a:shade val="50000"/>
+                </a:schemeClr>
+              </a:lnRef>
+              <a:fillRef idx="1">
+                <a:schemeClr val="accent1"/>
+              </a:fillRef>
+              <a:effectRef idx="0">
+                <a:schemeClr val="accent1"/>
+              </a:effectRef>
+              <a:fontRef idx="minor">
+                <a:schemeClr val="lt1"/>
+              </a:fontRef>
+            </p:style>
+            <p:txBody>
+              <a:bodyPr rtlCol="0" anchor="ctr"/>
+              <a:lstStyle/>
+              <a:p>
+                <a:pPr algn="ctr"/>
+                <a:endParaRPr lang="zh-CN" altLang="en-US" u="sng"/>
+              </a:p>
+            </p:txBody>
+          </p:sp>
+        </p:grpSp>
+        <p:grpSp>
+          <p:nvGrpSpPr>
+            <p:cNvPr id="78" name="Group 77"/>
+            <p:cNvGrpSpPr/>
+            <p:nvPr/>
+          </p:nvGrpSpPr>
+          <p:grpSpPr>
+            <a:xfrm>
+              <a:off x="6215476" y="2209771"/>
+              <a:ext cx="2547172" cy="1475703"/>
+              <a:chOff x="5941473" y="3382928"/>
+              <a:chExt cx="3035635" cy="1758694"/>
+            </a:xfrm>
+          </p:grpSpPr>
+          <p:grpSp>
+            <p:nvGrpSpPr>
+              <p:cNvPr id="79" name="组合 53">
+                <a:extLst>
+                  <a:ext uri="{FF2B5EF4-FFF2-40B4-BE49-F238E27FC236}">
+                    <a16:creationId xmlns:a16="http://schemas.microsoft.com/office/drawing/2014/main" id="{9699C951-39FE-45D3-8614-084A4FA4731E}"/>
+                  </a:ext>
+                </a:extLst>
+              </p:cNvPr>
+              <p:cNvGrpSpPr/>
+              <p:nvPr/>
+            </p:nvGrpSpPr>
+            <p:grpSpPr>
+              <a:xfrm>
+                <a:off x="5941473" y="3382928"/>
+                <a:ext cx="3035635" cy="1758694"/>
+                <a:chOff x="6835081" y="1492668"/>
+                <a:chExt cx="3046059" cy="1764734"/>
+              </a:xfrm>
+            </p:grpSpPr>
+            <p:sp>
+              <p:nvSpPr>
+                <p:cNvPr id="93" name="矩形 59">
+                  <a:extLst>
+                    <a:ext uri="{FF2B5EF4-FFF2-40B4-BE49-F238E27FC236}">
+                      <a16:creationId xmlns:a16="http://schemas.microsoft.com/office/drawing/2014/main" id="{1E773737-473F-4860-BC67-4EE0B0BFBA3F}"/>
+                    </a:ext>
+                  </a:extLst>
+                </p:cNvPr>
+                <p:cNvSpPr/>
+                <p:nvPr/>
+              </p:nvSpPr>
+              <p:spPr>
+                <a:xfrm>
+                  <a:off x="6835081" y="1492668"/>
+                  <a:ext cx="3046059" cy="1764734"/>
+                </a:xfrm>
+                <a:prstGeom prst="rect">
+                  <a:avLst/>
+                </a:prstGeom>
+                <a:solidFill>
+                  <a:srgbClr val="777777"/>
+                </a:solidFill>
+                <a:ln>
+                  <a:solidFill>
+                    <a:schemeClr val="tx1">
+                      <a:lumMod val="65000"/>
+                      <a:lumOff val="35000"/>
+                    </a:schemeClr>
+                  </a:solidFill>
+                </a:ln>
+                <a:effectLst>
+                  <a:outerShdw blurRad="50800" dist="38100" dir="2700000" algn="tl" rotWithShape="0">
+                    <a:prstClr val="black">
+                      <a:alpha val="40000"/>
+                    </a:prstClr>
+                  </a:outerShdw>
+                </a:effectLst>
+              </p:spPr>
+              <p:style>
+                <a:lnRef idx="2">
+                  <a:schemeClr val="accent1">
+                    <a:shade val="50000"/>
+                  </a:schemeClr>
+                </a:lnRef>
+                <a:fillRef idx="1">
+                  <a:schemeClr val="accent1"/>
+                </a:fillRef>
+                <a:effectRef idx="0">
+                  <a:schemeClr val="accent1"/>
+                </a:effectRef>
+                <a:fontRef idx="minor">
+                  <a:schemeClr val="lt1"/>
+                </a:fontRef>
+              </p:style>
+              <p:txBody>
+                <a:bodyPr rtlCol="0" anchor="ctr"/>
+                <a:lstStyle/>
+                <a:p>
+                  <a:pPr algn="ctr"/>
+                  <a:endParaRPr lang="zh-CN" altLang="en-US" sz="3200" u="sng" dirty="0">
+                    <a:solidFill>
+                      <a:schemeClr val="bg1"/>
+                    </a:solidFill>
+                  </a:endParaRPr>
+                </a:p>
+              </p:txBody>
+            </p:sp>
+            <p:sp>
+              <p:nvSpPr>
+                <p:cNvPr id="94" name="文本框 60">
+                  <a:extLst>
+                    <a:ext uri="{FF2B5EF4-FFF2-40B4-BE49-F238E27FC236}">
+                      <a16:creationId xmlns:a16="http://schemas.microsoft.com/office/drawing/2014/main" id="{945D4D64-9457-4117-A9BB-F997E8CAEF89}"/>
+                    </a:ext>
+                  </a:extLst>
+                </p:cNvPr>
+                <p:cNvSpPr txBox="1"/>
+                <p:nvPr/>
+              </p:nvSpPr>
+              <p:spPr>
+                <a:xfrm>
+                  <a:off x="8200855" y="2182872"/>
+                  <a:ext cx="314507" cy="625698"/>
+                </a:xfrm>
+                <a:prstGeom prst="rect">
+                  <a:avLst/>
+                </a:prstGeom>
+                <a:noFill/>
+              </p:spPr>
+              <p:txBody>
+                <a:bodyPr wrap="square" rtlCol="0">
+                  <a:spAutoFit/>
+                </a:bodyPr>
+                <a:lstStyle/>
+                <a:p>
+                  <a:endParaRPr lang="zh-CN" altLang="en-US" sz="2800" u="sng" dirty="0">
+                    <a:solidFill>
+                      <a:schemeClr val="bg1"/>
+                    </a:solidFill>
+                  </a:endParaRPr>
+                </a:p>
+              </p:txBody>
+            </p:sp>
+          </p:grpSp>
+          <p:sp>
+            <p:nvSpPr>
+              <p:cNvPr id="80" name="Oval 79"/>
+              <p:cNvSpPr/>
+              <p:nvPr/>
+            </p:nvSpPr>
+            <p:spPr>
+              <a:xfrm>
+                <a:off x="6999668" y="3805075"/>
+                <a:ext cx="914400" cy="914400"/>
+              </a:xfrm>
+              <a:prstGeom prst="ellipse">
+                <a:avLst/>
+              </a:prstGeom>
+              <a:noFill/>
+              <a:ln w="28575">
+                <a:solidFill>
+                  <a:schemeClr val="bg1">
+                    <a:lumMod val="85000"/>
+                  </a:schemeClr>
+                </a:solidFill>
+              </a:ln>
+            </p:spPr>
+            <p:style>
+              <a:lnRef idx="2">
+                <a:schemeClr val="accent1">
+                  <a:shade val="50000"/>
+                </a:schemeClr>
+              </a:lnRef>
+              <a:fillRef idx="1">
+                <a:schemeClr val="accent1"/>
+              </a:fillRef>
+              <a:effectRef idx="0">
+                <a:schemeClr val="accent1"/>
+              </a:effectRef>
+              <a:fontRef idx="minor">
+                <a:schemeClr val="lt1"/>
+              </a:fontRef>
+            </p:style>
+            <p:txBody>
+              <a:bodyPr rtlCol="0" anchor="ctr"/>
+              <a:lstStyle/>
+              <a:p>
+                <a:pPr algn="ctr"/>
+                <a:endParaRPr lang="zh-CN" altLang="en-US" dirty="0">
+                  <a:solidFill>
+                    <a:srgbClr val="FF0000"/>
+                  </a:solidFill>
+                </a:endParaRPr>
+              </a:p>
+            </p:txBody>
+          </p:sp>
+          <p:sp>
+            <p:nvSpPr>
+              <p:cNvPr id="81" name="TextBox 80"/>
+              <p:cNvSpPr txBox="1"/>
+              <p:nvPr/>
+            </p:nvSpPr>
+            <p:spPr>
+              <a:xfrm>
+                <a:off x="6992721" y="4049724"/>
+                <a:ext cx="969413" cy="440158"/>
+              </a:xfrm>
+              <a:prstGeom prst="rect">
+                <a:avLst/>
+              </a:prstGeom>
+              <a:noFill/>
+            </p:spPr>
+            <p:txBody>
+              <a:bodyPr wrap="square" rtlCol="0">
+                <a:spAutoFit/>
+              </a:bodyPr>
+              <a:lstStyle/>
+              <a:p>
+                <a:pPr algn="ctr"/>
+                <a:r>
+                  <a:rPr lang="en-US" altLang="zh-CN" dirty="0" smtClean="0">
+                    <a:solidFill>
+                      <a:srgbClr val="00FF00"/>
+                    </a:solidFill>
+                  </a:rPr>
+                  <a:t>-5</a:t>
+                </a:r>
+                <a:r>
+                  <a:rPr lang="en-US" altLang="zh-CN" dirty="0" smtClean="0"/>
+                  <a:t>    </a:t>
+                </a:r>
+                <a:r>
+                  <a:rPr lang="en-US" altLang="zh-CN" dirty="0" smtClean="0">
+                    <a:solidFill>
+                      <a:srgbClr val="FF0000"/>
+                    </a:solidFill>
+                  </a:rPr>
+                  <a:t>+5</a:t>
+                </a:r>
+                <a:endParaRPr lang="zh-CN" altLang="en-US" dirty="0">
+                  <a:solidFill>
+                    <a:srgbClr val="FF0000"/>
+                  </a:solidFill>
+                </a:endParaRPr>
+              </a:p>
+            </p:txBody>
+          </p:sp>
+          <p:cxnSp>
+            <p:nvCxnSpPr>
+              <p:cNvPr id="90" name="Straight Connector 89"/>
+              <p:cNvCxnSpPr>
+                <a:stCxn id="80" idx="0"/>
+                <a:endCxn id="80" idx="4"/>
+              </p:cNvCxnSpPr>
+              <p:nvPr/>
+            </p:nvCxnSpPr>
+            <p:spPr>
+              <a:xfrm>
+                <a:off x="7456868" y="3805075"/>
+                <a:ext cx="0" cy="914400"/>
+              </a:xfrm>
+              <a:prstGeom prst="line">
+                <a:avLst/>
+              </a:prstGeom>
+              <a:ln w="28575">
+                <a:solidFill>
+                  <a:schemeClr val="bg1">
+                    <a:lumMod val="85000"/>
+                  </a:schemeClr>
+                </a:solidFill>
+              </a:ln>
+            </p:spPr>
+            <p:style>
+              <a:lnRef idx="1">
+                <a:schemeClr val="accent1"/>
+              </a:lnRef>
+              <a:fillRef idx="0">
+                <a:schemeClr val="accent1"/>
+              </a:fillRef>
+              <a:effectRef idx="0">
+                <a:schemeClr val="accent1"/>
+              </a:effectRef>
+              <a:fontRef idx="minor">
+                <a:schemeClr val="tx1"/>
+              </a:fontRef>
+            </p:style>
+          </p:cxnSp>
+          <p:sp>
+            <p:nvSpPr>
+              <p:cNvPr id="92" name="椭圆 57">
+                <a:extLst>
+                  <a:ext uri="{FF2B5EF4-FFF2-40B4-BE49-F238E27FC236}">
+                    <a16:creationId xmlns:a16="http://schemas.microsoft.com/office/drawing/2014/main" id="{373902A1-8B3B-46AB-B8DE-2D4D3E33B5AD}"/>
+                  </a:ext>
+                </a:extLst>
+              </p:cNvPr>
+              <p:cNvSpPr/>
+              <p:nvPr/>
+            </p:nvSpPr>
+            <p:spPr>
+              <a:xfrm>
+                <a:off x="7434008" y="4246943"/>
+                <a:ext cx="45719" cy="45719"/>
+              </a:xfrm>
+              <a:prstGeom prst="ellipse">
+                <a:avLst/>
+              </a:prstGeom>
+              <a:solidFill>
+                <a:schemeClr val="tx1"/>
+              </a:solidFill>
+              <a:ln>
+                <a:noFill/>
+              </a:ln>
+            </p:spPr>
+            <p:style>
+              <a:lnRef idx="2">
+                <a:schemeClr val="accent1">
+                  <a:shade val="50000"/>
+                </a:schemeClr>
+              </a:lnRef>
+              <a:fillRef idx="1">
+                <a:schemeClr val="accent1"/>
+              </a:fillRef>
+              <a:effectRef idx="0">
+                <a:schemeClr val="accent1"/>
+              </a:effectRef>
+              <a:fontRef idx="minor">
+                <a:schemeClr val="lt1"/>
+              </a:fontRef>
+            </p:style>
+            <p:txBody>
+              <a:bodyPr rtlCol="0" anchor="ctr"/>
+              <a:lstStyle/>
+              <a:p>
+                <a:pPr algn="ctr"/>
+                <a:endParaRPr lang="zh-CN" altLang="en-US" u="sng"/>
+              </a:p>
+            </p:txBody>
+          </p:sp>
+        </p:grpSp>
+        <p:grpSp>
+          <p:nvGrpSpPr>
+            <p:cNvPr id="95" name="Group 94"/>
+            <p:cNvGrpSpPr/>
+            <p:nvPr/>
+          </p:nvGrpSpPr>
+          <p:grpSpPr>
+            <a:xfrm>
+              <a:off x="7878056" y="2563990"/>
+              <a:ext cx="2547172" cy="1475703"/>
+              <a:chOff x="5941473" y="3382928"/>
+              <a:chExt cx="3035635" cy="1758694"/>
+            </a:xfrm>
+          </p:grpSpPr>
+          <p:grpSp>
+            <p:nvGrpSpPr>
+              <p:cNvPr id="96" name="组合 53">
+                <a:extLst>
+                  <a:ext uri="{FF2B5EF4-FFF2-40B4-BE49-F238E27FC236}">
+                    <a16:creationId xmlns:a16="http://schemas.microsoft.com/office/drawing/2014/main" id="{9699C951-39FE-45D3-8614-084A4FA4731E}"/>
+                  </a:ext>
+                </a:extLst>
+              </p:cNvPr>
+              <p:cNvGrpSpPr/>
+              <p:nvPr/>
+            </p:nvGrpSpPr>
+            <p:grpSpPr>
+              <a:xfrm>
+                <a:off x="5941473" y="3382928"/>
+                <a:ext cx="3035635" cy="1758694"/>
+                <a:chOff x="6835081" y="1492668"/>
+                <a:chExt cx="3046059" cy="1764734"/>
+              </a:xfrm>
+            </p:grpSpPr>
+            <p:sp>
+              <p:nvSpPr>
+                <p:cNvPr id="101" name="矩形 59">
+                  <a:extLst>
+                    <a:ext uri="{FF2B5EF4-FFF2-40B4-BE49-F238E27FC236}">
+                      <a16:creationId xmlns:a16="http://schemas.microsoft.com/office/drawing/2014/main" id="{1E773737-473F-4860-BC67-4EE0B0BFBA3F}"/>
+                    </a:ext>
+                  </a:extLst>
+                </p:cNvPr>
+                <p:cNvSpPr/>
+                <p:nvPr/>
+              </p:nvSpPr>
+              <p:spPr>
+                <a:xfrm>
+                  <a:off x="6835081" y="1492668"/>
+                  <a:ext cx="3046059" cy="1764734"/>
+                </a:xfrm>
+                <a:prstGeom prst="rect">
+                  <a:avLst/>
+                </a:prstGeom>
+                <a:solidFill>
+                  <a:srgbClr val="777777"/>
+                </a:solidFill>
+                <a:ln>
+                  <a:solidFill>
+                    <a:schemeClr val="tx1">
+                      <a:lumMod val="65000"/>
+                      <a:lumOff val="35000"/>
+                    </a:schemeClr>
+                  </a:solidFill>
+                </a:ln>
+                <a:effectLst>
+                  <a:outerShdw blurRad="50800" dist="38100" dir="2700000" algn="tl" rotWithShape="0">
+                    <a:prstClr val="black">
+                      <a:alpha val="40000"/>
+                    </a:prstClr>
+                  </a:outerShdw>
+                </a:effectLst>
+              </p:spPr>
+              <p:style>
+                <a:lnRef idx="2">
+                  <a:schemeClr val="accent1">
+                    <a:shade val="50000"/>
+                  </a:schemeClr>
+                </a:lnRef>
+                <a:fillRef idx="1">
+                  <a:schemeClr val="accent1"/>
+                </a:fillRef>
+                <a:effectRef idx="0">
+                  <a:schemeClr val="accent1"/>
+                </a:effectRef>
+                <a:fontRef idx="minor">
+                  <a:schemeClr val="lt1"/>
+                </a:fontRef>
+              </p:style>
+              <p:txBody>
+                <a:bodyPr rtlCol="0" anchor="ctr"/>
+                <a:lstStyle/>
+                <a:p>
+                  <a:pPr algn="ctr"/>
+                  <a:endParaRPr lang="zh-CN" altLang="en-US" sz="3200" u="sng" dirty="0">
+                    <a:solidFill>
+                      <a:schemeClr val="bg1"/>
+                    </a:solidFill>
+                  </a:endParaRPr>
+                </a:p>
+              </p:txBody>
+            </p:sp>
+            <p:sp>
+              <p:nvSpPr>
+                <p:cNvPr id="102" name="文本框 60">
+                  <a:extLst>
+                    <a:ext uri="{FF2B5EF4-FFF2-40B4-BE49-F238E27FC236}">
+                      <a16:creationId xmlns:a16="http://schemas.microsoft.com/office/drawing/2014/main" id="{945D4D64-9457-4117-A9BB-F997E8CAEF89}"/>
+                    </a:ext>
+                  </a:extLst>
+                </p:cNvPr>
+                <p:cNvSpPr txBox="1"/>
+                <p:nvPr/>
+              </p:nvSpPr>
+              <p:spPr>
+                <a:xfrm>
+                  <a:off x="8200855" y="2182872"/>
+                  <a:ext cx="314507" cy="625698"/>
+                </a:xfrm>
+                <a:prstGeom prst="rect">
+                  <a:avLst/>
+                </a:prstGeom>
+                <a:noFill/>
+              </p:spPr>
+              <p:txBody>
+                <a:bodyPr wrap="square" rtlCol="0">
+                  <a:spAutoFit/>
+                </a:bodyPr>
+                <a:lstStyle/>
+                <a:p>
+                  <a:endParaRPr lang="zh-CN" altLang="en-US" sz="2800" u="sng" dirty="0">
+                    <a:solidFill>
+                      <a:schemeClr val="bg1"/>
+                    </a:solidFill>
+                  </a:endParaRPr>
+                </a:p>
+              </p:txBody>
+            </p:sp>
+          </p:grpSp>
+          <p:sp>
+            <p:nvSpPr>
+              <p:cNvPr id="97" name="Oval 96"/>
+              <p:cNvSpPr/>
+              <p:nvPr/>
+            </p:nvSpPr>
+            <p:spPr>
+              <a:xfrm>
+                <a:off x="6999668" y="3805075"/>
+                <a:ext cx="914400" cy="914400"/>
+              </a:xfrm>
+              <a:prstGeom prst="ellipse">
+                <a:avLst/>
+              </a:prstGeom>
+              <a:noFill/>
+              <a:ln w="28575">
+                <a:solidFill>
+                  <a:schemeClr val="bg1">
+                    <a:lumMod val="85000"/>
+                  </a:schemeClr>
+                </a:solidFill>
+              </a:ln>
+            </p:spPr>
+            <p:style>
+              <a:lnRef idx="2">
+                <a:schemeClr val="accent1">
+                  <a:shade val="50000"/>
+                </a:schemeClr>
+              </a:lnRef>
+              <a:fillRef idx="1">
+                <a:schemeClr val="accent1"/>
+              </a:fillRef>
+              <a:effectRef idx="0">
+                <a:schemeClr val="accent1"/>
+              </a:effectRef>
+              <a:fontRef idx="minor">
+                <a:schemeClr val="lt1"/>
+              </a:fontRef>
+            </p:style>
+            <p:txBody>
+              <a:bodyPr rtlCol="0" anchor="ctr"/>
+              <a:lstStyle/>
+              <a:p>
+                <a:pPr algn="ctr"/>
+                <a:endParaRPr lang="zh-CN" altLang="en-US" dirty="0">
+                  <a:solidFill>
+                    <a:srgbClr val="FF0000"/>
+                  </a:solidFill>
+                </a:endParaRPr>
+              </a:p>
+            </p:txBody>
+          </p:sp>
+          <p:sp>
+            <p:nvSpPr>
+              <p:cNvPr id="98" name="TextBox 97"/>
+              <p:cNvSpPr txBox="1"/>
+              <p:nvPr/>
+            </p:nvSpPr>
+            <p:spPr>
+              <a:xfrm>
+                <a:off x="6992721" y="4049724"/>
+                <a:ext cx="969413" cy="440158"/>
+              </a:xfrm>
+              <a:prstGeom prst="rect">
+                <a:avLst/>
+              </a:prstGeom>
+              <a:noFill/>
+            </p:spPr>
+            <p:txBody>
+              <a:bodyPr wrap="square" rtlCol="0">
+                <a:spAutoFit/>
+              </a:bodyPr>
+              <a:lstStyle/>
+              <a:p>
+                <a:pPr algn="ctr"/>
+                <a:r>
+                  <a:rPr lang="en-US" altLang="zh-CN" dirty="0" smtClean="0">
+                    <a:solidFill>
+                      <a:srgbClr val="00FF00"/>
+                    </a:solidFill>
+                  </a:rPr>
+                  <a:t>-3</a:t>
+                </a:r>
+                <a:r>
+                  <a:rPr lang="en-US" altLang="zh-CN" dirty="0" smtClean="0"/>
+                  <a:t>    </a:t>
+                </a:r>
+                <a:r>
+                  <a:rPr lang="en-US" altLang="zh-CN" dirty="0" smtClean="0">
+                    <a:solidFill>
+                      <a:srgbClr val="FF0000"/>
+                    </a:solidFill>
+                  </a:rPr>
+                  <a:t>+9</a:t>
+                </a:r>
+                <a:endParaRPr lang="zh-CN" altLang="en-US" dirty="0">
+                  <a:solidFill>
+                    <a:srgbClr val="FF0000"/>
+                  </a:solidFill>
+                </a:endParaRPr>
+              </a:p>
+            </p:txBody>
+          </p:sp>
+          <p:cxnSp>
+            <p:nvCxnSpPr>
+              <p:cNvPr id="99" name="Straight Connector 98"/>
+              <p:cNvCxnSpPr>
+                <a:stCxn id="97" idx="0"/>
+                <a:endCxn id="97" idx="4"/>
+              </p:cNvCxnSpPr>
+              <p:nvPr/>
+            </p:nvCxnSpPr>
+            <p:spPr>
+              <a:xfrm>
+                <a:off x="7456868" y="3805075"/>
+                <a:ext cx="0" cy="914400"/>
+              </a:xfrm>
+              <a:prstGeom prst="line">
+                <a:avLst/>
+              </a:prstGeom>
+              <a:ln w="28575">
+                <a:solidFill>
+                  <a:schemeClr val="bg1">
+                    <a:lumMod val="85000"/>
+                  </a:schemeClr>
+                </a:solidFill>
+              </a:ln>
+            </p:spPr>
+            <p:style>
+              <a:lnRef idx="1">
+                <a:schemeClr val="accent1"/>
+              </a:lnRef>
+              <a:fillRef idx="0">
+                <a:schemeClr val="accent1"/>
+              </a:fillRef>
+              <a:effectRef idx="0">
+                <a:schemeClr val="accent1"/>
+              </a:effectRef>
+              <a:fontRef idx="minor">
+                <a:schemeClr val="tx1"/>
+              </a:fontRef>
+            </p:style>
+          </p:cxnSp>
+          <p:sp>
+            <p:nvSpPr>
+              <p:cNvPr id="100" name="椭圆 57">
+                <a:extLst>
+                  <a:ext uri="{FF2B5EF4-FFF2-40B4-BE49-F238E27FC236}">
+                    <a16:creationId xmlns:a16="http://schemas.microsoft.com/office/drawing/2014/main" id="{373902A1-8B3B-46AB-B8DE-2D4D3E33B5AD}"/>
+                  </a:ext>
+                </a:extLst>
+              </p:cNvPr>
+              <p:cNvSpPr/>
+              <p:nvPr/>
+            </p:nvSpPr>
+            <p:spPr>
+              <a:xfrm>
+                <a:off x="7434008" y="4246943"/>
+                <a:ext cx="45719" cy="45719"/>
+              </a:xfrm>
+              <a:prstGeom prst="ellipse">
+                <a:avLst/>
+              </a:prstGeom>
+              <a:solidFill>
+                <a:schemeClr val="tx1"/>
+              </a:solidFill>
+              <a:ln>
+                <a:noFill/>
+              </a:ln>
+            </p:spPr>
+            <p:style>
+              <a:lnRef idx="2">
+                <a:schemeClr val="accent1">
+                  <a:shade val="50000"/>
+                </a:schemeClr>
+              </a:lnRef>
+              <a:fillRef idx="1">
+                <a:schemeClr val="accent1"/>
+              </a:fillRef>
+              <a:effectRef idx="0">
+                <a:schemeClr val="accent1"/>
+              </a:effectRef>
+              <a:fontRef idx="minor">
+                <a:schemeClr val="lt1"/>
+              </a:fontRef>
+            </p:style>
+            <p:txBody>
+              <a:bodyPr rtlCol="0" anchor="ctr"/>
+              <a:lstStyle/>
+              <a:p>
+                <a:pPr algn="ctr"/>
+                <a:endParaRPr lang="zh-CN" altLang="en-US" u="sng"/>
+              </a:p>
+            </p:txBody>
+          </p:sp>
+        </p:grpSp>
+        <p:grpSp>
+          <p:nvGrpSpPr>
+            <p:cNvPr id="111" name="Group 110"/>
+            <p:cNvGrpSpPr/>
+            <p:nvPr/>
+          </p:nvGrpSpPr>
+          <p:grpSpPr>
+            <a:xfrm>
+              <a:off x="9541019" y="2918208"/>
+              <a:ext cx="2546478" cy="1475301"/>
+              <a:chOff x="4797119" y="2620886"/>
+              <a:chExt cx="2546478" cy="1475301"/>
+            </a:xfrm>
+          </p:grpSpPr>
+          <p:grpSp>
+            <p:nvGrpSpPr>
+              <p:cNvPr id="112" name="组合 49">
+                <a:extLst>
+                  <a:ext uri="{FF2B5EF4-FFF2-40B4-BE49-F238E27FC236}">
+                    <a16:creationId xmlns:a16="http://schemas.microsoft.com/office/drawing/2014/main" id="{C3E490F9-A446-4CE2-8100-06144E1293D8}"/>
+                  </a:ext>
+                </a:extLst>
+              </p:cNvPr>
+              <p:cNvGrpSpPr/>
+              <p:nvPr/>
+            </p:nvGrpSpPr>
+            <p:grpSpPr>
+              <a:xfrm>
+                <a:off x="4797119" y="2620886"/>
+                <a:ext cx="2546478" cy="1475301"/>
+                <a:chOff x="6835081" y="1492668"/>
+                <a:chExt cx="3046059" cy="1764734"/>
+              </a:xfrm>
+            </p:grpSpPr>
+            <p:sp>
+              <p:nvSpPr>
+                <p:cNvPr id="114" name="矩形 51">
+                  <a:extLst>
+                    <a:ext uri="{FF2B5EF4-FFF2-40B4-BE49-F238E27FC236}">
+                      <a16:creationId xmlns:a16="http://schemas.microsoft.com/office/drawing/2014/main" id="{87F4C91F-9669-469C-88CF-C0E011D62BFF}"/>
+                    </a:ext>
+                  </a:extLst>
+                </p:cNvPr>
+                <p:cNvSpPr/>
+                <p:nvPr/>
+              </p:nvSpPr>
+              <p:spPr>
+                <a:xfrm>
+                  <a:off x="6835081" y="1492668"/>
+                  <a:ext cx="3046059" cy="1764734"/>
+                </a:xfrm>
+                <a:prstGeom prst="rect">
+                  <a:avLst/>
+                </a:prstGeom>
+                <a:solidFill>
+                  <a:srgbClr val="777777"/>
+                </a:solidFill>
+                <a:ln>
+                  <a:solidFill>
+                    <a:schemeClr val="tx1">
+                      <a:lumMod val="65000"/>
+                      <a:lumOff val="35000"/>
+                    </a:schemeClr>
+                  </a:solidFill>
+                </a:ln>
+                <a:effectLst>
+                  <a:outerShdw blurRad="50800" dist="38100" dir="2700000" algn="tl" rotWithShape="0">
+                    <a:prstClr val="black">
+                      <a:alpha val="40000"/>
+                    </a:prstClr>
+                  </a:outerShdw>
+                </a:effectLst>
+              </p:spPr>
+              <p:style>
+                <a:lnRef idx="2">
+                  <a:schemeClr val="accent1">
+                    <a:shade val="50000"/>
+                  </a:schemeClr>
+                </a:lnRef>
+                <a:fillRef idx="1">
+                  <a:schemeClr val="accent1"/>
+                </a:fillRef>
+                <a:effectRef idx="0">
+                  <a:schemeClr val="accent1"/>
+                </a:effectRef>
+                <a:fontRef idx="minor">
+                  <a:schemeClr val="lt1"/>
+                </a:fontRef>
+              </p:style>
+              <p:txBody>
+                <a:bodyPr rtlCol="0" anchor="ctr"/>
+                <a:lstStyle/>
+                <a:p>
+                  <a:pPr algn="ctr"/>
+                  <a:endParaRPr lang="zh-CN" altLang="en-US" sz="3200" dirty="0">
+                    <a:solidFill>
+                      <a:schemeClr val="bg1"/>
+                    </a:solidFill>
+                  </a:endParaRPr>
+                </a:p>
+              </p:txBody>
+            </p:sp>
+            <p:sp>
+              <p:nvSpPr>
+                <p:cNvPr id="115" name="文本框 52">
+                  <a:extLst>
+                    <a:ext uri="{FF2B5EF4-FFF2-40B4-BE49-F238E27FC236}">
+                      <a16:creationId xmlns:a16="http://schemas.microsoft.com/office/drawing/2014/main" id="{AC7BA7D6-4E8D-4E42-B1FB-F91026EC653D}"/>
+                    </a:ext>
+                  </a:extLst>
+                </p:cNvPr>
+                <p:cNvSpPr txBox="1"/>
+                <p:nvPr/>
+              </p:nvSpPr>
+              <p:spPr>
+                <a:xfrm>
+                  <a:off x="8200855" y="2182872"/>
+                  <a:ext cx="314507" cy="525017"/>
+                </a:xfrm>
+                <a:prstGeom prst="rect">
+                  <a:avLst/>
+                </a:prstGeom>
+                <a:noFill/>
+              </p:spPr>
+              <p:txBody>
+                <a:bodyPr wrap="square" rtlCol="0">
+                  <a:spAutoFit/>
+                </a:bodyPr>
+                <a:lstStyle/>
+                <a:p>
+                  <a:endParaRPr lang="zh-CN" altLang="en-US" sz="2800" dirty="0">
+                    <a:solidFill>
+                      <a:schemeClr val="bg1"/>
+                    </a:solidFill>
+                  </a:endParaRPr>
+                </a:p>
+              </p:txBody>
+            </p:sp>
+          </p:grpSp>
+          <p:sp>
+            <p:nvSpPr>
+              <p:cNvPr id="113" name="Oval 112"/>
+              <p:cNvSpPr/>
+              <p:nvPr/>
+            </p:nvSpPr>
+            <p:spPr>
+              <a:xfrm flipH="1">
+                <a:off x="6016164" y="3311871"/>
+                <a:ext cx="108796" cy="108796"/>
+              </a:xfrm>
+              <a:prstGeom prst="ellipse">
+                <a:avLst/>
+              </a:prstGeom>
+              <a:noFill/>
+              <a:ln w="19050">
+                <a:solidFill>
+                  <a:schemeClr val="bg1">
+                    <a:lumMod val="85000"/>
+                  </a:schemeClr>
+                </a:solidFill>
+              </a:ln>
+            </p:spPr>
+            <p:style>
+              <a:lnRef idx="2">
+                <a:schemeClr val="accent1">
+                  <a:shade val="50000"/>
+                </a:schemeClr>
+              </a:lnRef>
+              <a:fillRef idx="1">
+                <a:schemeClr val="accent1"/>
+              </a:fillRef>
+              <a:effectRef idx="0">
+                <a:schemeClr val="accent1"/>
+              </a:effectRef>
+              <a:fontRef idx="minor">
+                <a:schemeClr val="lt1"/>
+              </a:fontRef>
+            </p:style>
+            <p:txBody>
+              <a:bodyPr rtlCol="0" anchor="ctr"/>
+              <a:lstStyle/>
+              <a:p>
+                <a:pPr algn="ctr"/>
+                <a:endParaRPr lang="zh-CN" altLang="en-US" dirty="0">
+                  <a:solidFill>
+                    <a:srgbClr val="FF0000"/>
+                  </a:solidFill>
+                </a:endParaRPr>
+              </a:p>
+            </p:txBody>
+          </p:sp>
+        </p:grpSp>
+      </p:grpSp>
+      <p:sp>
+        <p:nvSpPr>
+          <p:cNvPr id="117" name="Oval 116"/>
+          <p:cNvSpPr/>
+          <p:nvPr/>
+        </p:nvSpPr>
+        <p:spPr>
+          <a:xfrm flipH="1">
+            <a:off x="2278604" y="5459232"/>
+            <a:ext cx="108796" cy="108796"/>
+          </a:xfrm>
+          <a:prstGeom prst="ellipse">
+            <a:avLst/>
+          </a:prstGeom>
+          <a:noFill/>
+          <a:ln w="19050">
+            <a:solidFill>
+              <a:schemeClr val="bg1">
+                <a:lumMod val="85000"/>
+              </a:schemeClr>
+            </a:solidFill>
+          </a:ln>
+        </p:spPr>
+        <p:style>
+          <a:lnRef idx="2">
+            <a:schemeClr val="accent1">
+              <a:shade val="50000"/>
+            </a:schemeClr>
+          </a:lnRef>
+          <a:fillRef idx="1">
+            <a:schemeClr val="accent1"/>
+          </a:fillRef>
+          <a:effectRef idx="0">
+            <a:schemeClr val="accent1"/>
+          </a:effectRef>
+          <a:fontRef idx="minor">
+            <a:schemeClr val="lt1"/>
+          </a:fontRef>
+        </p:style>
+        <p:txBody>
+          <a:bodyPr rtlCol="0" anchor="ctr"/>
+          <a:lstStyle/>
+          <a:p>
+            <a:pPr algn="ctr"/>
+            <a:endParaRPr lang="zh-CN" altLang="en-US" dirty="0">
+              <a:solidFill>
+                <a:srgbClr val="FF0000"/>
+              </a:solidFill>
+            </a:endParaRPr>
+          </a:p>
+        </p:txBody>
+      </p:sp>
     </p:spTree>
     <p:extLst>
       <p:ext uri="{BB962C8B-B14F-4D97-AF65-F5344CB8AC3E}">
-        <p14:creationId xmlns:p14="http://schemas.microsoft.com/office/powerpoint/2010/main" val="4212295287"/>
+        <p14:creationId xmlns:p14="http://schemas.microsoft.com/office/powerpoint/2010/main" val="856807901"/>
       </p:ext>
     </p:extLst>
   </p:cSld>
@@ -9716,7 +9455,7 @@
         <p:spPr>
           <a:xfrm>
             <a:off x="2608290" y="2041367"/>
-            <a:ext cx="8045021" cy="3416320"/>
+            <a:ext cx="8045021" cy="2862322"/>
           </a:xfrm>
           <a:prstGeom prst="rect">
             <a:avLst/>
@@ -9751,61 +9490,6 @@
             </a:endParaRPr>
           </a:p>
           <a:p>
-            <a:r>
-              <a:rPr lang="en-US" altLang="zh-CN" dirty="0">
-                <a:solidFill>
-                  <a:schemeClr val="bg1"/>
-                </a:solidFill>
-              </a:rPr>
-              <a:t>	</a:t>
-            </a:r>
-            <a:r>
-              <a:rPr lang="en-US" altLang="zh-CN" dirty="0" smtClean="0">
-                <a:solidFill>
-                  <a:schemeClr val="bg1"/>
-                </a:solidFill>
-              </a:rPr>
-              <a:t>1. </a:t>
-            </a:r>
-            <a:r>
-              <a:rPr lang="zh-CN" altLang="en-US" dirty="0">
-                <a:solidFill>
-                  <a:schemeClr val="bg1"/>
-                </a:solidFill>
-              </a:rPr>
-              <a:t>在整个实验中有</a:t>
-            </a:r>
-            <a:r>
-              <a:rPr lang="en-US" altLang="zh-CN" dirty="0">
-                <a:solidFill>
-                  <a:schemeClr val="bg1"/>
-                </a:solidFill>
-              </a:rPr>
-              <a:t>5</a:t>
-            </a:r>
-            <a:r>
-              <a:rPr lang="zh-CN" altLang="en-US" dirty="0">
-                <a:solidFill>
-                  <a:schemeClr val="bg1"/>
-                </a:solidFill>
-              </a:rPr>
-              <a:t>次休息时间</a:t>
-            </a:r>
-            <a:r>
-              <a:rPr lang="zh-CN" altLang="en-US" dirty="0" smtClean="0">
-                <a:solidFill>
-                  <a:schemeClr val="bg1"/>
-                </a:solidFill>
-              </a:rPr>
-              <a:t>。</a:t>
-            </a:r>
-            <a:endParaRPr lang="en-US" altLang="zh-CN" dirty="0" smtClean="0">
-              <a:solidFill>
-                <a:schemeClr val="bg1"/>
-              </a:solidFill>
-            </a:endParaRPr>
-          </a:p>
-          <a:p>
             <a:endParaRPr lang="en-US" altLang="zh-CN" dirty="0">
               <a:solidFill>
                 <a:schemeClr val="bg1"/>
@@ -9819,7 +9503,7 @@
                   <a:schemeClr val="bg1"/>
                 </a:solidFill>
               </a:rPr>
-              <a:t>	2. </a:t>
+              <a:t>	1. </a:t>
             </a:r>
             <a:r>
               <a:rPr lang="zh-CN" altLang="en-US" dirty="0" smtClean="0">
@@ -9827,7 +9511,7 @@
                   <a:schemeClr val="bg1"/>
                 </a:solidFill>
               </a:rPr>
-              <a:t>正式实验中，每个超时扣除被试费</a:t>
+              <a:t>正式实验中，每个无效试次扣除被试费</a:t>
             </a:r>
             <a:r>
               <a:rPr lang="en-US" altLang="zh-CN" dirty="0" smtClean="0">
@@ -9896,6 +9580,13 @@
                 <a:solidFill>
                   <a:schemeClr val="bg1"/>
                 </a:solidFill>
+                <a:effectLst>
+                  <a:outerShdw blurRad="38100" dist="38100" dir="2700000" algn="tl">
+                    <a:srgbClr val="000000">
+                      <a:alpha val="43137"/>
+                    </a:srgbClr>
+                  </a:outerShdw>
+                </a:effectLst>
               </a:rPr>
               <a:t>抽</a:t>
             </a:r>
@@ -9904,6 +9595,13 @@
                 <a:solidFill>
                   <a:schemeClr val="bg1"/>
                 </a:solidFill>
+                <a:effectLst>
+                  <a:outerShdw blurRad="38100" dist="38100" dir="2700000" algn="tl">
+                    <a:srgbClr val="000000">
+                      <a:alpha val="43137"/>
+                    </a:srgbClr>
+                  </a:outerShdw>
+                </a:effectLst>
               </a:rPr>
               <a:t>出两个</a:t>
             </a:r>
@@ -9977,42 +9675,6 @@
               </a:rPr>
               <a:t>	</a:t>
             </a:r>
-            <a:r>
-              <a:rPr lang="en-US" altLang="zh-CN" dirty="0" smtClean="0">
-                <a:solidFill>
-                  <a:schemeClr val="bg1"/>
-                </a:solidFill>
-              </a:rPr>
-              <a:t>3. </a:t>
-            </a:r>
-            <a:r>
-              <a:rPr lang="zh-CN" altLang="en-US" dirty="0">
-                <a:solidFill>
-                  <a:schemeClr val="bg1"/>
-                </a:solidFill>
-              </a:rPr>
-              <a:t>实</a:t>
-            </a:r>
-            <a:r>
-              <a:rPr lang="zh-CN" altLang="en-US" dirty="0" smtClean="0">
-                <a:solidFill>
-                  <a:schemeClr val="bg1"/>
-                </a:solidFill>
-              </a:rPr>
-              <a:t>验中请将手机放在实验间外，如果要看时间请在休息时询问主试。</a:t>
-            </a:r>
-            <a:endParaRPr lang="en-US" altLang="zh-CN" dirty="0">
-              <a:solidFill>
-                <a:schemeClr val="bg1"/>
-              </a:solidFill>
-            </a:endParaRPr>
-          </a:p>
-          <a:p>
-            <a:endParaRPr lang="en-US" altLang="zh-CN" dirty="0">
-              <a:solidFill>
-                <a:schemeClr val="bg1"/>
-              </a:solidFill>
-            </a:endParaRPr>
           </a:p>
           <a:p>
             <a:endParaRPr lang="en-US" altLang="zh-CN" dirty="0">

--- a/exp/instruction/instruction_gr.pptx
+++ b/exp/instruction/instruction_gr.pptx
@@ -6810,7 +6810,15 @@
                   <a:schemeClr val="bg1"/>
                 </a:solidFill>
               </a:rPr>
-              <a:t>这</a:t>
+              <a:t>当前彩票应</a:t>
+            </a:r>
+            <a:r>
+              <a:rPr lang="zh-CN" altLang="en-US" dirty="0">
+                <a:solidFill>
+                  <a:schemeClr val="bg1"/>
+                </a:solidFill>
+              </a:rPr>
+              <a:t>当</a:t>
             </a:r>
             <a:r>
               <a:rPr lang="zh-CN" altLang="en-US" dirty="0" smtClean="0">
@@ -6818,6 +6826,46 @@
                   <a:schemeClr val="bg1"/>
                 </a:solidFill>
               </a:rPr>
+              <a:t>是</a:t>
+            </a:r>
+            <a:r>
+              <a:rPr lang="zh-CN" altLang="en-US" dirty="0">
+                <a:solidFill>
+                  <a:schemeClr val="bg1"/>
+                </a:solidFill>
+              </a:rPr>
+              <a:t>小圆</a:t>
+            </a:r>
+            <a:r>
+              <a:rPr lang="zh-CN" altLang="en-US" dirty="0" smtClean="0">
+                <a:solidFill>
+                  <a:schemeClr val="bg1"/>
+                </a:solidFill>
+              </a:rPr>
+              <a:t>圈     呈现前对应的</a:t>
+            </a:r>
+            <a:r>
+              <a:rPr lang="zh-CN" altLang="en-US" u="sng" dirty="0" smtClean="0">
+                <a:solidFill>
+                  <a:schemeClr val="bg1"/>
+                </a:solidFill>
+              </a:rPr>
+              <a:t>最</a:t>
+            </a:r>
+            <a:r>
+              <a:rPr lang="zh-CN" altLang="en-US" u="sng" dirty="0">
+                <a:solidFill>
+                  <a:schemeClr val="bg1"/>
+                </a:solidFill>
+              </a:rPr>
+              <a:t>后一</a:t>
+            </a:r>
+            <a:r>
+              <a:rPr lang="zh-CN" altLang="en-US" u="sng" dirty="0" smtClean="0">
+                <a:solidFill>
+                  <a:schemeClr val="bg1"/>
+                </a:solidFill>
+              </a:rPr>
               <a:t>个</a:t>
             </a:r>
             <a:r>
@@ -6826,47 +6874,7 @@
                   <a:schemeClr val="bg1"/>
                 </a:solidFill>
               </a:rPr>
-              <a:t>彩票</a:t>
-            </a:r>
-            <a:r>
-              <a:rPr lang="zh-CN" altLang="en-US" dirty="0" smtClean="0">
-                <a:solidFill>
-                  <a:schemeClr val="bg1"/>
-                </a:solidFill>
-              </a:rPr>
-              <a:t>应</a:t>
-            </a:r>
-            <a:r>
-              <a:rPr lang="zh-CN" altLang="en-US" dirty="0">
-                <a:solidFill>
-                  <a:schemeClr val="bg1"/>
-                </a:solidFill>
-              </a:rPr>
-              <a:t>当是这个试次你看到的</a:t>
-            </a:r>
-            <a:r>
-              <a:rPr lang="zh-CN" altLang="en-US" u="sng" dirty="0">
-                <a:solidFill>
-                  <a:schemeClr val="bg1"/>
-                </a:solidFill>
-              </a:rPr>
-              <a:t>最后一个</a:t>
-            </a:r>
-            <a:r>
-              <a:rPr lang="zh-CN" altLang="en-US" dirty="0">
-                <a:solidFill>
-                  <a:schemeClr val="bg1"/>
-                </a:solidFill>
-              </a:rPr>
-              <a:t>赌</a:t>
-            </a:r>
-            <a:r>
-              <a:rPr lang="zh-CN" altLang="en-US" dirty="0" smtClean="0">
-                <a:solidFill>
-                  <a:schemeClr val="bg1"/>
-                </a:solidFill>
-              </a:rPr>
-              <a:t>博。</a:t>
+              <a:t>彩票。</a:t>
             </a:r>
             <a:endParaRPr lang="en-US" altLang="zh-CN" dirty="0">
               <a:solidFill>
@@ -9360,6 +9368,58 @@
         <p:spPr>
           <a:xfrm flipH="1">
             <a:off x="2278604" y="5459232"/>
+            <a:ext cx="108796" cy="108796"/>
+          </a:xfrm>
+          <a:prstGeom prst="ellipse">
+            <a:avLst/>
+          </a:prstGeom>
+          <a:noFill/>
+          <a:ln w="19050">
+            <a:solidFill>
+              <a:schemeClr val="bg1">
+                <a:lumMod val="85000"/>
+              </a:schemeClr>
+            </a:solidFill>
+          </a:ln>
+        </p:spPr>
+        <p:style>
+          <a:lnRef idx="2">
+            <a:schemeClr val="accent1">
+              <a:shade val="50000"/>
+            </a:schemeClr>
+          </a:lnRef>
+          <a:fillRef idx="1">
+            <a:schemeClr val="accent1"/>
+          </a:fillRef>
+          <a:effectRef idx="0">
+            <a:schemeClr val="accent1"/>
+          </a:effectRef>
+          <a:fontRef idx="minor">
+            <a:schemeClr val="lt1"/>
+          </a:fontRef>
+        </p:style>
+        <p:txBody>
+          <a:bodyPr rtlCol="0" anchor="ctr"/>
+          <a:lstStyle/>
+          <a:p>
+            <a:pPr algn="ctr"/>
+            <a:endParaRPr lang="zh-CN" altLang="en-US" dirty="0">
+              <a:solidFill>
+                <a:srgbClr val="FF0000"/>
+              </a:solidFill>
+            </a:endParaRPr>
+          </a:p>
+        </p:txBody>
+      </p:sp>
+      <p:sp>
+        <p:nvSpPr>
+          <p:cNvPr id="55" name="Oval 54"/>
+          <p:cNvSpPr/>
+          <p:nvPr/>
+        </p:nvSpPr>
+        <p:spPr>
+          <a:xfrm flipH="1">
+            <a:off x="4107198" y="4912268"/>
             <a:ext cx="108796" cy="108796"/>
           </a:xfrm>
           <a:prstGeom prst="ellipse">

--- a/exp/instruction/instruction_gr.pptx
+++ b/exp/instruction/instruction_gr.pptx
@@ -239,7 +239,7 @@
           <a:p>
             <a:fld id="{2C496578-4F2C-4688-9243-EBFE8E25C03A}" type="datetimeFigureOut">
               <a:rPr lang="zh-CN" altLang="en-US" smtClean="0"/>
-              <a:t>2018/11/1</a:t>
+              <a:t>2018/11/9</a:t>
             </a:fld>
             <a:endParaRPr lang="zh-CN" altLang="en-US"/>
           </a:p>
@@ -904,7 +904,7 @@
           <a:p>
             <a:fld id="{E02BEBD4-C5DA-43A4-AF93-7C9EEB60B9E0}" type="datetimeFigureOut">
               <a:rPr lang="zh-CN" altLang="en-US" smtClean="0"/>
-              <a:t>2018/11/1</a:t>
+              <a:t>2018/11/9</a:t>
             </a:fld>
             <a:endParaRPr lang="zh-CN" altLang="en-US"/>
           </a:p>
@@ -1074,7 +1074,7 @@
           <a:p>
             <a:fld id="{E02BEBD4-C5DA-43A4-AF93-7C9EEB60B9E0}" type="datetimeFigureOut">
               <a:rPr lang="zh-CN" altLang="en-US" smtClean="0"/>
-              <a:t>2018/11/1</a:t>
+              <a:t>2018/11/9</a:t>
             </a:fld>
             <a:endParaRPr lang="zh-CN" altLang="en-US"/>
           </a:p>
@@ -1254,7 +1254,7 @@
           <a:p>
             <a:fld id="{E02BEBD4-C5DA-43A4-AF93-7C9EEB60B9E0}" type="datetimeFigureOut">
               <a:rPr lang="zh-CN" altLang="en-US" smtClean="0"/>
-              <a:t>2018/11/1</a:t>
+              <a:t>2018/11/9</a:t>
             </a:fld>
             <a:endParaRPr lang="zh-CN" altLang="en-US"/>
           </a:p>
@@ -1424,7 +1424,7 @@
           <a:p>
             <a:fld id="{E02BEBD4-C5DA-43A4-AF93-7C9EEB60B9E0}" type="datetimeFigureOut">
               <a:rPr lang="zh-CN" altLang="en-US" smtClean="0"/>
-              <a:t>2018/11/1</a:t>
+              <a:t>2018/11/9</a:t>
             </a:fld>
             <a:endParaRPr lang="zh-CN" altLang="en-US"/>
           </a:p>
@@ -1670,7 +1670,7 @@
           <a:p>
             <a:fld id="{E02BEBD4-C5DA-43A4-AF93-7C9EEB60B9E0}" type="datetimeFigureOut">
               <a:rPr lang="zh-CN" altLang="en-US" smtClean="0"/>
-              <a:t>2018/11/1</a:t>
+              <a:t>2018/11/9</a:t>
             </a:fld>
             <a:endParaRPr lang="zh-CN" altLang="en-US"/>
           </a:p>
@@ -1902,7 +1902,7 @@
           <a:p>
             <a:fld id="{E02BEBD4-C5DA-43A4-AF93-7C9EEB60B9E0}" type="datetimeFigureOut">
               <a:rPr lang="zh-CN" altLang="en-US" smtClean="0"/>
-              <a:t>2018/11/1</a:t>
+              <a:t>2018/11/9</a:t>
             </a:fld>
             <a:endParaRPr lang="zh-CN" altLang="en-US"/>
           </a:p>
@@ -2269,7 +2269,7 @@
           <a:p>
             <a:fld id="{E02BEBD4-C5DA-43A4-AF93-7C9EEB60B9E0}" type="datetimeFigureOut">
               <a:rPr lang="zh-CN" altLang="en-US" smtClean="0"/>
-              <a:t>2018/11/1</a:t>
+              <a:t>2018/11/9</a:t>
             </a:fld>
             <a:endParaRPr lang="zh-CN" altLang="en-US"/>
           </a:p>
@@ -2387,7 +2387,7 @@
           <a:p>
             <a:fld id="{E02BEBD4-C5DA-43A4-AF93-7C9EEB60B9E0}" type="datetimeFigureOut">
               <a:rPr lang="zh-CN" altLang="en-US" smtClean="0"/>
-              <a:t>2018/11/1</a:t>
+              <a:t>2018/11/9</a:t>
             </a:fld>
             <a:endParaRPr lang="zh-CN" altLang="en-US"/>
           </a:p>
@@ -2482,7 +2482,7 @@
           <a:p>
             <a:fld id="{E02BEBD4-C5DA-43A4-AF93-7C9EEB60B9E0}" type="datetimeFigureOut">
               <a:rPr lang="zh-CN" altLang="en-US" smtClean="0"/>
-              <a:t>2018/11/1</a:t>
+              <a:t>2018/11/9</a:t>
             </a:fld>
             <a:endParaRPr lang="zh-CN" altLang="en-US"/>
           </a:p>
@@ -2759,7 +2759,7 @@
           <a:p>
             <a:fld id="{E02BEBD4-C5DA-43A4-AF93-7C9EEB60B9E0}" type="datetimeFigureOut">
               <a:rPr lang="zh-CN" altLang="en-US" smtClean="0"/>
-              <a:t>2018/11/1</a:t>
+              <a:t>2018/11/9</a:t>
             </a:fld>
             <a:endParaRPr lang="zh-CN" altLang="en-US"/>
           </a:p>
@@ -3016,7 +3016,7 @@
           <a:p>
             <a:fld id="{E02BEBD4-C5DA-43A4-AF93-7C9EEB60B9E0}" type="datetimeFigureOut">
               <a:rPr lang="zh-CN" altLang="en-US" smtClean="0"/>
-              <a:t>2018/11/1</a:t>
+              <a:t>2018/11/9</a:t>
             </a:fld>
             <a:endParaRPr lang="zh-CN" altLang="en-US"/>
           </a:p>
@@ -3232,7 +3232,7 @@
           <a:p>
             <a:fld id="{E02BEBD4-C5DA-43A4-AF93-7C9EEB60B9E0}" type="datetimeFigureOut">
               <a:rPr lang="zh-CN" altLang="en-US" smtClean="0"/>
-              <a:t>2018/11/1</a:t>
+              <a:t>2018/11/9</a:t>
             </a:fld>
             <a:endParaRPr lang="zh-CN" altLang="en-US"/>
           </a:p>
@@ -3623,6 +3623,14 @@
 <file path=ppt/slides/slide1.xml><?xml version="1.0" encoding="utf-8"?>
 <p:sld xmlns:a="http://schemas.openxmlformats.org/drawingml/2006/main" xmlns:r="http://schemas.openxmlformats.org/officeDocument/2006/relationships" xmlns:p="http://schemas.openxmlformats.org/presentationml/2006/main">
   <p:cSld>
+    <p:bg>
+      <p:bgPr>
+        <a:solidFill>
+          <a:srgbClr val="5A5A5A"/>
+        </a:solidFill>
+        <a:effectLst/>
+      </p:bgPr>
+    </p:bg>
     <p:spTree>
       <p:nvGrpSpPr>
         <p:cNvPr id="1" name=""/>
@@ -3754,6 +3762,14 @@
 <file path=ppt/slides/slide10.xml><?xml version="1.0" encoding="utf-8"?>
 <p:sld xmlns:a="http://schemas.openxmlformats.org/drawingml/2006/main" xmlns:r="http://schemas.openxmlformats.org/officeDocument/2006/relationships" xmlns:p="http://schemas.openxmlformats.org/presentationml/2006/main">
   <p:cSld>
+    <p:bg>
+      <p:bgPr>
+        <a:solidFill>
+          <a:srgbClr val="5A5A5A"/>
+        </a:solidFill>
+        <a:effectLst/>
+      </p:bgPr>
+    </p:bg>
     <p:spTree>
       <p:nvGrpSpPr>
         <p:cNvPr id="1" name=""/>
@@ -3913,6 +3929,14 @@
 <file path=ppt/slides/slide11.xml><?xml version="1.0" encoding="utf-8"?>
 <p:sld xmlns:a="http://schemas.openxmlformats.org/drawingml/2006/main" xmlns:r="http://schemas.openxmlformats.org/officeDocument/2006/relationships" xmlns:p="http://schemas.openxmlformats.org/presentationml/2006/main">
   <p:cSld>
+    <p:bg>
+      <p:bgPr>
+        <a:solidFill>
+          <a:srgbClr val="5A5A5A"/>
+        </a:solidFill>
+        <a:effectLst/>
+      </p:bgPr>
+    </p:bg>
     <p:spTree>
       <p:nvGrpSpPr>
         <p:cNvPr id="1" name=""/>
@@ -4025,6 +4049,14 @@
 <file path=ppt/slides/slide12.xml><?xml version="1.0" encoding="utf-8"?>
 <p:sld xmlns:a="http://schemas.openxmlformats.org/drawingml/2006/main" xmlns:r="http://schemas.openxmlformats.org/officeDocument/2006/relationships" xmlns:p="http://schemas.openxmlformats.org/presentationml/2006/main">
   <p:cSld>
+    <p:bg>
+      <p:bgPr>
+        <a:solidFill>
+          <a:srgbClr val="5A5A5A"/>
+        </a:solidFill>
+        <a:effectLst/>
+      </p:bgPr>
+    </p:bg>
     <p:spTree>
       <p:nvGrpSpPr>
         <p:cNvPr id="1" name=""/>
@@ -4608,6 +4640,14 @@
 <file path=ppt/slides/slide2.xml><?xml version="1.0" encoding="utf-8"?>
 <p:sld xmlns:a="http://schemas.openxmlformats.org/drawingml/2006/main" xmlns:r="http://schemas.openxmlformats.org/officeDocument/2006/relationships" xmlns:p="http://schemas.openxmlformats.org/presentationml/2006/main">
   <p:cSld>
+    <p:bg>
+      <p:bgPr>
+        <a:solidFill>
+          <a:srgbClr val="5A5A5A"/>
+        </a:solidFill>
+        <a:effectLst/>
+      </p:bgPr>
+    </p:bg>
     <p:spTree>
       <p:nvGrpSpPr>
         <p:cNvPr id="1" name=""/>
@@ -4970,6 +5010,14 @@
 <file path=ppt/slides/slide3.xml><?xml version="1.0" encoding="utf-8"?>
 <p:sld xmlns:a="http://schemas.openxmlformats.org/drawingml/2006/main" xmlns:r="http://schemas.openxmlformats.org/officeDocument/2006/relationships" xmlns:p="http://schemas.openxmlformats.org/presentationml/2006/main">
   <p:cSld>
+    <p:bg>
+      <p:bgPr>
+        <a:solidFill>
+          <a:srgbClr val="5A5A5A"/>
+        </a:solidFill>
+        <a:effectLst/>
+      </p:bgPr>
+    </p:bg>
     <p:spTree>
       <p:nvGrpSpPr>
         <p:cNvPr id="1" name=""/>
@@ -5343,7 +5391,7 @@
             <a:r>
               <a:rPr lang="en-US" altLang="zh-CN" dirty="0">
                 <a:solidFill>
-                  <a:srgbClr val="FF0000"/>
+                  <a:srgbClr val="00C800"/>
                 </a:solidFill>
                 <a:effectLst>
                   <a:outerShdw blurRad="38100" dist="38100" dir="2700000" algn="tl">
@@ -5366,7 +5414,7 @@
             <a:r>
               <a:rPr lang="en-US" altLang="zh-CN" dirty="0">
                 <a:solidFill>
-                  <a:srgbClr val="00FF00"/>
+                  <a:srgbClr val="FF0000"/>
                 </a:solidFill>
                 <a:effectLst>
                   <a:outerShdw blurRad="38100" dist="38100" dir="2700000" algn="tl">
@@ -5397,45 +5445,7 @@
             <a:r>
               <a:rPr lang="en-US" altLang="zh-CN" dirty="0" smtClean="0">
                 <a:solidFill>
-                  <a:srgbClr val="FFFF00"/>
-                </a:solidFill>
-              </a:rPr>
-              <a:t>0</a:t>
-            </a:r>
-            <a:r>
-              <a:rPr lang="zh-CN" altLang="en-US" dirty="0" smtClean="0">
-                <a:solidFill>
-                  <a:schemeClr val="bg1"/>
-                </a:solidFill>
-              </a:rPr>
-              <a:t>”表示无得失</a:t>
-            </a:r>
-            <a:endParaRPr lang="en-US" altLang="zh-CN" dirty="0" smtClean="0">
-              <a:solidFill>
-                <a:schemeClr val="bg1"/>
-              </a:solidFill>
-            </a:endParaRPr>
-          </a:p>
-          <a:p>
-            <a:endParaRPr lang="en-US" altLang="zh-CN" dirty="0">
-              <a:solidFill>
-                <a:schemeClr val="bg1"/>
-              </a:solidFill>
-            </a:endParaRPr>
-          </a:p>
-          <a:p>
-            <a:r>
-              <a:rPr lang="zh-CN" altLang="en-US" dirty="0">
-                <a:solidFill>
-                  <a:schemeClr val="bg1"/>
-                </a:solidFill>
-              </a:rPr>
-              <a:t>这里以“</a:t>
-            </a:r>
-            <a:r>
-              <a:rPr lang="en-US" altLang="zh-CN" dirty="0" smtClean="0">
-                <a:solidFill>
-                  <a:srgbClr val="FF0000"/>
+                  <a:srgbClr val="C8C800"/>
                 </a:solidFill>
                 <a:effectLst>
                   <a:outerShdw blurRad="38100" dist="38100" dir="2700000" algn="tl">
@@ -5445,12 +5455,57 @@
                   </a:outerShdw>
                 </a:effectLst>
               </a:rPr>
+              <a:t>0</a:t>
+            </a:r>
+            <a:r>
+              <a:rPr lang="zh-CN" altLang="en-US" dirty="0" smtClean="0">
+                <a:solidFill>
+                  <a:schemeClr val="bg1"/>
+                </a:solidFill>
+              </a:rPr>
+              <a:t>”表示无得失</a:t>
+            </a:r>
+            <a:endParaRPr lang="en-US" altLang="zh-CN" dirty="0" smtClean="0">
+              <a:solidFill>
+                <a:schemeClr val="bg1"/>
+              </a:solidFill>
+            </a:endParaRPr>
+          </a:p>
+          <a:p>
+            <a:endParaRPr lang="en-US" altLang="zh-CN" dirty="0">
+              <a:solidFill>
+                <a:schemeClr val="bg1"/>
+              </a:solidFill>
+            </a:endParaRPr>
+          </a:p>
+          <a:p>
+            <a:r>
+              <a:rPr lang="zh-CN" altLang="en-US" dirty="0">
+                <a:solidFill>
+                  <a:schemeClr val="bg1"/>
+                </a:solidFill>
+              </a:rPr>
+              <a:t>这里以“</a:t>
+            </a:r>
+            <a:r>
+              <a:rPr lang="en-US" altLang="zh-CN" dirty="0" smtClean="0">
+                <a:solidFill>
+                  <a:srgbClr val="00C800"/>
+                </a:solidFill>
+                <a:effectLst>
+                  <a:outerShdw blurRad="38100" dist="38100" dir="2700000" algn="tl">
+                    <a:srgbClr val="000000">
+                      <a:alpha val="43137"/>
+                    </a:srgbClr>
+                  </a:outerShdw>
+                </a:effectLst>
+              </a:rPr>
               <a:t>+</a:t>
             </a:r>
             <a:r>
               <a:rPr lang="en-US" altLang="zh-CN" dirty="0">
                 <a:solidFill>
-                  <a:srgbClr val="FF0000"/>
+                  <a:srgbClr val="00C800"/>
                 </a:solidFill>
                 <a:effectLst>
                   <a:outerShdw blurRad="38100" dist="38100" dir="2700000" algn="tl">
@@ -5812,7 +5867,7 @@
               <a:avLst/>
             </a:prstGeom>
             <a:solidFill>
-              <a:srgbClr val="777777"/>
+              <a:srgbClr val="5A5A5A"/>
             </a:solidFill>
             <a:ln>
               <a:solidFill>
@@ -5906,14 +5961,14 @@
               <a:r>
                 <a:rPr lang="en-US" altLang="zh-CN" dirty="0" smtClean="0">
                   <a:solidFill>
-                    <a:srgbClr val="FF0000"/>
+                    <a:srgbClr val="00C800"/>
                   </a:solidFill>
                 </a:rPr>
                 <a:t>+2</a:t>
               </a:r>
               <a:endParaRPr lang="zh-CN" altLang="en-US" dirty="0">
                 <a:solidFill>
-                  <a:srgbClr val="FF0000"/>
+                  <a:srgbClr val="00C800"/>
                 </a:solidFill>
               </a:endParaRPr>
             </a:p>
@@ -5975,7 +6030,7 @@
                 <a:avLst/>
               </a:prstGeom>
               <a:solidFill>
-                <a:srgbClr val="777777"/>
+                <a:srgbClr val="5A5A5A"/>
               </a:solidFill>
               <a:ln>
                 <a:solidFill>
@@ -6137,7 +6192,7 @@
               <a:r>
                 <a:rPr lang="en-US" altLang="zh-CN" dirty="0" smtClean="0">
                   <a:solidFill>
-                    <a:srgbClr val="00FF00"/>
+                    <a:srgbClr val="FF0000"/>
                   </a:solidFill>
                 </a:rPr>
                 <a:t>-3</a:t>
@@ -6149,14 +6204,14 @@
               <a:r>
                 <a:rPr lang="en-US" altLang="zh-CN" dirty="0" smtClean="0">
                   <a:solidFill>
-                    <a:srgbClr val="FF0000"/>
+                    <a:srgbClr val="00C800"/>
                   </a:solidFill>
                 </a:rPr>
                 <a:t>+9</a:t>
               </a:r>
               <a:endParaRPr lang="zh-CN" altLang="en-US" dirty="0">
                 <a:solidFill>
-                  <a:srgbClr val="FF0000"/>
+                  <a:srgbClr val="00C800"/>
                 </a:solidFill>
               </a:endParaRPr>
             </a:p>
@@ -6278,6 +6333,14 @@
 <file path=ppt/slides/slide4.xml><?xml version="1.0" encoding="utf-8"?>
 <p:sld xmlns:a="http://schemas.openxmlformats.org/drawingml/2006/main" xmlns:r="http://schemas.openxmlformats.org/officeDocument/2006/relationships" xmlns:p="http://schemas.openxmlformats.org/presentationml/2006/main">
   <p:cSld>
+    <p:bg>
+      <p:bgPr>
+        <a:solidFill>
+          <a:srgbClr val="5A5A5A"/>
+        </a:solidFill>
+        <a:effectLst/>
+      </p:bgPr>
+    </p:bg>
     <p:spTree>
       <p:nvGrpSpPr>
         <p:cNvPr id="1" name=""/>
@@ -6810,15 +6873,7 @@
                   <a:schemeClr val="bg1"/>
                 </a:solidFill>
               </a:rPr>
-              <a:t>当前彩票应</a:t>
-            </a:r>
-            <a:r>
-              <a:rPr lang="zh-CN" altLang="en-US" dirty="0">
-                <a:solidFill>
-                  <a:schemeClr val="bg1"/>
-                </a:solidFill>
-              </a:rPr>
-              <a:t>当</a:t>
+              <a:t>当前彩票应当</a:t>
             </a:r>
             <a:r>
               <a:rPr lang="zh-CN" altLang="en-US" dirty="0" smtClean="0">
@@ -7735,7 +7790,29 @@
                     </a:schemeClr>
                   </a:solidFill>
                 </a:rPr>
-                <a:t>固定奖励</a:t>
+                <a:t>固</a:t>
+              </a:r>
+              <a:r>
+                <a:rPr lang="zh-CN" altLang="en-US" dirty="0" smtClean="0">
+                  <a:solidFill>
+                    <a:schemeClr val="tx1">
+                      <a:lumMod val="75000"/>
+                      <a:lumOff val="25000"/>
+                    </a:schemeClr>
+                  </a:solidFill>
+                </a:rPr>
+                <a:t>定</a:t>
+              </a:r>
+              <a:r>
+                <a:rPr lang="zh-CN" altLang="en-US" dirty="0">
+                  <a:solidFill>
+                    <a:schemeClr val="tx1">
+                      <a:lumMod val="75000"/>
+                      <a:lumOff val="25000"/>
+                    </a:schemeClr>
+                  </a:solidFill>
+                </a:rPr>
+                <a:t>得失</a:t>
               </a:r>
               <a:endParaRPr lang="zh-CN" altLang="en-US" dirty="0">
                 <a:solidFill>
@@ -7881,7 +7958,7 @@
                   <a:avLst/>
                 </a:prstGeom>
                 <a:solidFill>
-                  <a:srgbClr val="777777"/>
+                  <a:srgbClr val="5A5A5A"/>
                 </a:solidFill>
                 <a:ln>
                   <a:solidFill>
@@ -8053,7 +8130,7 @@
                 <a:avLst/>
               </a:prstGeom>
               <a:solidFill>
-                <a:srgbClr val="777777"/>
+                <a:srgbClr val="5A5A5A"/>
               </a:solidFill>
               <a:ln>
                 <a:solidFill>
@@ -8147,14 +8224,14 @@
                 <a:r>
                   <a:rPr lang="en-US" altLang="zh-CN" dirty="0" smtClean="0">
                     <a:solidFill>
-                      <a:srgbClr val="FF0000"/>
+                      <a:srgbClr val="00C800"/>
                     </a:solidFill>
                   </a:rPr>
                   <a:t>+2</a:t>
                 </a:r>
                 <a:endParaRPr lang="zh-CN" altLang="en-US" dirty="0">
                   <a:solidFill>
-                    <a:srgbClr val="FF0000"/>
+                    <a:srgbClr val="00C800"/>
                   </a:solidFill>
                 </a:endParaRPr>
               </a:p>
@@ -8216,7 +8293,7 @@
                   <a:avLst/>
                 </a:prstGeom>
                 <a:solidFill>
-                  <a:srgbClr val="777777"/>
+                  <a:srgbClr val="5A5A5A"/>
                 </a:solidFill>
                 <a:ln>
                   <a:solidFill>
@@ -8378,26 +8455,22 @@
                 <a:r>
                   <a:rPr lang="en-US" altLang="zh-CN" dirty="0" smtClean="0">
                     <a:solidFill>
-                      <a:srgbClr val="00FF00"/>
+                      <a:srgbClr val="FF0000"/>
                     </a:solidFill>
                   </a:rPr>
                   <a:t>-8</a:t>
                 </a:r>
                 <a:r>
-                  <a:rPr lang="en-US" altLang="zh-CN" dirty="0" smtClean="0"/>
-                  <a:t>    </a:t>
-                </a:r>
-                <a:r>
                   <a:rPr lang="en-US" altLang="zh-CN" dirty="0" smtClean="0">
                     <a:solidFill>
-                      <a:srgbClr val="FF0000"/>
+                      <a:srgbClr val="00C800"/>
                     </a:solidFill>
                   </a:rPr>
-                  <a:t>+2</a:t>
+                  <a:t>    +2</a:t>
                 </a:r>
                 <a:endParaRPr lang="zh-CN" altLang="en-US" dirty="0">
                   <a:solidFill>
-                    <a:srgbClr val="FF0000"/>
+                    <a:srgbClr val="00C800"/>
                   </a:solidFill>
                 </a:endParaRPr>
               </a:p>
@@ -8551,7 +8624,7 @@
                   <a:avLst/>
                 </a:prstGeom>
                 <a:solidFill>
-                  <a:srgbClr val="777777"/>
+                  <a:srgbClr val="5A5A5A"/>
                 </a:solidFill>
                 <a:ln>
                   <a:solidFill>
@@ -8713,7 +8786,7 @@
                 <a:r>
                   <a:rPr lang="en-US" altLang="zh-CN" dirty="0" smtClean="0">
                     <a:solidFill>
-                      <a:srgbClr val="00FF00"/>
+                      <a:srgbClr val="FF0000"/>
                     </a:solidFill>
                   </a:rPr>
                   <a:t>-5</a:t>
@@ -8725,14 +8798,14 @@
                 <a:r>
                   <a:rPr lang="en-US" altLang="zh-CN" dirty="0" smtClean="0">
                     <a:solidFill>
-                      <a:srgbClr val="FF0000"/>
+                      <a:srgbClr val="00C800"/>
                     </a:solidFill>
                   </a:rPr>
                   <a:t>+5</a:t>
                 </a:r>
                 <a:endParaRPr lang="zh-CN" altLang="en-US" dirty="0">
                   <a:solidFill>
-                    <a:srgbClr val="FF0000"/>
+                    <a:srgbClr val="00C800"/>
                   </a:solidFill>
                 </a:endParaRPr>
               </a:p>
@@ -8886,7 +8959,7 @@
                   <a:avLst/>
                 </a:prstGeom>
                 <a:solidFill>
-                  <a:srgbClr val="777777"/>
+                  <a:srgbClr val="5A5A5A"/>
                 </a:solidFill>
                 <a:ln>
                   <a:solidFill>
@@ -9048,26 +9121,22 @@
                 <a:r>
                   <a:rPr lang="en-US" altLang="zh-CN" dirty="0" smtClean="0">
                     <a:solidFill>
-                      <a:srgbClr val="00FF00"/>
+                      <a:srgbClr val="FF0000"/>
                     </a:solidFill>
                   </a:rPr>
                   <a:t>-3</a:t>
                 </a:r>
                 <a:r>
-                  <a:rPr lang="en-US" altLang="zh-CN" dirty="0" smtClean="0"/>
-                  <a:t>    </a:t>
-                </a:r>
-                <a:r>
                   <a:rPr lang="en-US" altLang="zh-CN" dirty="0" smtClean="0">
                     <a:solidFill>
-                      <a:srgbClr val="FF0000"/>
+                      <a:srgbClr val="00C800"/>
                     </a:solidFill>
                   </a:rPr>
-                  <a:t>+9</a:t>
+                  <a:t>    +9</a:t>
                 </a:r>
                 <a:endParaRPr lang="zh-CN" altLang="en-US" dirty="0">
                   <a:solidFill>
-                    <a:srgbClr val="FF0000"/>
+                    <a:srgbClr val="00C800"/>
                   </a:solidFill>
                 </a:endParaRPr>
               </a:p>
@@ -9221,7 +9290,7 @@
                   <a:avLst/>
                 </a:prstGeom>
                 <a:solidFill>
-                  <a:srgbClr val="777777"/>
+                  <a:srgbClr val="5A5A5A"/>
                 </a:solidFill>
                 <a:ln>
                   <a:solidFill>
@@ -9486,6 +9555,14 @@
 <file path=ppt/slides/slide5.xml><?xml version="1.0" encoding="utf-8"?>
 <p:sld xmlns:a="http://schemas.openxmlformats.org/drawingml/2006/main" xmlns:r="http://schemas.openxmlformats.org/officeDocument/2006/relationships" xmlns:p="http://schemas.openxmlformats.org/presentationml/2006/main">
   <p:cSld>
+    <p:bg>
+      <p:bgPr>
+        <a:solidFill>
+          <a:srgbClr val="5A5A5A"/>
+        </a:solidFill>
+        <a:effectLst/>
+      </p:bgPr>
+    </p:bg>
     <p:spTree>
       <p:nvGrpSpPr>
         <p:cNvPr id="1" name=""/>
@@ -9514,8 +9591,8 @@
         </p:nvSpPr>
         <p:spPr>
           <a:xfrm>
-            <a:off x="2608290" y="2041367"/>
-            <a:ext cx="8045021" cy="2862322"/>
+            <a:off x="2522373" y="2397308"/>
+            <a:ext cx="8045021" cy="2031325"/>
           </a:xfrm>
           <a:prstGeom prst="rect">
             <a:avLst/>
@@ -9534,7 +9611,15 @@
                   <a:schemeClr val="bg1"/>
                 </a:solidFill>
               </a:rPr>
-              <a:t>另外一些细节：</a:t>
+              <a:t>注意</a:t>
+            </a:r>
+            <a:r>
+              <a:rPr lang="zh-CN" altLang="en-US" dirty="0" smtClean="0">
+                <a:solidFill>
+                  <a:schemeClr val="bg1"/>
+                </a:solidFill>
+              </a:rPr>
+              <a:t>：</a:t>
             </a:r>
             <a:endParaRPr lang="en-US" altLang="zh-CN" dirty="0">
               <a:solidFill>
@@ -9558,12 +9643,12 @@
           </a:p>
           <a:p>
             <a:r>
-              <a:rPr lang="en-US" altLang="zh-CN" dirty="0" smtClean="0">
-                <a:solidFill>
-                  <a:schemeClr val="bg1"/>
-                </a:solidFill>
-              </a:rPr>
-              <a:t>	1. </a:t>
+              <a:rPr lang="en-US" altLang="zh-CN" dirty="0">
+                <a:solidFill>
+                  <a:schemeClr val="bg1"/>
+                </a:solidFill>
+              </a:rPr>
+              <a:t>	</a:t>
             </a:r>
             <a:r>
               <a:rPr lang="zh-CN" altLang="en-US" dirty="0" smtClean="0">
@@ -9571,53 +9656,7 @@
                   <a:schemeClr val="bg1"/>
                 </a:solidFill>
               </a:rPr>
-              <a:t>正式实验中，每个无效试次扣除被试费</a:t>
-            </a:r>
-            <a:r>
-              <a:rPr lang="en-US" altLang="zh-CN" dirty="0" smtClean="0">
-                <a:solidFill>
-                  <a:schemeClr val="bg1"/>
-                </a:solidFill>
-              </a:rPr>
-              <a:t>1</a:t>
-            </a:r>
-            <a:r>
-              <a:rPr lang="zh-CN" altLang="en-US" dirty="0" smtClean="0">
-                <a:solidFill>
-                  <a:schemeClr val="bg1"/>
-                </a:solidFill>
-              </a:rPr>
-              <a:t>元。</a:t>
-            </a:r>
-            <a:endParaRPr lang="en-US" altLang="zh-CN" dirty="0">
-              <a:solidFill>
-                <a:schemeClr val="bg1"/>
-              </a:solidFill>
-            </a:endParaRPr>
-          </a:p>
-          <a:p>
-            <a:endParaRPr lang="en-US" altLang="zh-CN" dirty="0">
-              <a:solidFill>
-                <a:schemeClr val="bg1"/>
-              </a:solidFill>
-            </a:endParaRPr>
-          </a:p>
-          <a:p>
-            <a:r>
-              <a:rPr lang="en-US" altLang="zh-CN" dirty="0">
-                <a:solidFill>
-                  <a:schemeClr val="bg1"/>
-                </a:solidFill>
-              </a:rPr>
-              <a:t>	</a:t>
-            </a:r>
-            <a:r>
-              <a:rPr lang="en-US" altLang="zh-CN" dirty="0" smtClean="0">
-                <a:solidFill>
-                  <a:schemeClr val="bg1"/>
-                </a:solidFill>
-              </a:rPr>
-              <a:t>2. </a:t>
+              <a:t>实</a:t>
             </a:r>
             <a:r>
               <a:rPr lang="zh-CN" altLang="en-US" dirty="0">
@@ -9625,7 +9664,7 @@
                   <a:schemeClr val="bg1"/>
                 </a:solidFill>
               </a:rPr>
-              <a:t>实验结束后会从所</a:t>
+              <a:t>验结束后会从所</a:t>
             </a:r>
             <a:r>
               <a:rPr lang="zh-CN" altLang="en-US" dirty="0" smtClean="0">
@@ -9725,16 +9764,6 @@
                 <a:schemeClr val="bg1"/>
               </a:solidFill>
             </a:endParaRPr>
-          </a:p>
-          <a:p>
-            <a:r>
-              <a:rPr lang="en-US" altLang="zh-CN" dirty="0">
-                <a:solidFill>
-                  <a:schemeClr val="bg1"/>
-                </a:solidFill>
-              </a:rPr>
-              <a:t>	</a:t>
-            </a:r>
           </a:p>
           <a:p>
             <a:endParaRPr lang="en-US" altLang="zh-CN" dirty="0">
@@ -9919,6 +9948,14 @@
 <file path=ppt/slides/slide6.xml><?xml version="1.0" encoding="utf-8"?>
 <p:sld xmlns:a="http://schemas.openxmlformats.org/drawingml/2006/main" xmlns:r="http://schemas.openxmlformats.org/officeDocument/2006/relationships" xmlns:p="http://schemas.openxmlformats.org/presentationml/2006/main">
   <p:cSld>
+    <p:bg>
+      <p:bgPr>
+        <a:solidFill>
+          <a:srgbClr val="5A5A5A"/>
+        </a:solidFill>
+        <a:effectLst/>
+      </p:bgPr>
+    </p:bg>
     <p:spTree>
       <p:nvGrpSpPr>
         <p:cNvPr id="1" name=""/>
@@ -10070,6 +10107,14 @@
 <file path=ppt/slides/slide7.xml><?xml version="1.0" encoding="utf-8"?>
 <p:sld xmlns:a="http://schemas.openxmlformats.org/drawingml/2006/main" xmlns:r="http://schemas.openxmlformats.org/officeDocument/2006/relationships" xmlns:p="http://schemas.openxmlformats.org/presentationml/2006/main">
   <p:cSld>
+    <p:bg>
+      <p:bgPr>
+        <a:solidFill>
+          <a:srgbClr val="5A5A5A"/>
+        </a:solidFill>
+        <a:effectLst/>
+      </p:bgPr>
+    </p:bg>
     <p:spTree>
       <p:nvGrpSpPr>
         <p:cNvPr id="1" name=""/>
@@ -10244,6 +10289,14 @@
 <file path=ppt/slides/slide8.xml><?xml version="1.0" encoding="utf-8"?>
 <p:sld xmlns:a="http://schemas.openxmlformats.org/drawingml/2006/main" xmlns:r="http://schemas.openxmlformats.org/officeDocument/2006/relationships" xmlns:p="http://schemas.openxmlformats.org/presentationml/2006/main">
   <p:cSld>
+    <p:bg>
+      <p:bgPr>
+        <a:solidFill>
+          <a:srgbClr val="5A5A5A"/>
+        </a:solidFill>
+        <a:effectLst/>
+      </p:bgPr>
+    </p:bg>
     <p:spTree>
       <p:nvGrpSpPr>
         <p:cNvPr id="1" name=""/>
@@ -10418,6 +10471,14 @@
 <file path=ppt/slides/slide9.xml><?xml version="1.0" encoding="utf-8"?>
 <p:sld xmlns:a="http://schemas.openxmlformats.org/drawingml/2006/main" xmlns:r="http://schemas.openxmlformats.org/officeDocument/2006/relationships" xmlns:p="http://schemas.openxmlformats.org/presentationml/2006/main">
   <p:cSld>
+    <p:bg>
+      <p:bgPr>
+        <a:solidFill>
+          <a:srgbClr val="5A5A5A"/>
+        </a:solidFill>
+        <a:effectLst/>
+      </p:bgPr>
+    </p:bg>
     <p:spTree>
       <p:nvGrpSpPr>
         <p:cNvPr id="1" name=""/>

--- a/exp/instruction/instruction_gr.pptx
+++ b/exp/instruction/instruction_gr.pptx
@@ -239,7 +239,7 @@
           <a:p>
             <a:fld id="{2C496578-4F2C-4688-9243-EBFE8E25C03A}" type="datetimeFigureOut">
               <a:rPr lang="zh-CN" altLang="en-US" smtClean="0"/>
-              <a:t>2018/11/9</a:t>
+              <a:t>2018/12/13</a:t>
             </a:fld>
             <a:endParaRPr lang="zh-CN" altLang="en-US"/>
           </a:p>
@@ -904,7 +904,7 @@
           <a:p>
             <a:fld id="{E02BEBD4-C5DA-43A4-AF93-7C9EEB60B9E0}" type="datetimeFigureOut">
               <a:rPr lang="zh-CN" altLang="en-US" smtClean="0"/>
-              <a:t>2018/11/9</a:t>
+              <a:t>2018/12/13</a:t>
             </a:fld>
             <a:endParaRPr lang="zh-CN" altLang="en-US"/>
           </a:p>
@@ -1074,7 +1074,7 @@
           <a:p>
             <a:fld id="{E02BEBD4-C5DA-43A4-AF93-7C9EEB60B9E0}" type="datetimeFigureOut">
               <a:rPr lang="zh-CN" altLang="en-US" smtClean="0"/>
-              <a:t>2018/11/9</a:t>
+              <a:t>2018/12/13</a:t>
             </a:fld>
             <a:endParaRPr lang="zh-CN" altLang="en-US"/>
           </a:p>
@@ -1254,7 +1254,7 @@
           <a:p>
             <a:fld id="{E02BEBD4-C5DA-43A4-AF93-7C9EEB60B9E0}" type="datetimeFigureOut">
               <a:rPr lang="zh-CN" altLang="en-US" smtClean="0"/>
-              <a:t>2018/11/9</a:t>
+              <a:t>2018/12/13</a:t>
             </a:fld>
             <a:endParaRPr lang="zh-CN" altLang="en-US"/>
           </a:p>
@@ -1424,7 +1424,7 @@
           <a:p>
             <a:fld id="{E02BEBD4-C5DA-43A4-AF93-7C9EEB60B9E0}" type="datetimeFigureOut">
               <a:rPr lang="zh-CN" altLang="en-US" smtClean="0"/>
-              <a:t>2018/11/9</a:t>
+              <a:t>2018/12/13</a:t>
             </a:fld>
             <a:endParaRPr lang="zh-CN" altLang="en-US"/>
           </a:p>
@@ -1670,7 +1670,7 @@
           <a:p>
             <a:fld id="{E02BEBD4-C5DA-43A4-AF93-7C9EEB60B9E0}" type="datetimeFigureOut">
               <a:rPr lang="zh-CN" altLang="en-US" smtClean="0"/>
-              <a:t>2018/11/9</a:t>
+              <a:t>2018/12/13</a:t>
             </a:fld>
             <a:endParaRPr lang="zh-CN" altLang="en-US"/>
           </a:p>
@@ -1902,7 +1902,7 @@
           <a:p>
             <a:fld id="{E02BEBD4-C5DA-43A4-AF93-7C9EEB60B9E0}" type="datetimeFigureOut">
               <a:rPr lang="zh-CN" altLang="en-US" smtClean="0"/>
-              <a:t>2018/11/9</a:t>
+              <a:t>2018/12/13</a:t>
             </a:fld>
             <a:endParaRPr lang="zh-CN" altLang="en-US"/>
           </a:p>
@@ -2269,7 +2269,7 @@
           <a:p>
             <a:fld id="{E02BEBD4-C5DA-43A4-AF93-7C9EEB60B9E0}" type="datetimeFigureOut">
               <a:rPr lang="zh-CN" altLang="en-US" smtClean="0"/>
-              <a:t>2018/11/9</a:t>
+              <a:t>2018/12/13</a:t>
             </a:fld>
             <a:endParaRPr lang="zh-CN" altLang="en-US"/>
           </a:p>
@@ -2387,7 +2387,7 @@
           <a:p>
             <a:fld id="{E02BEBD4-C5DA-43A4-AF93-7C9EEB60B9E0}" type="datetimeFigureOut">
               <a:rPr lang="zh-CN" altLang="en-US" smtClean="0"/>
-              <a:t>2018/11/9</a:t>
+              <a:t>2018/12/13</a:t>
             </a:fld>
             <a:endParaRPr lang="zh-CN" altLang="en-US"/>
           </a:p>
@@ -2482,7 +2482,7 @@
           <a:p>
             <a:fld id="{E02BEBD4-C5DA-43A4-AF93-7C9EEB60B9E0}" type="datetimeFigureOut">
               <a:rPr lang="zh-CN" altLang="en-US" smtClean="0"/>
-              <a:t>2018/11/9</a:t>
+              <a:t>2018/12/13</a:t>
             </a:fld>
             <a:endParaRPr lang="zh-CN" altLang="en-US"/>
           </a:p>
@@ -2759,7 +2759,7 @@
           <a:p>
             <a:fld id="{E02BEBD4-C5DA-43A4-AF93-7C9EEB60B9E0}" type="datetimeFigureOut">
               <a:rPr lang="zh-CN" altLang="en-US" smtClean="0"/>
-              <a:t>2018/11/9</a:t>
+              <a:t>2018/12/13</a:t>
             </a:fld>
             <a:endParaRPr lang="zh-CN" altLang="en-US"/>
           </a:p>
@@ -3016,7 +3016,7 @@
           <a:p>
             <a:fld id="{E02BEBD4-C5DA-43A4-AF93-7C9EEB60B9E0}" type="datetimeFigureOut">
               <a:rPr lang="zh-CN" altLang="en-US" smtClean="0"/>
-              <a:t>2018/11/9</a:t>
+              <a:t>2018/12/13</a:t>
             </a:fld>
             <a:endParaRPr lang="zh-CN" altLang="en-US"/>
           </a:p>
@@ -3232,7 +3232,7 @@
           <a:p>
             <a:fld id="{E02BEBD4-C5DA-43A4-AF93-7C9EEB60B9E0}" type="datetimeFigureOut">
               <a:rPr lang="zh-CN" altLang="en-US" smtClean="0"/>
-              <a:t>2018/11/9</a:t>
+              <a:t>2018/12/13</a:t>
             </a:fld>
             <a:endParaRPr lang="zh-CN" altLang="en-US"/>
           </a:p>
@@ -4177,7 +4177,23 @@
                   <a:schemeClr val="bg1"/>
                 </a:solidFill>
               </a:rPr>
-              <a:t>	+60</a:t>
+              <a:t>	</a:t>
+            </a:r>
+            <a:r>
+              <a:rPr lang="en-US" altLang="zh-CN" sz="2800" dirty="0" smtClean="0">
+                <a:solidFill>
+                  <a:schemeClr val="bg1"/>
+                </a:solidFill>
+              </a:rPr>
+              <a:t>+</a:t>
+            </a:r>
+            <a:r>
+              <a:rPr lang="en-US" altLang="zh-CN" sz="2800" dirty="0" smtClean="0">
+                <a:solidFill>
+                  <a:schemeClr val="bg1"/>
+                </a:solidFill>
+              </a:rPr>
+              <a:t>45</a:t>
             </a:r>
             <a:r>
               <a:rPr lang="zh-CN" altLang="en-US" sz="2800" dirty="0" smtClean="0">
@@ -4759,15 +4775,7 @@
                   <a:schemeClr val="bg1"/>
                 </a:solidFill>
               </a:rPr>
-              <a:t>时</a:t>
-            </a:r>
-            <a:r>
-              <a:rPr lang="en-US" altLang="zh-CN" dirty="0" smtClean="0">
-                <a:solidFill>
-                  <a:schemeClr val="bg1"/>
-                </a:solidFill>
-              </a:rPr>
-              <a:t>(</a:t>
+              <a:t>时，</a:t>
             </a:r>
             <a:r>
               <a:rPr lang="zh-CN" altLang="en-US" dirty="0" smtClean="0">
@@ -4775,39 +4783,7 @@
                   <a:schemeClr val="bg1"/>
                 </a:solidFill>
               </a:rPr>
-              <a:t>共</a:t>
-            </a:r>
-            <a:r>
-              <a:rPr lang="en-US" altLang="zh-CN" dirty="0" smtClean="0">
-                <a:solidFill>
-                  <a:schemeClr val="bg1"/>
-                </a:solidFill>
-              </a:rPr>
-              <a:t>5</a:t>
-            </a:r>
-            <a:r>
-              <a:rPr lang="zh-CN" altLang="en-US" dirty="0" smtClean="0">
-                <a:solidFill>
-                  <a:schemeClr val="bg1"/>
-                </a:solidFill>
-              </a:rPr>
-              <a:t>次</a:t>
-            </a:r>
-            <a:r>
-              <a:rPr lang="en-US" altLang="zh-CN" dirty="0" smtClean="0">
-                <a:solidFill>
-                  <a:schemeClr val="bg1"/>
-                </a:solidFill>
-              </a:rPr>
-              <a:t>)</a:t>
-            </a:r>
-            <a:r>
-              <a:rPr lang="zh-CN" altLang="en-US" dirty="0" smtClean="0">
-                <a:solidFill>
-                  <a:schemeClr val="bg1"/>
-                </a:solidFill>
-              </a:rPr>
-              <a:t>，询</a:t>
+              <a:t>询</a:t>
             </a:r>
             <a:r>
               <a:rPr lang="zh-CN" altLang="en-US" dirty="0">
@@ -7790,18 +7766,7 @@
                     </a:schemeClr>
                   </a:solidFill>
                 </a:rPr>
-                <a:t>固</a:t>
-              </a:r>
-              <a:r>
-                <a:rPr lang="zh-CN" altLang="en-US" dirty="0" smtClean="0">
-                  <a:solidFill>
-                    <a:schemeClr val="tx1">
-                      <a:lumMod val="75000"/>
-                      <a:lumOff val="25000"/>
-                    </a:schemeClr>
-                  </a:solidFill>
-                </a:rPr>
-                <a:t>定</a:t>
+                <a:t>固定</a:t>
               </a:r>
               <a:r>
                 <a:rPr lang="zh-CN" altLang="en-US" dirty="0">
@@ -7814,14 +7779,6 @@
                 </a:rPr>
                 <a:t>得失</a:t>
               </a:r>
-              <a:endParaRPr lang="zh-CN" altLang="en-US" dirty="0">
-                <a:solidFill>
-                  <a:schemeClr val="tx1">
-                    <a:lumMod val="75000"/>
-                    <a:lumOff val="25000"/>
-                  </a:schemeClr>
-                </a:solidFill>
-              </a:endParaRPr>
             </a:p>
           </p:txBody>
         </p:sp>
@@ -10224,7 +10181,39 @@
                   <a:schemeClr val="bg1"/>
                 </a:solidFill>
               </a:rPr>
-              <a:t>超时未反应由红点提示</a:t>
+              <a:t>超时未反应</a:t>
+            </a:r>
+            <a:r>
+              <a:rPr lang="zh-CN" altLang="en-US" sz="2800" dirty="0" smtClean="0">
+                <a:solidFill>
+                  <a:schemeClr val="bg1"/>
+                </a:solidFill>
+              </a:rPr>
+              <a:t>由</a:t>
+            </a:r>
+            <a:r>
+              <a:rPr lang="en-US" altLang="zh-CN" sz="2800" dirty="0">
+                <a:solidFill>
+                  <a:schemeClr val="bg1"/>
+                </a:solidFill>
+              </a:rPr>
+              <a:t>×</a:t>
+            </a:r>
+            <a:r>
+              <a:rPr lang="zh-CN" altLang="en-US" sz="2800" dirty="0" smtClean="0">
+                <a:solidFill>
+                  <a:schemeClr val="bg1"/>
+                </a:solidFill>
+              </a:rPr>
+              <a:t>提</a:t>
+            </a:r>
+            <a:r>
+              <a:rPr lang="zh-CN" altLang="en-US" sz="2800" dirty="0">
+                <a:solidFill>
+                  <a:schemeClr val="bg1"/>
+                </a:solidFill>
+              </a:rPr>
+              <a:t>示</a:t>
             </a:r>
             <a:r>
               <a:rPr lang="en-US" altLang="zh-CN" sz="2800" dirty="0">

--- a/exp/instruction/instruction_gr.pptx
+++ b/exp/instruction/instruction_gr.pptx
@@ -239,7 +239,7 @@
           <a:p>
             <a:fld id="{2C496578-4F2C-4688-9243-EBFE8E25C03A}" type="datetimeFigureOut">
               <a:rPr lang="zh-CN" altLang="en-US" smtClean="0"/>
-              <a:t>2018/12/13</a:t>
+              <a:t>2018/12/18</a:t>
             </a:fld>
             <a:endParaRPr lang="zh-CN" altLang="en-US"/>
           </a:p>
@@ -904,7 +904,7 @@
           <a:p>
             <a:fld id="{E02BEBD4-C5DA-43A4-AF93-7C9EEB60B9E0}" type="datetimeFigureOut">
               <a:rPr lang="zh-CN" altLang="en-US" smtClean="0"/>
-              <a:t>2018/12/13</a:t>
+              <a:t>2018/12/18</a:t>
             </a:fld>
             <a:endParaRPr lang="zh-CN" altLang="en-US"/>
           </a:p>
@@ -1074,7 +1074,7 @@
           <a:p>
             <a:fld id="{E02BEBD4-C5DA-43A4-AF93-7C9EEB60B9E0}" type="datetimeFigureOut">
               <a:rPr lang="zh-CN" altLang="en-US" smtClean="0"/>
-              <a:t>2018/12/13</a:t>
+              <a:t>2018/12/18</a:t>
             </a:fld>
             <a:endParaRPr lang="zh-CN" altLang="en-US"/>
           </a:p>
@@ -1254,7 +1254,7 @@
           <a:p>
             <a:fld id="{E02BEBD4-C5DA-43A4-AF93-7C9EEB60B9E0}" type="datetimeFigureOut">
               <a:rPr lang="zh-CN" altLang="en-US" smtClean="0"/>
-              <a:t>2018/12/13</a:t>
+              <a:t>2018/12/18</a:t>
             </a:fld>
             <a:endParaRPr lang="zh-CN" altLang="en-US"/>
           </a:p>
@@ -1424,7 +1424,7 @@
           <a:p>
             <a:fld id="{E02BEBD4-C5DA-43A4-AF93-7C9EEB60B9E0}" type="datetimeFigureOut">
               <a:rPr lang="zh-CN" altLang="en-US" smtClean="0"/>
-              <a:t>2018/12/13</a:t>
+              <a:t>2018/12/18</a:t>
             </a:fld>
             <a:endParaRPr lang="zh-CN" altLang="en-US"/>
           </a:p>
@@ -1670,7 +1670,7 @@
           <a:p>
             <a:fld id="{E02BEBD4-C5DA-43A4-AF93-7C9EEB60B9E0}" type="datetimeFigureOut">
               <a:rPr lang="zh-CN" altLang="en-US" smtClean="0"/>
-              <a:t>2018/12/13</a:t>
+              <a:t>2018/12/18</a:t>
             </a:fld>
             <a:endParaRPr lang="zh-CN" altLang="en-US"/>
           </a:p>
@@ -1902,7 +1902,7 @@
           <a:p>
             <a:fld id="{E02BEBD4-C5DA-43A4-AF93-7C9EEB60B9E0}" type="datetimeFigureOut">
               <a:rPr lang="zh-CN" altLang="en-US" smtClean="0"/>
-              <a:t>2018/12/13</a:t>
+              <a:t>2018/12/18</a:t>
             </a:fld>
             <a:endParaRPr lang="zh-CN" altLang="en-US"/>
           </a:p>
@@ -2269,7 +2269,7 @@
           <a:p>
             <a:fld id="{E02BEBD4-C5DA-43A4-AF93-7C9EEB60B9E0}" type="datetimeFigureOut">
               <a:rPr lang="zh-CN" altLang="en-US" smtClean="0"/>
-              <a:t>2018/12/13</a:t>
+              <a:t>2018/12/18</a:t>
             </a:fld>
             <a:endParaRPr lang="zh-CN" altLang="en-US"/>
           </a:p>
@@ -2387,7 +2387,7 @@
           <a:p>
             <a:fld id="{E02BEBD4-C5DA-43A4-AF93-7C9EEB60B9E0}" type="datetimeFigureOut">
               <a:rPr lang="zh-CN" altLang="en-US" smtClean="0"/>
-              <a:t>2018/12/13</a:t>
+              <a:t>2018/12/18</a:t>
             </a:fld>
             <a:endParaRPr lang="zh-CN" altLang="en-US"/>
           </a:p>
@@ -2482,7 +2482,7 @@
           <a:p>
             <a:fld id="{E02BEBD4-C5DA-43A4-AF93-7C9EEB60B9E0}" type="datetimeFigureOut">
               <a:rPr lang="zh-CN" altLang="en-US" smtClean="0"/>
-              <a:t>2018/12/13</a:t>
+              <a:t>2018/12/18</a:t>
             </a:fld>
             <a:endParaRPr lang="zh-CN" altLang="en-US"/>
           </a:p>
@@ -2759,7 +2759,7 @@
           <a:p>
             <a:fld id="{E02BEBD4-C5DA-43A4-AF93-7C9EEB60B9E0}" type="datetimeFigureOut">
               <a:rPr lang="zh-CN" altLang="en-US" smtClean="0"/>
-              <a:t>2018/12/13</a:t>
+              <a:t>2018/12/18</a:t>
             </a:fld>
             <a:endParaRPr lang="zh-CN" altLang="en-US"/>
           </a:p>
@@ -3016,7 +3016,7 @@
           <a:p>
             <a:fld id="{E02BEBD4-C5DA-43A4-AF93-7C9EEB60B9E0}" type="datetimeFigureOut">
               <a:rPr lang="zh-CN" altLang="en-US" smtClean="0"/>
-              <a:t>2018/12/13</a:t>
+              <a:t>2018/12/18</a:t>
             </a:fld>
             <a:endParaRPr lang="zh-CN" altLang="en-US"/>
           </a:p>
@@ -3232,7 +3232,7 @@
           <a:p>
             <a:fld id="{E02BEBD4-C5DA-43A4-AF93-7C9EEB60B9E0}" type="datetimeFigureOut">
               <a:rPr lang="zh-CN" altLang="en-US" smtClean="0"/>
-              <a:t>2018/12/13</a:t>
+              <a:t>2018/12/18</a:t>
             </a:fld>
             <a:endParaRPr lang="zh-CN" altLang="en-US"/>
           </a:p>
@@ -4193,7 +4193,7 @@
                   <a:schemeClr val="bg1"/>
                 </a:solidFill>
               </a:rPr>
-              <a:t>45</a:t>
+              <a:t>200</a:t>
             </a:r>
             <a:r>
               <a:rPr lang="zh-CN" altLang="en-US" sz="2800" dirty="0" smtClean="0">
@@ -4231,7 +4231,15 @@
                   <a:schemeClr val="bg1"/>
                 </a:solidFill>
               </a:rPr>
-              <a:t>	-1</a:t>
+              <a:t>	</a:t>
+            </a:r>
+            <a:r>
+              <a:rPr lang="en-US" altLang="zh-CN" sz="2800" dirty="0" smtClean="0">
+                <a:solidFill>
+                  <a:schemeClr val="bg1"/>
+                </a:solidFill>
+              </a:rPr>
+              <a:t>-3</a:t>
             </a:r>
             <a:r>
               <a:rPr lang="zh-CN" altLang="en-US" sz="2800" dirty="0" smtClean="0">
@@ -4299,7 +4307,10 @@
             <a:r>
               <a:rPr lang="zh-CN" altLang="en-US" sz="2800" dirty="0" smtClean="0">
                 <a:solidFill>
-                  <a:schemeClr val="bg1"/>
+                  <a:schemeClr val="tx1">
+                    <a:lumMod val="65000"/>
+                    <a:lumOff val="35000"/>
+                  </a:schemeClr>
                 </a:solidFill>
               </a:rPr>
               <a:t>和</a:t>
@@ -4307,10 +4318,21 @@
             <a:r>
               <a:rPr lang="en-US" altLang="zh-CN" sz="2800" dirty="0" smtClean="0">
                 <a:solidFill>
-                  <a:schemeClr val="bg1"/>
-                </a:solidFill>
-              </a:rPr>
-              <a:t>	(</a:t>
+                  <a:schemeClr val="tx1">
+                    <a:lumMod val="65000"/>
+                    <a:lumOff val="35000"/>
+                  </a:schemeClr>
+                </a:solidFill>
+              </a:rPr>
+              <a:t>	</a:t>
+            </a:r>
+            <a:r>
+              <a:rPr lang="en-US" altLang="zh-CN" sz="2800" dirty="0" smtClean="0">
+                <a:solidFill>
+                  <a:schemeClr val="bg1"/>
+                </a:solidFill>
+              </a:rPr>
+              <a:t>(</a:t>
             </a:r>
             <a:r>
               <a:rPr lang="zh-CN" altLang="en-US" sz="2800" dirty="0" smtClean="0">
@@ -4356,6 +4378,7 @@
             <a:pPr defTabSz="914400">
               <a:tabLst>
                 <a:tab pos="457200" algn="l"/>
+                <a:tab pos="798513" algn="l"/>
               </a:tabLst>
             </a:pPr>
             <a:r>
@@ -4367,20 +4390,28 @@
               <a:t>	</a:t>
             </a:r>
             <a:r>
+              <a:rPr lang="en-US" altLang="zh-CN" sz="2800" dirty="0">
+                <a:solidFill>
+                  <a:schemeClr val="bg1"/>
+                </a:solidFill>
+              </a:rPr>
+              <a:t>	</a:t>
+            </a:r>
+            <a:r>
+              <a:rPr lang="zh-CN" altLang="en-US" sz="2800" dirty="0">
+                <a:solidFill>
+                  <a:schemeClr val="bg1"/>
+                </a:solidFill>
+              </a:rPr>
+              <a:t>这</a:t>
+            </a:r>
+            <a:r>
               <a:rPr lang="zh-CN" altLang="en-US" sz="2800" dirty="0" smtClean="0">
                 <a:solidFill>
                   <a:schemeClr val="bg1"/>
                 </a:solidFill>
               </a:rPr>
-              <a:t>第</a:t>
-            </a:r>
-            <a:r>
-              <a:rPr lang="zh-CN" altLang="en-US" sz="2800" dirty="0">
-                <a:solidFill>
-                  <a:schemeClr val="bg1"/>
-                </a:solidFill>
-              </a:rPr>
-              <a:t>一</a:t>
+              <a:t>个</a:t>
             </a:r>
             <a:r>
               <a:rPr lang="zh-CN" altLang="en-US" sz="2800" dirty="0" smtClean="0">
@@ -4388,7 +4419,7 @@
                   <a:schemeClr val="bg1"/>
                 </a:solidFill>
               </a:rPr>
-              <a:t>个试次，你在</a:t>
+              <a:t>试次，你在</a:t>
             </a:r>
             <a:r>
               <a:rPr lang="en-US" altLang="zh-CN" sz="2800" dirty="0" smtClean="0">
@@ -4478,7 +4509,10 @@
           <a:p>
             <a:endParaRPr lang="en-US" altLang="zh-CN" sz="2800" dirty="0">
               <a:solidFill>
-                <a:schemeClr val="bg1"/>
+                <a:schemeClr val="tx1">
+                  <a:lumMod val="65000"/>
+                  <a:lumOff val="35000"/>
+                </a:schemeClr>
               </a:solidFill>
             </a:endParaRPr>
           </a:p>
@@ -4491,7 +4525,10 @@
             <a:r>
               <a:rPr lang="en-US" altLang="zh-CN" sz="2800" dirty="0" smtClean="0">
                 <a:solidFill>
-                  <a:schemeClr val="bg1"/>
+                  <a:schemeClr val="tx1">
+                    <a:lumMod val="65000"/>
+                    <a:lumOff val="35000"/>
+                  </a:schemeClr>
                 </a:solidFill>
               </a:rPr>
               <a:t>	</a:t>
@@ -4499,7 +4536,10 @@
             <a:r>
               <a:rPr lang="zh-CN" altLang="en-US" sz="2800" dirty="0" smtClean="0">
                 <a:solidFill>
-                  <a:schemeClr val="bg1"/>
+                  <a:schemeClr val="tx1">
+                    <a:lumMod val="65000"/>
+                    <a:lumOff val="35000"/>
+                  </a:schemeClr>
                 </a:solidFill>
               </a:rPr>
               <a:t>第</a:t>
@@ -4507,7 +4547,10 @@
             <a:r>
               <a:rPr lang="zh-CN" altLang="en-US" sz="2800" dirty="0">
                 <a:solidFill>
-                  <a:schemeClr val="bg1"/>
+                  <a:schemeClr val="tx1">
+                    <a:lumMod val="65000"/>
+                    <a:lumOff val="35000"/>
+                  </a:schemeClr>
                 </a:solidFill>
               </a:rPr>
               <a:t>二</a:t>
@@ -4515,7 +4558,10 @@
             <a:r>
               <a:rPr lang="zh-CN" altLang="en-US" sz="2800" dirty="0" smtClean="0">
                 <a:solidFill>
-                  <a:schemeClr val="bg1"/>
+                  <a:schemeClr val="tx1">
+                    <a:lumMod val="65000"/>
+                    <a:lumOff val="35000"/>
+                  </a:schemeClr>
                 </a:solidFill>
               </a:rPr>
               <a:t>个</a:t>
@@ -4523,7 +4569,10 @@
             <a:r>
               <a:rPr lang="zh-CN" altLang="en-US" sz="2800" dirty="0">
                 <a:solidFill>
-                  <a:schemeClr val="bg1"/>
+                  <a:schemeClr val="tx1">
+                    <a:lumMod val="65000"/>
+                    <a:lumOff val="35000"/>
+                  </a:schemeClr>
                 </a:solidFill>
               </a:rPr>
               <a:t>试</a:t>
@@ -4531,7 +4580,10 @@
             <a:r>
               <a:rPr lang="zh-CN" altLang="en-US" sz="2800" dirty="0" smtClean="0">
                 <a:solidFill>
-                  <a:schemeClr val="bg1"/>
+                  <a:schemeClr val="tx1">
+                    <a:lumMod val="65000"/>
+                    <a:lumOff val="35000"/>
+                  </a:schemeClr>
                 </a:solidFill>
               </a:rPr>
               <a:t>次，你</a:t>
@@ -4539,7 +4591,10 @@
             <a:r>
               <a:rPr lang="zh-CN" altLang="en-US" sz="2800" dirty="0">
                 <a:solidFill>
-                  <a:schemeClr val="bg1"/>
+                  <a:schemeClr val="tx1">
+                    <a:lumMod val="65000"/>
+                    <a:lumOff val="35000"/>
+                  </a:schemeClr>
                 </a:solidFill>
               </a:rPr>
               <a:t>在</a:t>
@@ -4547,7 +4602,10 @@
             <a:r>
               <a:rPr lang="en-US" altLang="zh-CN" sz="2800" dirty="0">
                 <a:solidFill>
-                  <a:schemeClr val="bg1"/>
+                  <a:schemeClr val="tx1">
+                    <a:lumMod val="65000"/>
+                    <a:lumOff val="35000"/>
+                  </a:schemeClr>
                 </a:solidFill>
               </a:rPr>
               <a:t>		</a:t>
@@ -4555,7 +4613,10 @@
             <a:r>
               <a:rPr lang="zh-CN" altLang="en-US" sz="2800" dirty="0">
                 <a:solidFill>
-                  <a:schemeClr val="bg1"/>
+                  <a:schemeClr val="tx1">
+                    <a:lumMod val="65000"/>
+                    <a:lumOff val="35000"/>
+                  </a:schemeClr>
                 </a:solidFill>
               </a:rPr>
               <a:t>与</a:t>
@@ -4563,7 +4624,10 @@
             <a:r>
               <a:rPr lang="en-US" altLang="zh-CN" sz="2800" dirty="0">
                 <a:solidFill>
-                  <a:schemeClr val="bg1"/>
+                  <a:schemeClr val="tx1">
+                    <a:lumMod val="65000"/>
+                    <a:lumOff val="35000"/>
+                  </a:schemeClr>
                 </a:solidFill>
               </a:rPr>
               <a:t>		</a:t>
@@ -4571,14 +4635,20 @@
             <a:r>
               <a:rPr lang="zh-CN" altLang="en-US" sz="2800" dirty="0">
                 <a:solidFill>
-                  <a:schemeClr val="bg1"/>
+                  <a:schemeClr val="tx1">
+                    <a:lumMod val="65000"/>
+                    <a:lumOff val="35000"/>
+                  </a:schemeClr>
                 </a:solidFill>
               </a:rPr>
               <a:t>中选择，</a:t>
             </a:r>
             <a:endParaRPr lang="en-US" altLang="zh-CN" sz="2800" dirty="0">
               <a:solidFill>
-                <a:schemeClr val="bg1"/>
+                <a:schemeClr val="tx1">
+                  <a:lumMod val="65000"/>
+                  <a:lumOff val="35000"/>
+                </a:schemeClr>
               </a:solidFill>
             </a:endParaRPr>
           </a:p>
@@ -4587,7 +4657,10 @@
             <a:r>
               <a:rPr lang="en-US" altLang="zh-CN" sz="2800" dirty="0">
                 <a:solidFill>
-                  <a:schemeClr val="bg1"/>
+                  <a:schemeClr val="tx1">
+                    <a:lumMod val="65000"/>
+                    <a:lumOff val="35000"/>
+                  </a:schemeClr>
                 </a:solidFill>
               </a:rPr>
               <a:t>	    </a:t>
@@ -4595,7 +4668,10 @@
             <a:r>
               <a:rPr lang="zh-CN" altLang="en-US" sz="2800" dirty="0">
                 <a:solidFill>
-                  <a:schemeClr val="bg1"/>
+                  <a:schemeClr val="tx1">
+                    <a:lumMod val="65000"/>
+                    <a:lumOff val="35000"/>
+                  </a:schemeClr>
                 </a:solidFill>
               </a:rPr>
               <a:t>你选择了</a:t>
@@ -4603,7 +4679,10 @@
             <a:r>
               <a:rPr lang="en-US" altLang="zh-CN" sz="2800" dirty="0">
                 <a:solidFill>
-                  <a:schemeClr val="bg1"/>
+                  <a:schemeClr val="tx1">
+                    <a:lumMod val="65000"/>
+                    <a:lumOff val="35000"/>
+                  </a:schemeClr>
                 </a:solidFill>
               </a:rPr>
               <a:t>		</a:t>
@@ -4611,7 +4690,10 @@
             <a:r>
               <a:rPr lang="en-US" altLang="zh-CN" sz="2800" dirty="0" smtClean="0">
                 <a:solidFill>
-                  <a:schemeClr val="bg1"/>
+                  <a:schemeClr val="tx1">
+                    <a:lumMod val="65000"/>
+                    <a:lumOff val="35000"/>
+                  </a:schemeClr>
                 </a:solidFill>
               </a:rPr>
               <a:t>	</a:t>
@@ -4619,14 +4701,20 @@
             <a:r>
               <a:rPr lang="zh-CN" altLang="en-US" sz="2800" dirty="0" smtClean="0">
                 <a:solidFill>
-                  <a:schemeClr val="bg1"/>
+                  <a:schemeClr val="tx1">
+                    <a:lumMod val="65000"/>
+                    <a:lumOff val="35000"/>
+                  </a:schemeClr>
                 </a:solidFill>
               </a:rPr>
               <a:t>。</a:t>
             </a:r>
             <a:endParaRPr lang="en-US" altLang="zh-CN" sz="2800" dirty="0">
               <a:solidFill>
-                <a:schemeClr val="bg1"/>
+                <a:schemeClr val="tx1">
+                  <a:lumMod val="65000"/>
+                  <a:lumOff val="35000"/>
+                </a:schemeClr>
               </a:solidFill>
             </a:endParaRPr>
           </a:p>
@@ -4775,15 +4863,7 @@
                   <a:schemeClr val="bg1"/>
                 </a:solidFill>
               </a:rPr>
-              <a:t>时，</a:t>
-            </a:r>
-            <a:r>
-              <a:rPr lang="zh-CN" altLang="en-US" dirty="0" smtClean="0">
-                <a:solidFill>
-                  <a:schemeClr val="bg1"/>
-                </a:solidFill>
-              </a:rPr>
-              <a:t>询</a:t>
+              <a:t>时，询</a:t>
             </a:r>
             <a:r>
               <a:rPr lang="zh-CN" altLang="en-US" dirty="0">
@@ -5479,7 +5559,7 @@
               <a:t>+</a:t>
             </a:r>
             <a:r>
-              <a:rPr lang="en-US" altLang="zh-CN" dirty="0">
+              <a:rPr lang="en-US" altLang="zh-CN" dirty="0" smtClean="0">
                 <a:solidFill>
                   <a:srgbClr val="00C800"/>
                 </a:solidFill>
@@ -5491,7 +5571,7 @@
                   </a:outerShdw>
                 </a:effectLst>
               </a:rPr>
-              <a:t>2</a:t>
+              <a:t>20</a:t>
             </a:r>
             <a:r>
               <a:rPr lang="zh-CN" altLang="en-US" dirty="0" smtClean="0">
@@ -5518,12 +5598,12 @@
               <a:t>得</a:t>
             </a:r>
             <a:r>
-              <a:rPr lang="en-US" altLang="zh-CN" dirty="0">
-                <a:solidFill>
-                  <a:schemeClr val="bg1"/>
-                </a:solidFill>
-              </a:rPr>
-              <a:t>2</a:t>
+              <a:rPr lang="en-US" altLang="zh-CN" dirty="0" smtClean="0">
+                <a:solidFill>
+                  <a:schemeClr val="bg1"/>
+                </a:solidFill>
+              </a:rPr>
+              <a:t>20</a:t>
             </a:r>
             <a:r>
               <a:rPr lang="zh-CN" altLang="en-US" dirty="0" smtClean="0">
@@ -5616,12 +5696,28 @@
               <a:t>率失去</a:t>
             </a:r>
             <a:r>
-              <a:rPr lang="en-US" altLang="zh-CN" dirty="0">
-                <a:solidFill>
-                  <a:schemeClr val="bg1"/>
-                </a:solidFill>
-              </a:rPr>
-              <a:t>3</a:t>
+              <a:rPr lang="en-US" altLang="zh-CN" dirty="0" smtClean="0">
+                <a:solidFill>
+                  <a:schemeClr val="bg1"/>
+                </a:solidFill>
+              </a:rPr>
+              <a:t>30</a:t>
+            </a:r>
+            <a:r>
+              <a:rPr lang="zh-CN" altLang="en-US" dirty="0" smtClean="0">
+                <a:solidFill>
+                  <a:schemeClr val="bg1"/>
+                </a:solidFill>
+              </a:rPr>
+              <a:t>元</a:t>
+            </a:r>
+            <a:r>
+              <a:rPr lang="zh-CN" altLang="en-US" dirty="0" smtClean="0">
+                <a:solidFill>
+                  <a:schemeClr val="bg1"/>
+                </a:solidFill>
+              </a:rPr>
+              <a:t>，</a:t>
             </a:r>
             <a:r>
               <a:rPr lang="zh-CN" altLang="en-US" dirty="0">
@@ -5629,6 +5725,46 @@
                   <a:schemeClr val="bg1"/>
                 </a:solidFill>
               </a:rPr>
+              <a:t>一半</a:t>
+            </a:r>
+            <a:r>
+              <a:rPr lang="zh-CN" altLang="en-US" dirty="0" smtClean="0">
+                <a:solidFill>
+                  <a:schemeClr val="bg1"/>
+                </a:solidFill>
+              </a:rPr>
+              <a:t>概</a:t>
+            </a:r>
+            <a:r>
+              <a:rPr lang="zh-CN" altLang="en-US" dirty="0">
+                <a:solidFill>
+                  <a:schemeClr val="bg1"/>
+                </a:solidFill>
+              </a:rPr>
+              <a:t>率获</a:t>
+            </a:r>
+            <a:r>
+              <a:rPr lang="zh-CN" altLang="en-US" dirty="0" smtClean="0">
+                <a:solidFill>
+                  <a:schemeClr val="bg1"/>
+                </a:solidFill>
+              </a:rPr>
+              <a:t>得</a:t>
+            </a:r>
+            <a:r>
+              <a:rPr lang="en-US" altLang="zh-CN" dirty="0" smtClean="0">
+                <a:solidFill>
+                  <a:schemeClr val="bg1"/>
+                </a:solidFill>
+              </a:rPr>
+              <a:t>90</a:t>
+            </a:r>
+            <a:r>
+              <a:rPr lang="zh-CN" altLang="en-US" dirty="0" smtClean="0">
+                <a:solidFill>
+                  <a:schemeClr val="bg1"/>
+                </a:solidFill>
+              </a:rPr>
               <a:t>元</a:t>
             </a:r>
             <a:r>
@@ -5637,55 +5773,7 @@
                   <a:schemeClr val="bg1"/>
                 </a:solidFill>
               </a:rPr>
-              <a:t>，</a:t>
-            </a:r>
-            <a:r>
-              <a:rPr lang="zh-CN" altLang="en-US" dirty="0">
-                <a:solidFill>
-                  <a:schemeClr val="bg1"/>
-                </a:solidFill>
-              </a:rPr>
-              <a:t>一半</a:t>
-            </a:r>
-            <a:r>
-              <a:rPr lang="zh-CN" altLang="en-US" dirty="0" smtClean="0">
-                <a:solidFill>
-                  <a:schemeClr val="bg1"/>
-                </a:solidFill>
-              </a:rPr>
-              <a:t>概</a:t>
-            </a:r>
-            <a:r>
-              <a:rPr lang="zh-CN" altLang="en-US" dirty="0">
-                <a:solidFill>
-                  <a:schemeClr val="bg1"/>
-                </a:solidFill>
-              </a:rPr>
-              <a:t>率获</a:t>
-            </a:r>
-            <a:r>
-              <a:rPr lang="zh-CN" altLang="en-US" dirty="0" smtClean="0">
-                <a:solidFill>
-                  <a:schemeClr val="bg1"/>
-                </a:solidFill>
-              </a:rPr>
-              <a:t>得</a:t>
-            </a:r>
-            <a:r>
-              <a:rPr lang="en-US" altLang="zh-CN" dirty="0">
-                <a:solidFill>
-                  <a:schemeClr val="bg1"/>
-                </a:solidFill>
-              </a:rPr>
-              <a:t>9</a:t>
-            </a:r>
-            <a:r>
-              <a:rPr lang="zh-CN" altLang="en-US" dirty="0" smtClean="0">
-                <a:solidFill>
-                  <a:schemeClr val="bg1"/>
-                </a:solidFill>
-              </a:rPr>
-              <a:t>元。</a:t>
+              <a:t>。</a:t>
             </a:r>
             <a:endParaRPr lang="en-US" altLang="zh-CN" dirty="0" smtClean="0">
               <a:solidFill>
@@ -5940,7 +6028,15 @@
                     <a:srgbClr val="00C800"/>
                   </a:solidFill>
                 </a:rPr>
-                <a:t>+2</a:t>
+                <a:t>+</a:t>
+              </a:r>
+              <a:r>
+                <a:rPr lang="en-US" altLang="zh-CN" dirty="0" smtClean="0">
+                  <a:solidFill>
+                    <a:srgbClr val="00C800"/>
+                  </a:solidFill>
+                </a:rPr>
+                <a:t>20</a:t>
               </a:r>
               <a:endParaRPr lang="zh-CN" altLang="en-US" dirty="0">
                 <a:solidFill>
@@ -6150,8 +6246,8 @@
           </p:nvSpPr>
           <p:spPr>
             <a:xfrm>
-              <a:off x="7031304" y="4085137"/>
-              <a:ext cx="862642" cy="369332"/>
+              <a:off x="6915473" y="4085137"/>
+              <a:ext cx="1082788" cy="369332"/>
             </a:xfrm>
             <a:prstGeom prst="rect">
               <a:avLst/>
@@ -6171,11 +6267,19 @@
                     <a:srgbClr val="FF0000"/>
                   </a:solidFill>
                 </a:rPr>
-                <a:t>-3</a:t>
+                <a:t>-</a:t>
+              </a:r>
+              <a:r>
+                <a:rPr lang="en-US" altLang="zh-CN" dirty="0" smtClean="0">
+                  <a:solidFill>
+                    <a:srgbClr val="FF0000"/>
+                  </a:solidFill>
+                </a:rPr>
+                <a:t>30</a:t>
               </a:r>
               <a:r>
                 <a:rPr lang="en-US" altLang="zh-CN" dirty="0" smtClean="0"/>
-                <a:t>    </a:t>
+                <a:t>   </a:t>
               </a:r>
               <a:r>
                 <a:rPr lang="en-US" altLang="zh-CN" dirty="0" smtClean="0">
@@ -6183,7 +6287,23 @@
                     <a:srgbClr val="00C800"/>
                   </a:solidFill>
                 </a:rPr>
-                <a:t>+9</a:t>
+                <a:t>+</a:t>
+              </a:r>
+              <a:r>
+                <a:rPr lang="en-US" altLang="zh-CN" dirty="0">
+                  <a:solidFill>
+                    <a:srgbClr val="00C800"/>
+                  </a:solidFill>
+                </a:rPr>
+                <a:t>8</a:t>
+              </a:r>
+              <a:r>
+                <a:rPr lang="en-US" altLang="zh-CN" dirty="0" smtClean="0">
+                  <a:solidFill>
+                    <a:srgbClr val="00C800"/>
+                  </a:solidFill>
+                </a:rPr>
+                <a:t>0</a:t>
               </a:r>
               <a:endParaRPr lang="zh-CN" altLang="en-US" dirty="0">
                 <a:solidFill>
@@ -7043,7 +7163,15 @@
                   <a:schemeClr val="bg1"/>
                 </a:solidFill>
               </a:rPr>
-              <a:t>，无效时会扣除被试费</a:t>
+              <a:t>，无效时会扣除被试</a:t>
+            </a:r>
+            <a:r>
+              <a:rPr lang="zh-CN" altLang="en-US" dirty="0" smtClean="0">
+                <a:solidFill>
+                  <a:schemeClr val="bg1"/>
+                </a:solidFill>
+              </a:rPr>
+              <a:t>费</a:t>
             </a:r>
             <a:r>
               <a:rPr lang="en-US" altLang="zh-CN" dirty="0">
@@ -7051,7 +7179,15 @@
                   <a:schemeClr val="bg1"/>
                 </a:solidFill>
               </a:rPr>
-              <a:t>1</a:t>
+              <a:t>3</a:t>
+            </a:r>
+            <a:r>
+              <a:rPr lang="zh-CN" altLang="en-US" dirty="0" smtClean="0">
+                <a:solidFill>
+                  <a:schemeClr val="bg1"/>
+                </a:solidFill>
+              </a:rPr>
+              <a:t>元</a:t>
             </a:r>
             <a:r>
               <a:rPr lang="zh-CN" altLang="en-US" dirty="0">
@@ -7059,7 +7195,7 @@
                   <a:schemeClr val="bg1"/>
                 </a:solidFill>
               </a:rPr>
-              <a:t>元，中央</a:t>
+              <a:t>，中央</a:t>
             </a:r>
             <a:r>
               <a:rPr lang="zh-CN" altLang="en-US" dirty="0" smtClean="0">
@@ -8184,7 +8320,15 @@
                       <a:srgbClr val="00C800"/>
                     </a:solidFill>
                   </a:rPr>
-                  <a:t>+2</a:t>
+                  <a:t>+</a:t>
+                </a:r>
+                <a:r>
+                  <a:rPr lang="en-US" altLang="zh-CN" dirty="0" smtClean="0">
+                    <a:solidFill>
+                      <a:srgbClr val="00C800"/>
+                    </a:solidFill>
+                  </a:rPr>
+                  <a:t>20</a:t>
                 </a:r>
                 <a:endParaRPr lang="zh-CN" altLang="en-US" dirty="0">
                   <a:solidFill>
@@ -8394,8 +8538,8 @@
             </p:nvSpPr>
             <p:spPr>
               <a:xfrm>
-                <a:off x="6992721" y="4049724"/>
-                <a:ext cx="969413" cy="440158"/>
+                <a:off x="6887768" y="4049724"/>
+                <a:ext cx="1187030" cy="440158"/>
               </a:xfrm>
               <a:prstGeom prst="rect">
                 <a:avLst/>
@@ -8415,7 +8559,15 @@
                       <a:srgbClr val="FF0000"/>
                     </a:solidFill>
                   </a:rPr>
-                  <a:t>-8</a:t>
+                  <a:t>-</a:t>
+                </a:r>
+                <a:r>
+                  <a:rPr lang="en-US" altLang="zh-CN" dirty="0" smtClean="0">
+                    <a:solidFill>
+                      <a:srgbClr val="FF0000"/>
+                    </a:solidFill>
+                  </a:rPr>
+                  <a:t>80</a:t>
                 </a:r>
                 <a:r>
                   <a:rPr lang="en-US" altLang="zh-CN" dirty="0" smtClean="0">
@@ -8423,7 +8575,7 @@
                       <a:srgbClr val="00C800"/>
                     </a:solidFill>
                   </a:rPr>
-                  <a:t>    +2</a:t>
+                  <a:t> +20</a:t>
                 </a:r>
                 <a:endParaRPr lang="zh-CN" altLang="en-US" dirty="0">
                   <a:solidFill>
@@ -8725,8 +8877,8 @@
             </p:nvSpPr>
             <p:spPr>
               <a:xfrm>
-                <a:off x="6992721" y="4049724"/>
-                <a:ext cx="969413" cy="440158"/>
+                <a:off x="6946969" y="4049724"/>
+                <a:ext cx="1053138" cy="440158"/>
               </a:xfrm>
               <a:prstGeom prst="rect">
                 <a:avLst/>
@@ -8746,11 +8898,19 @@
                       <a:srgbClr val="FF0000"/>
                     </a:solidFill>
                   </a:rPr>
-                  <a:t>-5</a:t>
+                  <a:t>-</a:t>
+                </a:r>
+                <a:r>
+                  <a:rPr lang="en-US" altLang="zh-CN" dirty="0" smtClean="0">
+                    <a:solidFill>
+                      <a:srgbClr val="FF0000"/>
+                    </a:solidFill>
+                  </a:rPr>
+                  <a:t>50</a:t>
                 </a:r>
                 <a:r>
                   <a:rPr lang="en-US" altLang="zh-CN" dirty="0" smtClean="0"/>
-                  <a:t>    </a:t>
+                  <a:t> </a:t>
                 </a:r>
                 <a:r>
                   <a:rPr lang="en-US" altLang="zh-CN" dirty="0" smtClean="0">
@@ -8758,7 +8918,15 @@
                       <a:srgbClr val="00C800"/>
                     </a:solidFill>
                   </a:rPr>
-                  <a:t>+5</a:t>
+                  <a:t>+</a:t>
+                </a:r>
+                <a:r>
+                  <a:rPr lang="en-US" altLang="zh-CN" dirty="0" smtClean="0">
+                    <a:solidFill>
+                      <a:srgbClr val="00C800"/>
+                    </a:solidFill>
+                  </a:rPr>
+                  <a:t>50</a:t>
                 </a:r>
                 <a:endParaRPr lang="zh-CN" altLang="en-US" dirty="0">
                   <a:solidFill>
@@ -9060,8 +9228,8 @@
             </p:nvSpPr>
             <p:spPr>
               <a:xfrm>
-                <a:off x="6992721" y="4049724"/>
-                <a:ext cx="969413" cy="440158"/>
+                <a:off x="6932406" y="4049724"/>
+                <a:ext cx="1100512" cy="440158"/>
               </a:xfrm>
               <a:prstGeom prst="rect">
                 <a:avLst/>
@@ -9081,7 +9249,15 @@
                       <a:srgbClr val="FF0000"/>
                     </a:solidFill>
                   </a:rPr>
-                  <a:t>-3</a:t>
+                  <a:t>-</a:t>
+                </a:r>
+                <a:r>
+                  <a:rPr lang="en-US" altLang="zh-CN" dirty="0" smtClean="0">
+                    <a:solidFill>
+                      <a:srgbClr val="FF0000"/>
+                    </a:solidFill>
+                  </a:rPr>
+                  <a:t>30</a:t>
                 </a:r>
                 <a:r>
                   <a:rPr lang="en-US" altLang="zh-CN" dirty="0" smtClean="0">
@@ -9089,7 +9265,7 @@
                       <a:srgbClr val="00C800"/>
                     </a:solidFill>
                   </a:rPr>
-                  <a:t>    +9</a:t>
+                  <a:t> +80</a:t>
                 </a:r>
                 <a:endParaRPr lang="zh-CN" altLang="en-US" dirty="0">
                   <a:solidFill>

--- a/exp/instruction/instruction_gr.pptx
+++ b/exp/instruction/instruction_gr.pptx
@@ -239,7 +239,7 @@
           <a:p>
             <a:fld id="{2C496578-4F2C-4688-9243-EBFE8E25C03A}" type="datetimeFigureOut">
               <a:rPr lang="zh-CN" altLang="en-US" smtClean="0"/>
-              <a:t>2018/12/18</a:t>
+              <a:t>2018/12/19</a:t>
             </a:fld>
             <a:endParaRPr lang="zh-CN" altLang="en-US"/>
           </a:p>
@@ -904,7 +904,7 @@
           <a:p>
             <a:fld id="{E02BEBD4-C5DA-43A4-AF93-7C9EEB60B9E0}" type="datetimeFigureOut">
               <a:rPr lang="zh-CN" altLang="en-US" smtClean="0"/>
-              <a:t>2018/12/18</a:t>
+              <a:t>2018/12/19</a:t>
             </a:fld>
             <a:endParaRPr lang="zh-CN" altLang="en-US"/>
           </a:p>
@@ -1074,7 +1074,7 @@
           <a:p>
             <a:fld id="{E02BEBD4-C5DA-43A4-AF93-7C9EEB60B9E0}" type="datetimeFigureOut">
               <a:rPr lang="zh-CN" altLang="en-US" smtClean="0"/>
-              <a:t>2018/12/18</a:t>
+              <a:t>2018/12/19</a:t>
             </a:fld>
             <a:endParaRPr lang="zh-CN" altLang="en-US"/>
           </a:p>
@@ -1254,7 +1254,7 @@
           <a:p>
             <a:fld id="{E02BEBD4-C5DA-43A4-AF93-7C9EEB60B9E0}" type="datetimeFigureOut">
               <a:rPr lang="zh-CN" altLang="en-US" smtClean="0"/>
-              <a:t>2018/12/18</a:t>
+              <a:t>2018/12/19</a:t>
             </a:fld>
             <a:endParaRPr lang="zh-CN" altLang="en-US"/>
           </a:p>
@@ -1424,7 +1424,7 @@
           <a:p>
             <a:fld id="{E02BEBD4-C5DA-43A4-AF93-7C9EEB60B9E0}" type="datetimeFigureOut">
               <a:rPr lang="zh-CN" altLang="en-US" smtClean="0"/>
-              <a:t>2018/12/18</a:t>
+              <a:t>2018/12/19</a:t>
             </a:fld>
             <a:endParaRPr lang="zh-CN" altLang="en-US"/>
           </a:p>
@@ -1670,7 +1670,7 @@
           <a:p>
             <a:fld id="{E02BEBD4-C5DA-43A4-AF93-7C9EEB60B9E0}" type="datetimeFigureOut">
               <a:rPr lang="zh-CN" altLang="en-US" smtClean="0"/>
-              <a:t>2018/12/18</a:t>
+              <a:t>2018/12/19</a:t>
             </a:fld>
             <a:endParaRPr lang="zh-CN" altLang="en-US"/>
           </a:p>
@@ -1902,7 +1902,7 @@
           <a:p>
             <a:fld id="{E02BEBD4-C5DA-43A4-AF93-7C9EEB60B9E0}" type="datetimeFigureOut">
               <a:rPr lang="zh-CN" altLang="en-US" smtClean="0"/>
-              <a:t>2018/12/18</a:t>
+              <a:t>2018/12/19</a:t>
             </a:fld>
             <a:endParaRPr lang="zh-CN" altLang="en-US"/>
           </a:p>
@@ -2269,7 +2269,7 @@
           <a:p>
             <a:fld id="{E02BEBD4-C5DA-43A4-AF93-7C9EEB60B9E0}" type="datetimeFigureOut">
               <a:rPr lang="zh-CN" altLang="en-US" smtClean="0"/>
-              <a:t>2018/12/18</a:t>
+              <a:t>2018/12/19</a:t>
             </a:fld>
             <a:endParaRPr lang="zh-CN" altLang="en-US"/>
           </a:p>
@@ -2387,7 +2387,7 @@
           <a:p>
             <a:fld id="{E02BEBD4-C5DA-43A4-AF93-7C9EEB60B9E0}" type="datetimeFigureOut">
               <a:rPr lang="zh-CN" altLang="en-US" smtClean="0"/>
-              <a:t>2018/12/18</a:t>
+              <a:t>2018/12/19</a:t>
             </a:fld>
             <a:endParaRPr lang="zh-CN" altLang="en-US"/>
           </a:p>
@@ -2482,7 +2482,7 @@
           <a:p>
             <a:fld id="{E02BEBD4-C5DA-43A4-AF93-7C9EEB60B9E0}" type="datetimeFigureOut">
               <a:rPr lang="zh-CN" altLang="en-US" smtClean="0"/>
-              <a:t>2018/12/18</a:t>
+              <a:t>2018/12/19</a:t>
             </a:fld>
             <a:endParaRPr lang="zh-CN" altLang="en-US"/>
           </a:p>
@@ -2759,7 +2759,7 @@
           <a:p>
             <a:fld id="{E02BEBD4-C5DA-43A4-AF93-7C9EEB60B9E0}" type="datetimeFigureOut">
               <a:rPr lang="zh-CN" altLang="en-US" smtClean="0"/>
-              <a:t>2018/12/18</a:t>
+              <a:t>2018/12/19</a:t>
             </a:fld>
             <a:endParaRPr lang="zh-CN" altLang="en-US"/>
           </a:p>
@@ -3016,7 +3016,7 @@
           <a:p>
             <a:fld id="{E02BEBD4-C5DA-43A4-AF93-7C9EEB60B9E0}" type="datetimeFigureOut">
               <a:rPr lang="zh-CN" altLang="en-US" smtClean="0"/>
-              <a:t>2018/12/18</a:t>
+              <a:t>2018/12/19</a:t>
             </a:fld>
             <a:endParaRPr lang="zh-CN" altLang="en-US"/>
           </a:p>
@@ -3232,7 +3232,7 @@
           <a:p>
             <a:fld id="{E02BEBD4-C5DA-43A4-AF93-7C9EEB60B9E0}" type="datetimeFigureOut">
               <a:rPr lang="zh-CN" altLang="en-US" smtClean="0"/>
-              <a:t>2018/12/18</a:t>
+              <a:t>2018/12/19</a:t>
             </a:fld>
             <a:endParaRPr lang="zh-CN" altLang="en-US"/>
           </a:p>
@@ -4177,23 +4177,7 @@
                   <a:schemeClr val="bg1"/>
                 </a:solidFill>
               </a:rPr>
-              <a:t>	</a:t>
-            </a:r>
-            <a:r>
-              <a:rPr lang="en-US" altLang="zh-CN" sz="2800" dirty="0" smtClean="0">
-                <a:solidFill>
-                  <a:schemeClr val="bg1"/>
-                </a:solidFill>
-              </a:rPr>
-              <a:t>+</a:t>
-            </a:r>
-            <a:r>
-              <a:rPr lang="en-US" altLang="zh-CN" sz="2800" dirty="0" smtClean="0">
-                <a:solidFill>
-                  <a:schemeClr val="bg1"/>
-                </a:solidFill>
-              </a:rPr>
-              <a:t>200</a:t>
+              <a:t>	+200</a:t>
             </a:r>
             <a:r>
               <a:rPr lang="zh-CN" altLang="en-US" sz="2800" dirty="0" smtClean="0">
@@ -4231,15 +4215,7 @@
                   <a:schemeClr val="bg1"/>
                 </a:solidFill>
               </a:rPr>
-              <a:t>	</a:t>
-            </a:r>
-            <a:r>
-              <a:rPr lang="en-US" altLang="zh-CN" sz="2800" dirty="0" smtClean="0">
-                <a:solidFill>
-                  <a:schemeClr val="bg1"/>
-                </a:solidFill>
-              </a:rPr>
-              <a:t>-3</a:t>
+              <a:t>	-3</a:t>
             </a:r>
             <a:r>
               <a:rPr lang="zh-CN" altLang="en-US" sz="2800" dirty="0" smtClean="0">
@@ -4387,15 +4363,7 @@
                   <a:schemeClr val="bg1"/>
                 </a:solidFill>
               </a:rPr>
-              <a:t>	</a:t>
-            </a:r>
-            <a:r>
-              <a:rPr lang="en-US" altLang="zh-CN" sz="2800" dirty="0">
-                <a:solidFill>
-                  <a:schemeClr val="bg1"/>
-                </a:solidFill>
-              </a:rPr>
-              <a:t>	</a:t>
+              <a:t>		</a:t>
             </a:r>
             <a:r>
               <a:rPr lang="zh-CN" altLang="en-US" sz="2800" dirty="0">
@@ -4411,15 +4379,7 @@
                   <a:schemeClr val="bg1"/>
                 </a:solidFill>
               </a:rPr>
-              <a:t>个</a:t>
-            </a:r>
-            <a:r>
-              <a:rPr lang="zh-CN" altLang="en-US" sz="2800" dirty="0" smtClean="0">
-                <a:solidFill>
-                  <a:schemeClr val="bg1"/>
-                </a:solidFill>
-              </a:rPr>
-              <a:t>试次，你在</a:t>
+              <a:t>个试次，你在</a:t>
             </a:r>
             <a:r>
               <a:rPr lang="en-US" altLang="zh-CN" sz="2800" dirty="0" smtClean="0">
@@ -5556,22 +5516,7 @@
                   </a:outerShdw>
                 </a:effectLst>
               </a:rPr>
-              <a:t>+</a:t>
-            </a:r>
-            <a:r>
-              <a:rPr lang="en-US" altLang="zh-CN" dirty="0" smtClean="0">
-                <a:solidFill>
-                  <a:srgbClr val="00C800"/>
-                </a:solidFill>
-                <a:effectLst>
-                  <a:outerShdw blurRad="38100" dist="38100" dir="2700000" algn="tl">
-                    <a:srgbClr val="000000">
-                      <a:alpha val="43137"/>
-                    </a:srgbClr>
-                  </a:outerShdw>
-                </a:effectLst>
-              </a:rPr>
-              <a:t>20</a:t>
+              <a:t>+20</a:t>
             </a:r>
             <a:r>
               <a:rPr lang="zh-CN" altLang="en-US" dirty="0" smtClean="0">
@@ -5709,7 +5654,15 @@
                   <a:schemeClr val="bg1"/>
                 </a:solidFill>
               </a:rPr>
-              <a:t>元</a:t>
+              <a:t>元，</a:t>
+            </a:r>
+            <a:r>
+              <a:rPr lang="zh-CN" altLang="en-US" dirty="0">
+                <a:solidFill>
+                  <a:schemeClr val="bg1"/>
+                </a:solidFill>
+              </a:rPr>
+              <a:t>一半</a:t>
             </a:r>
             <a:r>
               <a:rPr lang="zh-CN" altLang="en-US" dirty="0" smtClean="0">
@@ -5717,7 +5670,7 @@
                   <a:schemeClr val="bg1"/>
                 </a:solidFill>
               </a:rPr>
-              <a:t>，</a:t>
+              <a:t>概</a:t>
             </a:r>
             <a:r>
               <a:rPr lang="zh-CN" altLang="en-US" dirty="0">
@@ -5725,7 +5678,7 @@
                   <a:schemeClr val="bg1"/>
                 </a:solidFill>
               </a:rPr>
-              <a:t>一半</a:t>
+              <a:t>率获</a:t>
             </a:r>
             <a:r>
               <a:rPr lang="zh-CN" altLang="en-US" dirty="0" smtClean="0">
@@ -5733,15 +5686,15 @@
                   <a:schemeClr val="bg1"/>
                 </a:solidFill>
               </a:rPr>
-              <a:t>概</a:t>
-            </a:r>
-            <a:r>
-              <a:rPr lang="zh-CN" altLang="en-US" dirty="0">
-                <a:solidFill>
-                  <a:schemeClr val="bg1"/>
-                </a:solidFill>
-              </a:rPr>
-              <a:t>率获</a:t>
+              <a:t>得</a:t>
+            </a:r>
+            <a:r>
+              <a:rPr lang="en-US" altLang="zh-CN" dirty="0" smtClean="0">
+                <a:solidFill>
+                  <a:schemeClr val="bg1"/>
+                </a:solidFill>
+              </a:rPr>
+              <a:t>80</a:t>
             </a:r>
             <a:r>
               <a:rPr lang="zh-CN" altLang="en-US" dirty="0" smtClean="0">
@@ -5749,31 +5702,7 @@
                   <a:schemeClr val="bg1"/>
                 </a:solidFill>
               </a:rPr>
-              <a:t>得</a:t>
-            </a:r>
-            <a:r>
-              <a:rPr lang="en-US" altLang="zh-CN" dirty="0" smtClean="0">
-                <a:solidFill>
-                  <a:schemeClr val="bg1"/>
-                </a:solidFill>
-              </a:rPr>
-              <a:t>90</a:t>
-            </a:r>
-            <a:r>
-              <a:rPr lang="zh-CN" altLang="en-US" dirty="0" smtClean="0">
-                <a:solidFill>
-                  <a:schemeClr val="bg1"/>
-                </a:solidFill>
-              </a:rPr>
-              <a:t>元</a:t>
-            </a:r>
-            <a:r>
-              <a:rPr lang="zh-CN" altLang="en-US" dirty="0" smtClean="0">
-                <a:solidFill>
-                  <a:schemeClr val="bg1"/>
-                </a:solidFill>
-              </a:rPr>
-              <a:t>。</a:t>
+              <a:t>元。</a:t>
             </a:r>
             <a:endParaRPr lang="en-US" altLang="zh-CN" dirty="0" smtClean="0">
               <a:solidFill>
@@ -6028,15 +5957,7 @@
                     <a:srgbClr val="00C800"/>
                   </a:solidFill>
                 </a:rPr>
-                <a:t>+</a:t>
-              </a:r>
-              <a:r>
-                <a:rPr lang="en-US" altLang="zh-CN" dirty="0" smtClean="0">
-                  <a:solidFill>
-                    <a:srgbClr val="00C800"/>
-                  </a:solidFill>
-                </a:rPr>
-                <a:t>20</a:t>
+                <a:t>+20</a:t>
               </a:r>
               <a:endParaRPr lang="zh-CN" altLang="en-US" dirty="0">
                 <a:solidFill>
@@ -6267,15 +6188,7 @@
                     <a:srgbClr val="FF0000"/>
                   </a:solidFill>
                 </a:rPr>
-                <a:t>-</a:t>
-              </a:r>
-              <a:r>
-                <a:rPr lang="en-US" altLang="zh-CN" dirty="0" smtClean="0">
-                  <a:solidFill>
-                    <a:srgbClr val="FF0000"/>
-                  </a:solidFill>
-                </a:rPr>
-                <a:t>30</a:t>
+                <a:t>-30</a:t>
               </a:r>
               <a:r>
                 <a:rPr lang="en-US" altLang="zh-CN" dirty="0" smtClean="0"/>
@@ -8320,15 +8233,7 @@
                       <a:srgbClr val="00C800"/>
                     </a:solidFill>
                   </a:rPr>
-                  <a:t>+</a:t>
-                </a:r>
-                <a:r>
-                  <a:rPr lang="en-US" altLang="zh-CN" dirty="0" smtClean="0">
-                    <a:solidFill>
-                      <a:srgbClr val="00C800"/>
-                    </a:solidFill>
-                  </a:rPr>
-                  <a:t>20</a:t>
+                  <a:t>+20</a:t>
                 </a:r>
                 <a:endParaRPr lang="zh-CN" altLang="en-US" dirty="0">
                   <a:solidFill>
@@ -8559,15 +8464,7 @@
                       <a:srgbClr val="FF0000"/>
                     </a:solidFill>
                   </a:rPr>
-                  <a:t>-</a:t>
-                </a:r>
-                <a:r>
-                  <a:rPr lang="en-US" altLang="zh-CN" dirty="0" smtClean="0">
-                    <a:solidFill>
-                      <a:srgbClr val="FF0000"/>
-                    </a:solidFill>
-                  </a:rPr>
-                  <a:t>80</a:t>
+                  <a:t>-80</a:t>
                 </a:r>
                 <a:r>
                   <a:rPr lang="en-US" altLang="zh-CN" dirty="0" smtClean="0">
@@ -8898,15 +8795,7 @@
                       <a:srgbClr val="FF0000"/>
                     </a:solidFill>
                   </a:rPr>
-                  <a:t>-</a:t>
-                </a:r>
-                <a:r>
-                  <a:rPr lang="en-US" altLang="zh-CN" dirty="0" smtClean="0">
-                    <a:solidFill>
-                      <a:srgbClr val="FF0000"/>
-                    </a:solidFill>
-                  </a:rPr>
-                  <a:t>50</a:t>
+                  <a:t>-50</a:t>
                 </a:r>
                 <a:r>
                   <a:rPr lang="en-US" altLang="zh-CN" dirty="0" smtClean="0"/>
@@ -8918,15 +8807,7 @@
                       <a:srgbClr val="00C800"/>
                     </a:solidFill>
                   </a:rPr>
-                  <a:t>+</a:t>
-                </a:r>
-                <a:r>
-                  <a:rPr lang="en-US" altLang="zh-CN" dirty="0" smtClean="0">
-                    <a:solidFill>
-                      <a:srgbClr val="00C800"/>
-                    </a:solidFill>
-                  </a:rPr>
-                  <a:t>50</a:t>
+                  <a:t>+50</a:t>
                 </a:r>
                 <a:endParaRPr lang="zh-CN" altLang="en-US" dirty="0">
                   <a:solidFill>
@@ -9249,15 +9130,7 @@
                       <a:srgbClr val="FF0000"/>
                     </a:solidFill>
                   </a:rPr>
-                  <a:t>-</a:t>
-                </a:r>
-                <a:r>
-                  <a:rPr lang="en-US" altLang="zh-CN" dirty="0" smtClean="0">
-                    <a:solidFill>
-                      <a:srgbClr val="FF0000"/>
-                    </a:solidFill>
-                  </a:rPr>
-                  <a:t>30</a:t>
+                  <a:t>-30</a:t>
                 </a:r>
                 <a:r>
                   <a:rPr lang="en-US" altLang="zh-CN" dirty="0" smtClean="0">
@@ -9835,7 +9708,7 @@
                   </a:outerShdw>
                 </a:effectLst>
               </a:rPr>
-              <a:t>出两个</a:t>
+              <a:t>出一个</a:t>
             </a:r>
             <a:r>
               <a:rPr lang="zh-CN" altLang="en-US" dirty="0">
